--- a/Documentation/3900 Presentation Group 9.pptx
+++ b/Documentation/3900 Presentation Group 9.pptx
@@ -6,6 +6,7 @@
   </p:sldMasterIdLst>
   <p:sldIdLst>
     <p:sldId id="256" r:id="rId2"/>
+    <p:sldId id="257" r:id="rId3"/>
   </p:sldIdLst>
   <p:sldSz cx="12192000" cy="6858000"/>
   <p:notesSz cx="6858000" cy="9144000"/>
@@ -3443,6 +3444,13 @@
             <a:avLst/>
           </a:prstGeom>
           <a:noFill/>
+          <a:effectLst>
+            <a:outerShdw blurRad="50800" dist="38100" dir="2700000" algn="tl" rotWithShape="0">
+              <a:prstClr val="black">
+                <a:alpha val="40000"/>
+              </a:prstClr>
+            </a:outerShdw>
+          </a:effectLst>
         </p:spPr>
         <p:txBody>
           <a:bodyPr wrap="square" rtlCol="0">
@@ -3561,6 +3569,327 @@
     <p:extLst>
       <p:ext uri="{BB962C8B-B14F-4D97-AF65-F5344CB8AC3E}">
         <p14:creationId xmlns:p14="http://schemas.microsoft.com/office/powerpoint/2010/main" val="3053488728"/>
+      </p:ext>
+    </p:extLst>
+  </p:cSld>
+  <p:clrMapOvr>
+    <a:masterClrMapping/>
+  </p:clrMapOvr>
+</p:sld>
+</file>
+
+<file path=ppt/slides/slide2.xml><?xml version="1.0" encoding="utf-8"?>
+<p:sld xmlns:a="http://schemas.openxmlformats.org/drawingml/2006/main" xmlns:r="http://schemas.openxmlformats.org/officeDocument/2006/relationships" xmlns:p="http://schemas.openxmlformats.org/presentationml/2006/main">
+  <p:cSld>
+    <p:spTree>
+      <p:nvGrpSpPr>
+        <p:cNvPr id="1" name=""/>
+        <p:cNvGrpSpPr/>
+        <p:nvPr/>
+      </p:nvGrpSpPr>
+      <p:grpSpPr>
+        <a:xfrm>
+          <a:off x="0" y="0"/>
+          <a:ext cx="0" cy="0"/>
+          <a:chOff x="0" y="0"/>
+          <a:chExt cx="0" cy="0"/>
+        </a:xfrm>
+      </p:grpSpPr>
+      <p:sp>
+        <p:nvSpPr>
+          <p:cNvPr id="5" name="Rectangle 4">
+            <a:extLst>
+              <a:ext uri="{FF2B5EF4-FFF2-40B4-BE49-F238E27FC236}">
+                <a16:creationId xmlns:a16="http://schemas.microsoft.com/office/drawing/2014/main" id="{7DE55365-B231-436C-B90D-2B732A332B3B}"/>
+              </a:ext>
+            </a:extLst>
+          </p:cNvPr>
+          <p:cNvSpPr/>
+          <p:nvPr/>
+        </p:nvSpPr>
+        <p:spPr>
+          <a:xfrm>
+            <a:off x="0" y="0"/>
+            <a:ext cx="5770485" cy="6858000"/>
+          </a:xfrm>
+          <a:prstGeom prst="rect">
+            <a:avLst/>
+          </a:prstGeom>
+          <a:ln>
+            <a:noFill/>
+          </a:ln>
+        </p:spPr>
+        <p:style>
+          <a:lnRef idx="2">
+            <a:schemeClr val="accent1">
+              <a:shade val="50000"/>
+            </a:schemeClr>
+          </a:lnRef>
+          <a:fillRef idx="1">
+            <a:schemeClr val="accent1"/>
+          </a:fillRef>
+          <a:effectRef idx="0">
+            <a:schemeClr val="accent1"/>
+          </a:effectRef>
+          <a:fontRef idx="minor">
+            <a:schemeClr val="lt1"/>
+          </a:fontRef>
+        </p:style>
+        <p:txBody>
+          <a:bodyPr rtlCol="0" anchor="ctr"/>
+          <a:lstStyle/>
+          <a:p>
+            <a:pPr algn="ctr"/>
+            <a:endParaRPr lang="en-US" dirty="0"/>
+          </a:p>
+        </p:txBody>
+      </p:sp>
+      <p:sp>
+        <p:nvSpPr>
+          <p:cNvPr id="4" name="TextBox 3">
+            <a:extLst>
+              <a:ext uri="{FF2B5EF4-FFF2-40B4-BE49-F238E27FC236}">
+                <a16:creationId xmlns:a16="http://schemas.microsoft.com/office/drawing/2014/main" id="{D915522F-9914-4739-9902-75CBFFE6C6E3}"/>
+              </a:ext>
+            </a:extLst>
+          </p:cNvPr>
+          <p:cNvSpPr txBox="1"/>
+          <p:nvPr/>
+        </p:nvSpPr>
+        <p:spPr>
+          <a:xfrm>
+            <a:off x="443883" y="272577"/>
+            <a:ext cx="6072327" cy="4093428"/>
+          </a:xfrm>
+          <a:prstGeom prst="rect">
+            <a:avLst/>
+          </a:prstGeom>
+          <a:noFill/>
+          <a:effectLst>
+            <a:outerShdw blurRad="50800" dist="38100" algn="l" rotWithShape="0">
+              <a:prstClr val="black">
+                <a:alpha val="40000"/>
+              </a:prstClr>
+            </a:outerShdw>
+          </a:effectLst>
+        </p:spPr>
+        <p:txBody>
+          <a:bodyPr wrap="square" rtlCol="0">
+            <a:spAutoFit/>
+          </a:bodyPr>
+          <a:lstStyle/>
+          <a:p>
+            <a:r>
+              <a:rPr lang="en-US" sz="13000" dirty="0">
+                <a:solidFill>
+                  <a:schemeClr val="bg1"/>
+                </a:solidFill>
+                <a:latin typeface="Harlow Solid Italic" panose="04030604020F02020D02" pitchFamily="82" charset="0"/>
+              </a:rPr>
+              <a:t>The Idea</a:t>
+            </a:r>
+          </a:p>
+        </p:txBody>
+      </p:sp>
+      <p:pic>
+        <p:nvPicPr>
+          <p:cNvPr id="2052" name="Picture 4" descr="Image result for google maps">
+            <a:extLst>
+              <a:ext uri="{FF2B5EF4-FFF2-40B4-BE49-F238E27FC236}">
+                <a16:creationId xmlns:a16="http://schemas.microsoft.com/office/drawing/2014/main" id="{196729F6-9575-46E3-9A0E-436C990F7E2F}"/>
+              </a:ext>
+            </a:extLst>
+          </p:cNvPr>
+          <p:cNvPicPr>
+            <a:picLocks noChangeAspect="1" noChangeArrowheads="1"/>
+          </p:cNvPicPr>
+          <p:nvPr/>
+        </p:nvPicPr>
+        <p:blipFill>
+          <a:blip r:embed="rId2">
+            <a:extLst>
+              <a:ext uri="{28A0092B-C50C-407E-A947-70E740481C1C}">
+                <a14:useLocalDpi xmlns:a14="http://schemas.microsoft.com/office/drawing/2010/main" val="0"/>
+              </a:ext>
+            </a:extLst>
+          </a:blip>
+          <a:srcRect/>
+          <a:stretch>
+            <a:fillRect/>
+          </a:stretch>
+        </p:blipFill>
+        <p:spPr bwMode="auto">
+          <a:xfrm>
+            <a:off x="5334000" y="0"/>
+            <a:ext cx="6858000" cy="6858000"/>
+          </a:xfrm>
+          <a:prstGeom prst="rect">
+            <a:avLst/>
+          </a:prstGeom>
+          <a:noFill/>
+          <a:extLst>
+            <a:ext uri="{909E8E84-426E-40DD-AFC4-6F175D3DCCD1}">
+              <a14:hiddenFill xmlns:a14="http://schemas.microsoft.com/office/drawing/2010/main">
+                <a:solidFill>
+                  <a:srgbClr val="FFFFFF"/>
+                </a:solidFill>
+              </a14:hiddenFill>
+            </a:ext>
+          </a:extLst>
+        </p:spPr>
+      </p:pic>
+      <p:sp>
+        <p:nvSpPr>
+          <p:cNvPr id="6" name="Oval 5">
+            <a:extLst>
+              <a:ext uri="{FF2B5EF4-FFF2-40B4-BE49-F238E27FC236}">
+                <a16:creationId xmlns:a16="http://schemas.microsoft.com/office/drawing/2014/main" id="{85F09677-5187-4CD7-82DC-A22034E2F9B9}"/>
+              </a:ext>
+            </a:extLst>
+          </p:cNvPr>
+          <p:cNvSpPr/>
+          <p:nvPr/>
+        </p:nvSpPr>
+        <p:spPr>
+          <a:xfrm>
+            <a:off x="7767961" y="2370339"/>
+            <a:ext cx="1878321" cy="1858022"/>
+          </a:xfrm>
+          <a:prstGeom prst="ellipse">
+            <a:avLst/>
+          </a:prstGeom>
+          <a:solidFill>
+            <a:srgbClr val="F41414">
+              <a:alpha val="20000"/>
+            </a:srgbClr>
+          </a:solidFill>
+          <a:ln>
+            <a:noFill/>
+          </a:ln>
+        </p:spPr>
+        <p:style>
+          <a:lnRef idx="2">
+            <a:schemeClr val="accent1">
+              <a:shade val="50000"/>
+            </a:schemeClr>
+          </a:lnRef>
+          <a:fillRef idx="1">
+            <a:schemeClr val="accent1"/>
+          </a:fillRef>
+          <a:effectRef idx="0">
+            <a:schemeClr val="accent1"/>
+          </a:effectRef>
+          <a:fontRef idx="minor">
+            <a:schemeClr val="lt1"/>
+          </a:fontRef>
+        </p:style>
+        <p:txBody>
+          <a:bodyPr rtlCol="0" anchor="ctr"/>
+          <a:lstStyle/>
+          <a:p>
+            <a:pPr algn="ctr"/>
+            <a:endParaRPr lang="en-US" dirty="0"/>
+          </a:p>
+        </p:txBody>
+      </p:sp>
+      <p:pic>
+        <p:nvPicPr>
+          <p:cNvPr id="2064" name="Picture 16" descr="Image result for google maps icon png">
+            <a:extLst>
+              <a:ext uri="{FF2B5EF4-FFF2-40B4-BE49-F238E27FC236}">
+                <a16:creationId xmlns:a16="http://schemas.microsoft.com/office/drawing/2014/main" id="{B67F98C2-9730-4587-B968-9A992B013E91}"/>
+              </a:ext>
+            </a:extLst>
+          </p:cNvPr>
+          <p:cNvPicPr>
+            <a:picLocks noChangeAspect="1" noChangeArrowheads="1"/>
+          </p:cNvPicPr>
+          <p:nvPr/>
+        </p:nvPicPr>
+        <p:blipFill>
+          <a:blip r:embed="rId3">
+            <a:extLst>
+              <a:ext uri="{28A0092B-C50C-407E-A947-70E740481C1C}">
+                <a14:useLocalDpi xmlns:a14="http://schemas.microsoft.com/office/drawing/2010/main" val="0"/>
+              </a:ext>
+            </a:extLst>
+          </a:blip>
+          <a:srcRect/>
+          <a:stretch>
+            <a:fillRect/>
+          </a:stretch>
+        </p:blipFill>
+        <p:spPr bwMode="auto">
+          <a:xfrm>
+            <a:off x="368423" y="5486400"/>
+            <a:ext cx="1282824" cy="1282824"/>
+          </a:xfrm>
+          <a:prstGeom prst="rect">
+            <a:avLst/>
+          </a:prstGeom>
+          <a:noFill/>
+          <a:extLst>
+            <a:ext uri="{909E8E84-426E-40DD-AFC4-6F175D3DCCD1}">
+              <a14:hiddenFill xmlns:a14="http://schemas.microsoft.com/office/drawing/2010/main">
+                <a:solidFill>
+                  <a:srgbClr val="FFFFFF"/>
+                </a:solidFill>
+              </a14:hiddenFill>
+            </a:ext>
+          </a:extLst>
+        </p:spPr>
+      </p:pic>
+      <p:pic>
+        <p:nvPicPr>
+          <p:cNvPr id="2068" name="Picture 20" descr="Image result for bluetooth icon png">
+            <a:extLst>
+              <a:ext uri="{FF2B5EF4-FFF2-40B4-BE49-F238E27FC236}">
+                <a16:creationId xmlns:a16="http://schemas.microsoft.com/office/drawing/2014/main" id="{5DD28775-4B8D-4050-9E46-046226047263}"/>
+              </a:ext>
+            </a:extLst>
+          </p:cNvPr>
+          <p:cNvPicPr>
+            <a:picLocks noChangeAspect="1" noChangeArrowheads="1"/>
+          </p:cNvPicPr>
+          <p:nvPr/>
+        </p:nvPicPr>
+        <p:blipFill>
+          <a:blip r:embed="rId4">
+            <a:extLst>
+              <a:ext uri="{28A0092B-C50C-407E-A947-70E740481C1C}">
+                <a14:useLocalDpi xmlns:a14="http://schemas.microsoft.com/office/drawing/2010/main" val="0"/>
+              </a:ext>
+            </a:extLst>
+          </a:blip>
+          <a:srcRect/>
+          <a:stretch>
+            <a:fillRect/>
+          </a:stretch>
+        </p:blipFill>
+        <p:spPr bwMode="auto">
+          <a:xfrm>
+            <a:off x="3980527" y="5424256"/>
+            <a:ext cx="1282824" cy="1282824"/>
+          </a:xfrm>
+          <a:prstGeom prst="rect">
+            <a:avLst/>
+          </a:prstGeom>
+          <a:noFill/>
+          <a:extLst>
+            <a:ext uri="{909E8E84-426E-40DD-AFC4-6F175D3DCCD1}">
+              <a14:hiddenFill xmlns:a14="http://schemas.microsoft.com/office/drawing/2010/main">
+                <a:solidFill>
+                  <a:srgbClr val="FFFFFF"/>
+                </a:solidFill>
+              </a14:hiddenFill>
+            </a:ext>
+          </a:extLst>
+        </p:spPr>
+      </p:pic>
+    </p:spTree>
+    <p:extLst>
+      <p:ext uri="{BB962C8B-B14F-4D97-AF65-F5344CB8AC3E}">
+        <p14:creationId xmlns:p14="http://schemas.microsoft.com/office/powerpoint/2010/main" val="3423634141"/>
       </p:ext>
     </p:extLst>
   </p:cSld>

--- a/Documentation/3900 Presentation Group 9.pptx
+++ b/Documentation/3900 Presentation Group 9.pptx
@@ -7,6 +7,12 @@
   <p:sldIdLst>
     <p:sldId id="256" r:id="rId2"/>
     <p:sldId id="257" r:id="rId3"/>
+    <p:sldId id="260" r:id="rId4"/>
+    <p:sldId id="258" r:id="rId5"/>
+    <p:sldId id="259" r:id="rId6"/>
+    <p:sldId id="261" r:id="rId7"/>
+    <p:sldId id="262" r:id="rId8"/>
+    <p:sldId id="263" r:id="rId9"/>
   </p:sldIdLst>
   <p:sldSz cx="12192000" cy="6858000"/>
   <p:notesSz cx="6858000" cy="9144000"/>
@@ -3437,7 +3443,7 @@
         </p:nvSpPr>
         <p:spPr>
           <a:xfrm>
-            <a:off x="1411550" y="2045151"/>
+            <a:off x="1405908" y="2045151"/>
             <a:ext cx="9170633" cy="2092881"/>
           </a:xfrm>
           <a:prstGeom prst="rect">
@@ -3459,7 +3465,7 @@
           <a:lstStyle/>
           <a:p>
             <a:r>
-              <a:rPr lang="en-US" sz="13000" dirty="0" err="1">
+              <a:rPr lang="en-US" sz="13000" dirty="0">
                 <a:solidFill>
                   <a:srgbClr val="FF0000"/>
                 </a:solidFill>
@@ -3468,7 +3474,7 @@
               <a:t>Super</a:t>
             </a:r>
             <a:r>
-              <a:rPr lang="en-US" sz="13000" dirty="0" err="1">
+              <a:rPr lang="en-US" sz="13000" dirty="0">
                 <a:solidFill>
                   <a:schemeClr val="accent1"/>
                 </a:solidFill>
@@ -3476,12 +3482,6 @@
               </a:rPr>
               <a:t>Points</a:t>
             </a:r>
-            <a:endParaRPr lang="en-US" sz="13000" dirty="0">
-              <a:solidFill>
-                <a:schemeClr val="accent1"/>
-              </a:solidFill>
-              <a:latin typeface="Harlow Solid Italic" panose="04030604020F02020D02" pitchFamily="82" charset="0"/>
-            </a:endParaRPr>
           </a:p>
         </p:txBody>
       </p:sp>
@@ -3644,53 +3644,6 @@
           </a:p>
         </p:txBody>
       </p:sp>
-      <p:sp>
-        <p:nvSpPr>
-          <p:cNvPr id="4" name="TextBox 3">
-            <a:extLst>
-              <a:ext uri="{FF2B5EF4-FFF2-40B4-BE49-F238E27FC236}">
-                <a16:creationId xmlns:a16="http://schemas.microsoft.com/office/drawing/2014/main" id="{D915522F-9914-4739-9902-75CBFFE6C6E3}"/>
-              </a:ext>
-            </a:extLst>
-          </p:cNvPr>
-          <p:cNvSpPr txBox="1"/>
-          <p:nvPr/>
-        </p:nvSpPr>
-        <p:spPr>
-          <a:xfrm>
-            <a:off x="443883" y="272577"/>
-            <a:ext cx="6072327" cy="4093428"/>
-          </a:xfrm>
-          <a:prstGeom prst="rect">
-            <a:avLst/>
-          </a:prstGeom>
-          <a:noFill/>
-          <a:effectLst>
-            <a:outerShdw blurRad="50800" dist="38100" algn="l" rotWithShape="0">
-              <a:prstClr val="black">
-                <a:alpha val="40000"/>
-              </a:prstClr>
-            </a:outerShdw>
-          </a:effectLst>
-        </p:spPr>
-        <p:txBody>
-          <a:bodyPr wrap="square" rtlCol="0">
-            <a:spAutoFit/>
-          </a:bodyPr>
-          <a:lstStyle/>
-          <a:p>
-            <a:r>
-              <a:rPr lang="en-US" sz="13000" dirty="0">
-                <a:solidFill>
-                  <a:schemeClr val="bg1"/>
-                </a:solidFill>
-                <a:latin typeface="Harlow Solid Italic" panose="04030604020F02020D02" pitchFamily="82" charset="0"/>
-              </a:rPr>
-              <a:t>The Idea</a:t>
-            </a:r>
-          </a:p>
-        </p:txBody>
-      </p:sp>
       <p:pic>
         <p:nvPicPr>
           <p:cNvPr id="2052" name="Picture 4" descr="Image result for google maps">
@@ -3738,12 +3691,919 @@
           </a:extLst>
         </p:spPr>
       </p:pic>
-      <p:sp>
-        <p:nvSpPr>
-          <p:cNvPr id="6" name="Oval 5">
-            <a:extLst>
-              <a:ext uri="{FF2B5EF4-FFF2-40B4-BE49-F238E27FC236}">
-                <a16:creationId xmlns:a16="http://schemas.microsoft.com/office/drawing/2014/main" id="{85F09677-5187-4CD7-82DC-A22034E2F9B9}"/>
+      <p:pic>
+        <p:nvPicPr>
+          <p:cNvPr id="2064" name="Picture 16" descr="Image result for google maps icon png">
+            <a:extLst>
+              <a:ext uri="{FF2B5EF4-FFF2-40B4-BE49-F238E27FC236}">
+                <a16:creationId xmlns:a16="http://schemas.microsoft.com/office/drawing/2014/main" id="{B67F98C2-9730-4587-B968-9A992B013E91}"/>
+              </a:ext>
+            </a:extLst>
+          </p:cNvPr>
+          <p:cNvPicPr>
+            <a:picLocks noChangeAspect="1" noChangeArrowheads="1"/>
+          </p:cNvPicPr>
+          <p:nvPr/>
+        </p:nvPicPr>
+        <p:blipFill>
+          <a:blip r:embed="rId3">
+            <a:extLst>
+              <a:ext uri="{28A0092B-C50C-407E-A947-70E740481C1C}">
+                <a14:useLocalDpi xmlns:a14="http://schemas.microsoft.com/office/drawing/2010/main" val="0"/>
+              </a:ext>
+            </a:extLst>
+          </a:blip>
+          <a:srcRect/>
+          <a:stretch>
+            <a:fillRect/>
+          </a:stretch>
+        </p:blipFill>
+        <p:spPr bwMode="auto">
+          <a:xfrm>
+            <a:off x="368423" y="5486400"/>
+            <a:ext cx="1282824" cy="1282824"/>
+          </a:xfrm>
+          <a:prstGeom prst="rect">
+            <a:avLst/>
+          </a:prstGeom>
+          <a:noFill/>
+          <a:effectLst>
+            <a:outerShdw blurRad="50800" dist="38100" dir="2700000" algn="tl" rotWithShape="0">
+              <a:prstClr val="black">
+                <a:alpha val="40000"/>
+              </a:prstClr>
+            </a:outerShdw>
+          </a:effectLst>
+          <a:extLst>
+            <a:ext uri="{909E8E84-426E-40DD-AFC4-6F175D3DCCD1}">
+              <a14:hiddenFill xmlns:a14="http://schemas.microsoft.com/office/drawing/2010/main">
+                <a:solidFill>
+                  <a:srgbClr val="FFFFFF"/>
+                </a:solidFill>
+              </a14:hiddenFill>
+            </a:ext>
+          </a:extLst>
+        </p:spPr>
+      </p:pic>
+      <p:pic>
+        <p:nvPicPr>
+          <p:cNvPr id="2068" name="Picture 20" descr="Image result for bluetooth icon png">
+            <a:extLst>
+              <a:ext uri="{FF2B5EF4-FFF2-40B4-BE49-F238E27FC236}">
+                <a16:creationId xmlns:a16="http://schemas.microsoft.com/office/drawing/2014/main" id="{5DD28775-4B8D-4050-9E46-046226047263}"/>
+              </a:ext>
+            </a:extLst>
+          </p:cNvPr>
+          <p:cNvPicPr>
+            <a:picLocks noChangeAspect="1" noChangeArrowheads="1"/>
+          </p:cNvPicPr>
+          <p:nvPr/>
+        </p:nvPicPr>
+        <p:blipFill>
+          <a:blip r:embed="rId4">
+            <a:extLst>
+              <a:ext uri="{28A0092B-C50C-407E-A947-70E740481C1C}">
+                <a14:useLocalDpi xmlns:a14="http://schemas.microsoft.com/office/drawing/2010/main" val="0"/>
+              </a:ext>
+            </a:extLst>
+          </a:blip>
+          <a:srcRect/>
+          <a:stretch>
+            <a:fillRect/>
+          </a:stretch>
+        </p:blipFill>
+        <p:spPr bwMode="auto">
+          <a:xfrm>
+            <a:off x="1843596" y="5486399"/>
+            <a:ext cx="1191829" cy="1191829"/>
+          </a:xfrm>
+          <a:prstGeom prst="rect">
+            <a:avLst/>
+          </a:prstGeom>
+          <a:noFill/>
+          <a:effectLst>
+            <a:outerShdw blurRad="50800" dist="38100" dir="2700000" algn="tl" rotWithShape="0">
+              <a:prstClr val="black">
+                <a:alpha val="40000"/>
+              </a:prstClr>
+            </a:outerShdw>
+          </a:effectLst>
+          <a:extLst>
+            <a:ext uri="{909E8E84-426E-40DD-AFC4-6F175D3DCCD1}">
+              <a14:hiddenFill xmlns:a14="http://schemas.microsoft.com/office/drawing/2010/main">
+                <a:solidFill>
+                  <a:srgbClr val="FFFFFF"/>
+                </a:solidFill>
+              </a14:hiddenFill>
+            </a:ext>
+          </a:extLst>
+        </p:spPr>
+      </p:pic>
+      <p:sp>
+        <p:nvSpPr>
+          <p:cNvPr id="4" name="TextBox 3">
+            <a:extLst>
+              <a:ext uri="{FF2B5EF4-FFF2-40B4-BE49-F238E27FC236}">
+                <a16:creationId xmlns:a16="http://schemas.microsoft.com/office/drawing/2014/main" id="{D915522F-9914-4739-9902-75CBFFE6C6E3}"/>
+              </a:ext>
+            </a:extLst>
+          </p:cNvPr>
+          <p:cNvSpPr txBox="1"/>
+          <p:nvPr/>
+        </p:nvSpPr>
+        <p:spPr>
+          <a:xfrm>
+            <a:off x="443883" y="272577"/>
+            <a:ext cx="6072327" cy="4093428"/>
+          </a:xfrm>
+          <a:prstGeom prst="rect">
+            <a:avLst/>
+          </a:prstGeom>
+          <a:noFill/>
+          <a:effectLst>
+            <a:outerShdw blurRad="50800" dist="38100" algn="l" rotWithShape="0">
+              <a:prstClr val="black">
+                <a:alpha val="40000"/>
+              </a:prstClr>
+            </a:outerShdw>
+          </a:effectLst>
+        </p:spPr>
+        <p:txBody>
+          <a:bodyPr wrap="square" rtlCol="0">
+            <a:spAutoFit/>
+          </a:bodyPr>
+          <a:lstStyle/>
+          <a:p>
+            <a:r>
+              <a:rPr lang="en-US" sz="13000" dirty="0">
+                <a:solidFill>
+                  <a:schemeClr val="bg1"/>
+                </a:solidFill>
+                <a:latin typeface="Harlow Solid Italic" panose="04030604020F02020D02" pitchFamily="82" charset="0"/>
+              </a:rPr>
+              <a:t>The Idea</a:t>
+            </a:r>
+          </a:p>
+        </p:txBody>
+      </p:sp>
+      <p:pic>
+        <p:nvPicPr>
+          <p:cNvPr id="2070" name="Picture 22" descr="Image result for blue icon marker">
+            <a:extLst>
+              <a:ext uri="{FF2B5EF4-FFF2-40B4-BE49-F238E27FC236}">
+                <a16:creationId xmlns:a16="http://schemas.microsoft.com/office/drawing/2014/main" id="{5862471D-DB42-494F-8500-3B892DA20C93}"/>
+              </a:ext>
+            </a:extLst>
+          </p:cNvPr>
+          <p:cNvPicPr>
+            <a:picLocks noChangeAspect="1" noChangeArrowheads="1"/>
+          </p:cNvPicPr>
+          <p:nvPr/>
+        </p:nvPicPr>
+        <p:blipFill>
+          <a:blip r:embed="rId5">
+            <a:extLst>
+              <a:ext uri="{28A0092B-C50C-407E-A947-70E740481C1C}">
+                <a14:useLocalDpi xmlns:a14="http://schemas.microsoft.com/office/drawing/2010/main" val="0"/>
+              </a:ext>
+            </a:extLst>
+          </a:blip>
+          <a:srcRect/>
+          <a:stretch>
+            <a:fillRect/>
+          </a:stretch>
+        </p:blipFill>
+        <p:spPr bwMode="auto">
+          <a:xfrm>
+            <a:off x="8728229" y="3263284"/>
+            <a:ext cx="506027" cy="506027"/>
+          </a:xfrm>
+          <a:prstGeom prst="rect">
+            <a:avLst/>
+          </a:prstGeom>
+          <a:noFill/>
+          <a:extLst>
+            <a:ext uri="{909E8E84-426E-40DD-AFC4-6F175D3DCCD1}">
+              <a14:hiddenFill xmlns:a14="http://schemas.microsoft.com/office/drawing/2010/main">
+                <a:solidFill>
+                  <a:srgbClr val="FFFFFF"/>
+                </a:solidFill>
+              </a14:hiddenFill>
+            </a:ext>
+          </a:extLst>
+        </p:spPr>
+      </p:pic>
+      <p:pic>
+        <p:nvPicPr>
+          <p:cNvPr id="19" name="Picture 22" descr="Image result for blue icon marker">
+            <a:extLst>
+              <a:ext uri="{FF2B5EF4-FFF2-40B4-BE49-F238E27FC236}">
+                <a16:creationId xmlns:a16="http://schemas.microsoft.com/office/drawing/2014/main" id="{1BBED105-645E-4C8D-A973-9C8AE9557745}"/>
+              </a:ext>
+            </a:extLst>
+          </p:cNvPr>
+          <p:cNvPicPr>
+            <a:picLocks noChangeAspect="1" noChangeArrowheads="1"/>
+          </p:cNvPicPr>
+          <p:nvPr/>
+        </p:nvPicPr>
+        <p:blipFill>
+          <a:blip r:embed="rId5">
+            <a:extLst>
+              <a:ext uri="{28A0092B-C50C-407E-A947-70E740481C1C}">
+                <a14:useLocalDpi xmlns:a14="http://schemas.microsoft.com/office/drawing/2010/main" val="0"/>
+              </a:ext>
+            </a:extLst>
+          </a:blip>
+          <a:srcRect/>
+          <a:stretch>
+            <a:fillRect/>
+          </a:stretch>
+        </p:blipFill>
+        <p:spPr bwMode="auto">
+          <a:xfrm>
+            <a:off x="8922057" y="2556030"/>
+            <a:ext cx="506027" cy="506027"/>
+          </a:xfrm>
+          <a:prstGeom prst="rect">
+            <a:avLst/>
+          </a:prstGeom>
+          <a:noFill/>
+          <a:extLst>
+            <a:ext uri="{909E8E84-426E-40DD-AFC4-6F175D3DCCD1}">
+              <a14:hiddenFill xmlns:a14="http://schemas.microsoft.com/office/drawing/2010/main">
+                <a:solidFill>
+                  <a:srgbClr val="FFFFFF"/>
+                </a:solidFill>
+              </a14:hiddenFill>
+            </a:ext>
+          </a:extLst>
+        </p:spPr>
+      </p:pic>
+      <p:pic>
+        <p:nvPicPr>
+          <p:cNvPr id="20" name="Picture 22" descr="Image result for blue icon marker">
+            <a:extLst>
+              <a:ext uri="{FF2B5EF4-FFF2-40B4-BE49-F238E27FC236}">
+                <a16:creationId xmlns:a16="http://schemas.microsoft.com/office/drawing/2014/main" id="{534E46E2-56AF-4A63-A832-4F854DCDBA0E}"/>
+              </a:ext>
+            </a:extLst>
+          </p:cNvPr>
+          <p:cNvPicPr>
+            <a:picLocks noChangeAspect="1" noChangeArrowheads="1"/>
+          </p:cNvPicPr>
+          <p:nvPr/>
+        </p:nvPicPr>
+        <p:blipFill>
+          <a:blip r:embed="rId5">
+            <a:extLst>
+              <a:ext uri="{28A0092B-C50C-407E-A947-70E740481C1C}">
+                <a14:useLocalDpi xmlns:a14="http://schemas.microsoft.com/office/drawing/2010/main" val="0"/>
+              </a:ext>
+            </a:extLst>
+          </a:blip>
+          <a:srcRect/>
+          <a:stretch>
+            <a:fillRect/>
+          </a:stretch>
+        </p:blipFill>
+        <p:spPr bwMode="auto">
+          <a:xfrm>
+            <a:off x="7834543" y="2556030"/>
+            <a:ext cx="506027" cy="506027"/>
+          </a:xfrm>
+          <a:prstGeom prst="rect">
+            <a:avLst/>
+          </a:prstGeom>
+          <a:noFill/>
+          <a:extLst>
+            <a:ext uri="{909E8E84-426E-40DD-AFC4-6F175D3DCCD1}">
+              <a14:hiddenFill xmlns:a14="http://schemas.microsoft.com/office/drawing/2010/main">
+                <a:solidFill>
+                  <a:srgbClr val="FFFFFF"/>
+                </a:solidFill>
+              </a14:hiddenFill>
+            </a:ext>
+          </a:extLst>
+        </p:spPr>
+      </p:pic>
+      <p:pic>
+        <p:nvPicPr>
+          <p:cNvPr id="21" name="Picture 22" descr="Image result for blue icon marker">
+            <a:extLst>
+              <a:ext uri="{FF2B5EF4-FFF2-40B4-BE49-F238E27FC236}">
+                <a16:creationId xmlns:a16="http://schemas.microsoft.com/office/drawing/2014/main" id="{807D2D8C-9428-4212-AE13-225914334EF7}"/>
+              </a:ext>
+            </a:extLst>
+          </p:cNvPr>
+          <p:cNvPicPr>
+            <a:picLocks noChangeAspect="1" noChangeArrowheads="1"/>
+          </p:cNvPicPr>
+          <p:nvPr/>
+        </p:nvPicPr>
+        <p:blipFill>
+          <a:blip r:embed="rId5">
+            <a:extLst>
+              <a:ext uri="{28A0092B-C50C-407E-A947-70E740481C1C}">
+                <a14:useLocalDpi xmlns:a14="http://schemas.microsoft.com/office/drawing/2010/main" val="0"/>
+              </a:ext>
+            </a:extLst>
+          </a:blip>
+          <a:srcRect/>
+          <a:stretch>
+            <a:fillRect/>
+          </a:stretch>
+        </p:blipFill>
+        <p:spPr bwMode="auto">
+          <a:xfrm>
+            <a:off x="9231298" y="3519257"/>
+            <a:ext cx="506027" cy="506027"/>
+          </a:xfrm>
+          <a:prstGeom prst="rect">
+            <a:avLst/>
+          </a:prstGeom>
+          <a:noFill/>
+          <a:extLst>
+            <a:ext uri="{909E8E84-426E-40DD-AFC4-6F175D3DCCD1}">
+              <a14:hiddenFill xmlns:a14="http://schemas.microsoft.com/office/drawing/2010/main">
+                <a:solidFill>
+                  <a:srgbClr val="FFFFFF"/>
+                </a:solidFill>
+              </a14:hiddenFill>
+            </a:ext>
+          </a:extLst>
+        </p:spPr>
+      </p:pic>
+      <p:pic>
+        <p:nvPicPr>
+          <p:cNvPr id="22" name="Picture 22" descr="Image result for blue icon marker">
+            <a:extLst>
+              <a:ext uri="{FF2B5EF4-FFF2-40B4-BE49-F238E27FC236}">
+                <a16:creationId xmlns:a16="http://schemas.microsoft.com/office/drawing/2014/main" id="{48237895-66BE-4974-9AD9-0B8FC5626388}"/>
+              </a:ext>
+            </a:extLst>
+          </p:cNvPr>
+          <p:cNvPicPr>
+            <a:picLocks noChangeAspect="1" noChangeArrowheads="1"/>
+          </p:cNvPicPr>
+          <p:nvPr/>
+        </p:nvPicPr>
+        <p:blipFill>
+          <a:blip r:embed="rId5">
+            <a:extLst>
+              <a:ext uri="{28A0092B-C50C-407E-A947-70E740481C1C}">
+                <a14:useLocalDpi xmlns:a14="http://schemas.microsoft.com/office/drawing/2010/main" val="0"/>
+              </a:ext>
+            </a:extLst>
+          </a:blip>
+          <a:srcRect/>
+          <a:stretch>
+            <a:fillRect/>
+          </a:stretch>
+        </p:blipFill>
+        <p:spPr bwMode="auto">
+          <a:xfrm>
+            <a:off x="7972146" y="3693112"/>
+            <a:ext cx="506027" cy="506027"/>
+          </a:xfrm>
+          <a:prstGeom prst="rect">
+            <a:avLst/>
+          </a:prstGeom>
+          <a:noFill/>
+          <a:extLst>
+            <a:ext uri="{909E8E84-426E-40DD-AFC4-6F175D3DCCD1}">
+              <a14:hiddenFill xmlns:a14="http://schemas.microsoft.com/office/drawing/2010/main">
+                <a:solidFill>
+                  <a:srgbClr val="FFFFFF"/>
+                </a:solidFill>
+              </a14:hiddenFill>
+            </a:ext>
+          </a:extLst>
+        </p:spPr>
+      </p:pic>
+      <p:pic>
+        <p:nvPicPr>
+          <p:cNvPr id="23" name="Picture 22" descr="Image result for blue icon marker">
+            <a:extLst>
+              <a:ext uri="{FF2B5EF4-FFF2-40B4-BE49-F238E27FC236}">
+                <a16:creationId xmlns:a16="http://schemas.microsoft.com/office/drawing/2014/main" id="{EDD9A881-6B0B-404F-8941-4FCD93604F92}"/>
+              </a:ext>
+            </a:extLst>
+          </p:cNvPr>
+          <p:cNvPicPr>
+            <a:picLocks noChangeAspect="1" noChangeArrowheads="1"/>
+          </p:cNvPicPr>
+          <p:nvPr/>
+        </p:nvPicPr>
+        <p:blipFill>
+          <a:blip r:embed="rId5">
+            <a:extLst>
+              <a:ext uri="{28A0092B-C50C-407E-A947-70E740481C1C}">
+                <a14:useLocalDpi xmlns:a14="http://schemas.microsoft.com/office/drawing/2010/main" val="0"/>
+              </a:ext>
+            </a:extLst>
+          </a:blip>
+          <a:srcRect/>
+          <a:stretch>
+            <a:fillRect/>
+          </a:stretch>
+        </p:blipFill>
+        <p:spPr bwMode="auto">
+          <a:xfrm>
+            <a:off x="9490229" y="4025284"/>
+            <a:ext cx="506027" cy="506027"/>
+          </a:xfrm>
+          <a:prstGeom prst="rect">
+            <a:avLst/>
+          </a:prstGeom>
+          <a:noFill/>
+          <a:extLst>
+            <a:ext uri="{909E8E84-426E-40DD-AFC4-6F175D3DCCD1}">
+              <a14:hiddenFill xmlns:a14="http://schemas.microsoft.com/office/drawing/2010/main">
+                <a:solidFill>
+                  <a:srgbClr val="FFFFFF"/>
+                </a:solidFill>
+              </a14:hiddenFill>
+            </a:ext>
+          </a:extLst>
+        </p:spPr>
+      </p:pic>
+      <p:pic>
+        <p:nvPicPr>
+          <p:cNvPr id="24" name="Picture 22" descr="Image result for blue icon marker">
+            <a:extLst>
+              <a:ext uri="{FF2B5EF4-FFF2-40B4-BE49-F238E27FC236}">
+                <a16:creationId xmlns:a16="http://schemas.microsoft.com/office/drawing/2014/main" id="{E909DBFD-7A62-4A0D-A47B-4220E2D20670}"/>
+              </a:ext>
+            </a:extLst>
+          </p:cNvPr>
+          <p:cNvPicPr>
+            <a:picLocks noChangeAspect="1" noChangeArrowheads="1"/>
+          </p:cNvPicPr>
+          <p:nvPr/>
+        </p:nvPicPr>
+        <p:blipFill>
+          <a:blip r:embed="rId5">
+            <a:extLst>
+              <a:ext uri="{28A0092B-C50C-407E-A947-70E740481C1C}">
+                <a14:useLocalDpi xmlns:a14="http://schemas.microsoft.com/office/drawing/2010/main" val="0"/>
+              </a:ext>
+            </a:extLst>
+          </a:blip>
+          <a:srcRect/>
+          <a:stretch>
+            <a:fillRect/>
+          </a:stretch>
+        </p:blipFill>
+        <p:spPr bwMode="auto">
+          <a:xfrm>
+            <a:off x="8654989" y="4188042"/>
+            <a:ext cx="506027" cy="506027"/>
+          </a:xfrm>
+          <a:prstGeom prst="rect">
+            <a:avLst/>
+          </a:prstGeom>
+          <a:noFill/>
+          <a:extLst>
+            <a:ext uri="{909E8E84-426E-40DD-AFC4-6F175D3DCCD1}">
+              <a14:hiddenFill xmlns:a14="http://schemas.microsoft.com/office/drawing/2010/main">
+                <a:solidFill>
+                  <a:srgbClr val="FFFFFF"/>
+                </a:solidFill>
+              </a14:hiddenFill>
+            </a:ext>
+          </a:extLst>
+        </p:spPr>
+      </p:pic>
+      <p:pic>
+        <p:nvPicPr>
+          <p:cNvPr id="25" name="Picture 22" descr="Image result for blue icon marker">
+            <a:extLst>
+              <a:ext uri="{FF2B5EF4-FFF2-40B4-BE49-F238E27FC236}">
+                <a16:creationId xmlns:a16="http://schemas.microsoft.com/office/drawing/2014/main" id="{A37F72A3-F945-45F1-BD6D-72839D313A20}"/>
+              </a:ext>
+            </a:extLst>
+          </p:cNvPr>
+          <p:cNvPicPr>
+            <a:picLocks noChangeAspect="1" noChangeArrowheads="1"/>
+          </p:cNvPicPr>
+          <p:nvPr/>
+        </p:nvPicPr>
+        <p:blipFill>
+          <a:blip r:embed="rId5">
+            <a:extLst>
+              <a:ext uri="{28A0092B-C50C-407E-A947-70E740481C1C}">
+                <a14:useLocalDpi xmlns:a14="http://schemas.microsoft.com/office/drawing/2010/main" val="0"/>
+              </a:ext>
+            </a:extLst>
+          </a:blip>
+          <a:srcRect/>
+          <a:stretch>
+            <a:fillRect/>
+          </a:stretch>
+        </p:blipFill>
+        <p:spPr bwMode="auto">
+          <a:xfrm>
+            <a:off x="8654988" y="3173029"/>
+            <a:ext cx="506027" cy="506027"/>
+          </a:xfrm>
+          <a:prstGeom prst="rect">
+            <a:avLst/>
+          </a:prstGeom>
+          <a:noFill/>
+          <a:extLst>
+            <a:ext uri="{909E8E84-426E-40DD-AFC4-6F175D3DCCD1}">
+              <a14:hiddenFill xmlns:a14="http://schemas.microsoft.com/office/drawing/2010/main">
+                <a:solidFill>
+                  <a:srgbClr val="FFFFFF"/>
+                </a:solidFill>
+              </a14:hiddenFill>
+            </a:ext>
+          </a:extLst>
+        </p:spPr>
+      </p:pic>
+      <p:pic>
+        <p:nvPicPr>
+          <p:cNvPr id="26" name="Picture 22" descr="Image result for blue icon marker">
+            <a:extLst>
+              <a:ext uri="{FF2B5EF4-FFF2-40B4-BE49-F238E27FC236}">
+                <a16:creationId xmlns:a16="http://schemas.microsoft.com/office/drawing/2014/main" id="{DB0F04C5-1F67-4356-B112-96B52A505CC1}"/>
+              </a:ext>
+            </a:extLst>
+          </p:cNvPr>
+          <p:cNvPicPr>
+            <a:picLocks noChangeAspect="1" noChangeArrowheads="1"/>
+          </p:cNvPicPr>
+          <p:nvPr/>
+        </p:nvPicPr>
+        <p:blipFill>
+          <a:blip r:embed="rId5">
+            <a:extLst>
+              <a:ext uri="{28A0092B-C50C-407E-A947-70E740481C1C}">
+                <a14:useLocalDpi xmlns:a14="http://schemas.microsoft.com/office/drawing/2010/main" val="0"/>
+              </a:ext>
+            </a:extLst>
+          </a:blip>
+          <a:srcRect/>
+          <a:stretch>
+            <a:fillRect/>
+          </a:stretch>
+        </p:blipFill>
+        <p:spPr bwMode="auto">
+          <a:xfrm>
+            <a:off x="9955566" y="3374995"/>
+            <a:ext cx="506027" cy="506027"/>
+          </a:xfrm>
+          <a:prstGeom prst="rect">
+            <a:avLst/>
+          </a:prstGeom>
+          <a:noFill/>
+          <a:extLst>
+            <a:ext uri="{909E8E84-426E-40DD-AFC4-6F175D3DCCD1}">
+              <a14:hiddenFill xmlns:a14="http://schemas.microsoft.com/office/drawing/2010/main">
+                <a:solidFill>
+                  <a:srgbClr val="FFFFFF"/>
+                </a:solidFill>
+              </a14:hiddenFill>
+            </a:ext>
+          </a:extLst>
+        </p:spPr>
+      </p:pic>
+      <p:pic>
+        <p:nvPicPr>
+          <p:cNvPr id="27" name="Picture 22" descr="Image result for blue icon marker">
+            <a:extLst>
+              <a:ext uri="{FF2B5EF4-FFF2-40B4-BE49-F238E27FC236}">
+                <a16:creationId xmlns:a16="http://schemas.microsoft.com/office/drawing/2014/main" id="{6BB7FBC9-957C-4FC5-A137-31E150FD1174}"/>
+              </a:ext>
+            </a:extLst>
+          </p:cNvPr>
+          <p:cNvPicPr>
+            <a:picLocks noChangeAspect="1" noChangeArrowheads="1"/>
+          </p:cNvPicPr>
+          <p:nvPr/>
+        </p:nvPicPr>
+        <p:blipFill>
+          <a:blip r:embed="rId5">
+            <a:extLst>
+              <a:ext uri="{28A0092B-C50C-407E-A947-70E740481C1C}">
+                <a14:useLocalDpi xmlns:a14="http://schemas.microsoft.com/office/drawing/2010/main" val="0"/>
+              </a:ext>
+            </a:extLst>
+          </a:blip>
+          <a:srcRect/>
+          <a:stretch>
+            <a:fillRect/>
+          </a:stretch>
+        </p:blipFill>
+        <p:spPr bwMode="auto">
+          <a:xfrm>
+            <a:off x="9301581" y="3942631"/>
+            <a:ext cx="506027" cy="506027"/>
+          </a:xfrm>
+          <a:prstGeom prst="rect">
+            <a:avLst/>
+          </a:prstGeom>
+          <a:noFill/>
+          <a:extLst>
+            <a:ext uri="{909E8E84-426E-40DD-AFC4-6F175D3DCCD1}">
+              <a14:hiddenFill xmlns:a14="http://schemas.microsoft.com/office/drawing/2010/main">
+                <a:solidFill>
+                  <a:srgbClr val="FFFFFF"/>
+                </a:solidFill>
+              </a14:hiddenFill>
+            </a:ext>
+          </a:extLst>
+        </p:spPr>
+      </p:pic>
+      <p:pic>
+        <p:nvPicPr>
+          <p:cNvPr id="28" name="Picture 22" descr="Image result for blue icon marker">
+            <a:extLst>
+              <a:ext uri="{FF2B5EF4-FFF2-40B4-BE49-F238E27FC236}">
+                <a16:creationId xmlns:a16="http://schemas.microsoft.com/office/drawing/2014/main" id="{37731F62-430B-42AD-82EF-AE557B4F7087}"/>
+              </a:ext>
+            </a:extLst>
+          </p:cNvPr>
+          <p:cNvPicPr>
+            <a:picLocks noChangeAspect="1" noChangeArrowheads="1"/>
+          </p:cNvPicPr>
+          <p:nvPr/>
+        </p:nvPicPr>
+        <p:blipFill>
+          <a:blip r:embed="rId5">
+            <a:extLst>
+              <a:ext uri="{28A0092B-C50C-407E-A947-70E740481C1C}">
+                <a14:useLocalDpi xmlns:a14="http://schemas.microsoft.com/office/drawing/2010/main" val="0"/>
+              </a:ext>
+            </a:extLst>
+          </a:blip>
+          <a:srcRect/>
+          <a:stretch>
+            <a:fillRect/>
+          </a:stretch>
+        </p:blipFill>
+        <p:spPr bwMode="auto">
+          <a:xfrm>
+            <a:off x="9656317" y="3859978"/>
+            <a:ext cx="506027" cy="506027"/>
+          </a:xfrm>
+          <a:prstGeom prst="rect">
+            <a:avLst/>
+          </a:prstGeom>
+          <a:noFill/>
+          <a:extLst>
+            <a:ext uri="{909E8E84-426E-40DD-AFC4-6F175D3DCCD1}">
+              <a14:hiddenFill xmlns:a14="http://schemas.microsoft.com/office/drawing/2010/main">
+                <a:solidFill>
+                  <a:srgbClr val="FFFFFF"/>
+                </a:solidFill>
+              </a14:hiddenFill>
+            </a:ext>
+          </a:extLst>
+        </p:spPr>
+      </p:pic>
+      <p:pic>
+        <p:nvPicPr>
+          <p:cNvPr id="29" name="Picture 22" descr="Image result for blue icon marker">
+            <a:extLst>
+              <a:ext uri="{FF2B5EF4-FFF2-40B4-BE49-F238E27FC236}">
+                <a16:creationId xmlns:a16="http://schemas.microsoft.com/office/drawing/2014/main" id="{216E81EF-63DE-450A-8B41-D215CB8E123C}"/>
+              </a:ext>
+            </a:extLst>
+          </p:cNvPr>
+          <p:cNvPicPr>
+            <a:picLocks noChangeAspect="1" noChangeArrowheads="1"/>
+          </p:cNvPicPr>
+          <p:nvPr/>
+        </p:nvPicPr>
+        <p:blipFill>
+          <a:blip r:embed="rId5">
+            <a:extLst>
+              <a:ext uri="{28A0092B-C50C-407E-A947-70E740481C1C}">
+                <a14:useLocalDpi xmlns:a14="http://schemas.microsoft.com/office/drawing/2010/main" val="0"/>
+              </a:ext>
+            </a:extLst>
+          </a:blip>
+          <a:srcRect/>
+          <a:stretch>
+            <a:fillRect/>
+          </a:stretch>
+        </p:blipFill>
+        <p:spPr bwMode="auto">
+          <a:xfrm>
+            <a:off x="8113820" y="3777449"/>
+            <a:ext cx="506027" cy="506027"/>
+          </a:xfrm>
+          <a:prstGeom prst="rect">
+            <a:avLst/>
+          </a:prstGeom>
+          <a:noFill/>
+          <a:extLst>
+            <a:ext uri="{909E8E84-426E-40DD-AFC4-6F175D3DCCD1}">
+              <a14:hiddenFill xmlns:a14="http://schemas.microsoft.com/office/drawing/2010/main">
+                <a:solidFill>
+                  <a:srgbClr val="FFFFFF"/>
+                </a:solidFill>
+              </a14:hiddenFill>
+            </a:ext>
+          </a:extLst>
+        </p:spPr>
+      </p:pic>
+      <p:pic>
+        <p:nvPicPr>
+          <p:cNvPr id="30" name="Picture 22" descr="Image result for blue icon marker">
+            <a:extLst>
+              <a:ext uri="{FF2B5EF4-FFF2-40B4-BE49-F238E27FC236}">
+                <a16:creationId xmlns:a16="http://schemas.microsoft.com/office/drawing/2014/main" id="{26B75F31-F8B5-4781-80E6-E964E00ED149}"/>
+              </a:ext>
+            </a:extLst>
+          </p:cNvPr>
+          <p:cNvPicPr>
+            <a:picLocks noChangeAspect="1" noChangeArrowheads="1"/>
+          </p:cNvPicPr>
+          <p:nvPr/>
+        </p:nvPicPr>
+        <p:blipFill>
+          <a:blip r:embed="rId5">
+            <a:extLst>
+              <a:ext uri="{28A0092B-C50C-407E-A947-70E740481C1C}">
+                <a14:useLocalDpi xmlns:a14="http://schemas.microsoft.com/office/drawing/2010/main" val="0"/>
+              </a:ext>
+            </a:extLst>
+          </a:blip>
+          <a:srcRect/>
+          <a:stretch>
+            <a:fillRect/>
+          </a:stretch>
+        </p:blipFill>
+        <p:spPr bwMode="auto">
+          <a:xfrm>
+            <a:off x="7982504" y="3010270"/>
+            <a:ext cx="506027" cy="506027"/>
+          </a:xfrm>
+          <a:prstGeom prst="rect">
+            <a:avLst/>
+          </a:prstGeom>
+          <a:noFill/>
+          <a:extLst>
+            <a:ext uri="{909E8E84-426E-40DD-AFC4-6F175D3DCCD1}">
+              <a14:hiddenFill xmlns:a14="http://schemas.microsoft.com/office/drawing/2010/main">
+                <a:solidFill>
+                  <a:srgbClr val="FFFFFF"/>
+                </a:solidFill>
+              </a14:hiddenFill>
+            </a:ext>
+          </a:extLst>
+        </p:spPr>
+      </p:pic>
+      <p:pic>
+        <p:nvPicPr>
+          <p:cNvPr id="31" name="Picture 22" descr="Image result for blue icon marker">
+            <a:extLst>
+              <a:ext uri="{FF2B5EF4-FFF2-40B4-BE49-F238E27FC236}">
+                <a16:creationId xmlns:a16="http://schemas.microsoft.com/office/drawing/2014/main" id="{9B49F5C2-A179-4FDA-9835-D8D074FED960}"/>
+              </a:ext>
+            </a:extLst>
+          </p:cNvPr>
+          <p:cNvPicPr>
+            <a:picLocks noChangeAspect="1" noChangeArrowheads="1"/>
+          </p:cNvPicPr>
+          <p:nvPr/>
+        </p:nvPicPr>
+        <p:blipFill>
+          <a:blip r:embed="rId5">
+            <a:extLst>
+              <a:ext uri="{28A0092B-C50C-407E-A947-70E740481C1C}">
+                <a14:useLocalDpi xmlns:a14="http://schemas.microsoft.com/office/drawing/2010/main" val="0"/>
+              </a:ext>
+            </a:extLst>
+          </a:blip>
+          <a:srcRect/>
+          <a:stretch>
+            <a:fillRect/>
+          </a:stretch>
+        </p:blipFill>
+        <p:spPr bwMode="auto">
+          <a:xfrm>
+            <a:off x="8381259" y="2574524"/>
+            <a:ext cx="506027" cy="506027"/>
+          </a:xfrm>
+          <a:prstGeom prst="rect">
+            <a:avLst/>
+          </a:prstGeom>
+          <a:noFill/>
+          <a:extLst>
+            <a:ext uri="{909E8E84-426E-40DD-AFC4-6F175D3DCCD1}">
+              <a14:hiddenFill xmlns:a14="http://schemas.microsoft.com/office/drawing/2010/main">
+                <a:solidFill>
+                  <a:srgbClr val="FFFFFF"/>
+                </a:solidFill>
+              </a14:hiddenFill>
+            </a:ext>
+          </a:extLst>
+        </p:spPr>
+      </p:pic>
+      <p:pic>
+        <p:nvPicPr>
+          <p:cNvPr id="32" name="Picture 22" descr="Image result for blue icon marker">
+            <a:extLst>
+              <a:ext uri="{FF2B5EF4-FFF2-40B4-BE49-F238E27FC236}">
+                <a16:creationId xmlns:a16="http://schemas.microsoft.com/office/drawing/2014/main" id="{69F5EB97-FDFB-4E95-9DE5-F61A94BAA3A8}"/>
+              </a:ext>
+            </a:extLst>
+          </p:cNvPr>
+          <p:cNvPicPr>
+            <a:picLocks noChangeAspect="1" noChangeArrowheads="1"/>
+          </p:cNvPicPr>
+          <p:nvPr/>
+        </p:nvPicPr>
+        <p:blipFill>
+          <a:blip r:embed="rId5">
+            <a:extLst>
+              <a:ext uri="{28A0092B-C50C-407E-A947-70E740481C1C}">
+                <a14:useLocalDpi xmlns:a14="http://schemas.microsoft.com/office/drawing/2010/main" val="0"/>
+              </a:ext>
+            </a:extLst>
+          </a:blip>
+          <a:srcRect/>
+          <a:stretch>
+            <a:fillRect/>
+          </a:stretch>
+        </p:blipFill>
+        <p:spPr bwMode="auto">
+          <a:xfrm>
+            <a:off x="9379256" y="2971904"/>
+            <a:ext cx="506027" cy="506027"/>
+          </a:xfrm>
+          <a:prstGeom prst="rect">
+            <a:avLst/>
+          </a:prstGeom>
+          <a:noFill/>
+          <a:extLst>
+            <a:ext uri="{909E8E84-426E-40DD-AFC4-6F175D3DCCD1}">
+              <a14:hiddenFill xmlns:a14="http://schemas.microsoft.com/office/drawing/2010/main">
+                <a:solidFill>
+                  <a:srgbClr val="FFFFFF"/>
+                </a:solidFill>
+              </a14:hiddenFill>
+            </a:ext>
+          </a:extLst>
+        </p:spPr>
+      </p:pic>
+      <p:pic>
+        <p:nvPicPr>
+          <p:cNvPr id="33" name="Picture 22" descr="Image result for blue icon marker">
+            <a:extLst>
+              <a:ext uri="{FF2B5EF4-FFF2-40B4-BE49-F238E27FC236}">
+                <a16:creationId xmlns:a16="http://schemas.microsoft.com/office/drawing/2014/main" id="{8B1ABD10-44CF-4A20-9030-3B9D4557D7F4}"/>
+              </a:ext>
+            </a:extLst>
+          </p:cNvPr>
+          <p:cNvPicPr>
+            <a:picLocks noChangeAspect="1" noChangeArrowheads="1"/>
+          </p:cNvPicPr>
+          <p:nvPr/>
+        </p:nvPicPr>
+        <p:blipFill>
+          <a:blip r:embed="rId5">
+            <a:extLst>
+              <a:ext uri="{28A0092B-C50C-407E-A947-70E740481C1C}">
+                <a14:useLocalDpi xmlns:a14="http://schemas.microsoft.com/office/drawing/2010/main" val="0"/>
+              </a:ext>
+            </a:extLst>
+          </a:blip>
+          <a:srcRect/>
+          <a:stretch>
+            <a:fillRect/>
+          </a:stretch>
+        </p:blipFill>
+        <p:spPr bwMode="auto">
+          <a:xfrm>
+            <a:off x="9663341" y="2885243"/>
+            <a:ext cx="506027" cy="506027"/>
+          </a:xfrm>
+          <a:prstGeom prst="rect">
+            <a:avLst/>
+          </a:prstGeom>
+          <a:noFill/>
+          <a:extLst>
+            <a:ext uri="{909E8E84-426E-40DD-AFC4-6F175D3DCCD1}">
+              <a14:hiddenFill xmlns:a14="http://schemas.microsoft.com/office/drawing/2010/main">
+                <a:solidFill>
+                  <a:srgbClr val="FFFFFF"/>
+                </a:solidFill>
+              </a14:hiddenFill>
+            </a:ext>
+          </a:extLst>
+        </p:spPr>
+      </p:pic>
+      <p:sp>
+        <p:nvSpPr>
+          <p:cNvPr id="8" name="Oval 7">
+            <a:extLst>
+              <a:ext uri="{FF2B5EF4-FFF2-40B4-BE49-F238E27FC236}">
+                <a16:creationId xmlns:a16="http://schemas.microsoft.com/office/drawing/2014/main" id="{479D7BCA-442F-44FD-9846-BEC90CAD9C5B}"/>
               </a:ext>
             </a:extLst>
           </p:cNvPr>
@@ -3752,15 +4612,15 @@
         </p:nvSpPr>
         <p:spPr>
           <a:xfrm>
-            <a:off x="7767961" y="2370339"/>
-            <a:ext cx="1878321" cy="1858022"/>
+            <a:off x="7154383" y="1720153"/>
+            <a:ext cx="3755254" cy="3515556"/>
           </a:xfrm>
           <a:prstGeom prst="ellipse">
             <a:avLst/>
           </a:prstGeom>
           <a:solidFill>
             <a:srgbClr val="F41414">
-              <a:alpha val="20000"/>
+              <a:alpha val="27843"/>
             </a:srgbClr>
           </a:solidFill>
           <a:ln>
@@ -3792,12 +4652,785 @@
           </a:p>
         </p:txBody>
       </p:sp>
+    </p:spTree>
+    <p:extLst>
+      <p:ext uri="{BB962C8B-B14F-4D97-AF65-F5344CB8AC3E}">
+        <p14:creationId xmlns:p14="http://schemas.microsoft.com/office/powerpoint/2010/main" val="3423634141"/>
+      </p:ext>
+    </p:extLst>
+  </p:cSld>
+  <p:clrMapOvr>
+    <a:masterClrMapping/>
+  </p:clrMapOvr>
+</p:sld>
+</file>
+
+<file path=ppt/slides/slide3.xml><?xml version="1.0" encoding="utf-8"?>
+<p:sld xmlns:a="http://schemas.openxmlformats.org/drawingml/2006/main" xmlns:r="http://schemas.openxmlformats.org/officeDocument/2006/relationships" xmlns:p="http://schemas.openxmlformats.org/presentationml/2006/main">
+  <p:cSld>
+    <p:spTree>
+      <p:nvGrpSpPr>
+        <p:cNvPr id="1" name=""/>
+        <p:cNvGrpSpPr/>
+        <p:nvPr/>
+      </p:nvGrpSpPr>
+      <p:grpSpPr>
+        <a:xfrm>
+          <a:off x="0" y="0"/>
+          <a:ext cx="0" cy="0"/>
+          <a:chOff x="0" y="0"/>
+          <a:chExt cx="0" cy="0"/>
+        </a:xfrm>
+      </p:grpSpPr>
       <p:pic>
         <p:nvPicPr>
-          <p:cNvPr id="2064" name="Picture 16" descr="Image result for google maps icon png">
-            <a:extLst>
-              <a:ext uri="{FF2B5EF4-FFF2-40B4-BE49-F238E27FC236}">
-                <a16:creationId xmlns:a16="http://schemas.microsoft.com/office/drawing/2014/main" id="{B67F98C2-9730-4587-B968-9A992B013E91}"/>
+          <p:cNvPr id="6" name="Picture 5">
+            <a:extLst>
+              <a:ext uri="{FF2B5EF4-FFF2-40B4-BE49-F238E27FC236}">
+                <a16:creationId xmlns:a16="http://schemas.microsoft.com/office/drawing/2014/main" id="{CEDA9E0B-6E3E-4042-AF5B-B506CE19F055}"/>
+              </a:ext>
+            </a:extLst>
+          </p:cNvPr>
+          <p:cNvPicPr>
+            <a:picLocks noChangeAspect="1"/>
+          </p:cNvPicPr>
+          <p:nvPr/>
+        </p:nvPicPr>
+        <p:blipFill>
+          <a:blip r:embed="rId2">
+            <a:extLst>
+              <a:ext uri="{28A0092B-C50C-407E-A947-70E740481C1C}">
+                <a14:useLocalDpi xmlns:a14="http://schemas.microsoft.com/office/drawing/2010/main" val="0"/>
+              </a:ext>
+            </a:extLst>
+          </a:blip>
+          <a:stretch>
+            <a:fillRect/>
+          </a:stretch>
+        </p:blipFill>
+        <p:spPr>
+          <a:xfrm>
+            <a:off x="655930" y="1657350"/>
+            <a:ext cx="3373145" cy="3373145"/>
+          </a:xfrm>
+          <a:prstGeom prst="rect">
+            <a:avLst/>
+          </a:prstGeom>
+        </p:spPr>
+      </p:pic>
+      <p:pic>
+        <p:nvPicPr>
+          <p:cNvPr id="8" name="Picture 7">
+            <a:extLst>
+              <a:ext uri="{FF2B5EF4-FFF2-40B4-BE49-F238E27FC236}">
+                <a16:creationId xmlns:a16="http://schemas.microsoft.com/office/drawing/2014/main" id="{E190CFCB-1B15-4A3F-B865-65672915DC88}"/>
+              </a:ext>
+            </a:extLst>
+          </p:cNvPr>
+          <p:cNvPicPr>
+            <a:picLocks noChangeAspect="1"/>
+          </p:cNvPicPr>
+          <p:nvPr/>
+        </p:nvPicPr>
+        <p:blipFill>
+          <a:blip r:embed="rId3">
+            <a:extLst>
+              <a:ext uri="{28A0092B-C50C-407E-A947-70E740481C1C}">
+                <a14:useLocalDpi xmlns:a14="http://schemas.microsoft.com/office/drawing/2010/main" val="0"/>
+              </a:ext>
+            </a:extLst>
+          </a:blip>
+          <a:stretch>
+            <a:fillRect/>
+          </a:stretch>
+        </p:blipFill>
+        <p:spPr>
+          <a:xfrm>
+            <a:off x="7810407" y="1742427"/>
+            <a:ext cx="3373145" cy="3373145"/>
+          </a:xfrm>
+          <a:prstGeom prst="rect">
+            <a:avLst/>
+          </a:prstGeom>
+        </p:spPr>
+      </p:pic>
+      <p:sp>
+        <p:nvSpPr>
+          <p:cNvPr id="9" name="Arrow: Circular 8">
+            <a:extLst>
+              <a:ext uri="{FF2B5EF4-FFF2-40B4-BE49-F238E27FC236}">
+                <a16:creationId xmlns:a16="http://schemas.microsoft.com/office/drawing/2014/main" id="{3F8F67AF-A38A-45D1-B905-15B19AFEB2BA}"/>
+              </a:ext>
+            </a:extLst>
+          </p:cNvPr>
+          <p:cNvSpPr/>
+          <p:nvPr/>
+        </p:nvSpPr>
+        <p:spPr>
+          <a:xfrm>
+            <a:off x="4210142" y="643630"/>
+            <a:ext cx="3373145" cy="3816566"/>
+          </a:xfrm>
+          <a:prstGeom prst="circularArrow">
+            <a:avLst/>
+          </a:prstGeom>
+          <a:solidFill>
+            <a:srgbClr val="F41414"/>
+          </a:solidFill>
+          <a:ln>
+            <a:noFill/>
+          </a:ln>
+        </p:spPr>
+        <p:style>
+          <a:lnRef idx="2">
+            <a:schemeClr val="accent1">
+              <a:shade val="50000"/>
+            </a:schemeClr>
+          </a:lnRef>
+          <a:fillRef idx="1">
+            <a:schemeClr val="accent1"/>
+          </a:fillRef>
+          <a:effectRef idx="0">
+            <a:schemeClr val="accent1"/>
+          </a:effectRef>
+          <a:fontRef idx="minor">
+            <a:schemeClr val="lt1"/>
+          </a:fontRef>
+        </p:style>
+        <p:txBody>
+          <a:bodyPr rtlCol="0" anchor="ctr"/>
+          <a:lstStyle/>
+          <a:p>
+            <a:pPr algn="ctr"/>
+            <a:endParaRPr lang="en-US" dirty="0">
+              <a:solidFill>
+                <a:schemeClr val="tx1"/>
+              </a:solidFill>
+            </a:endParaRPr>
+          </a:p>
+        </p:txBody>
+      </p:sp>
+      <p:sp>
+        <p:nvSpPr>
+          <p:cNvPr id="13" name="Arrow: Circular 12">
+            <a:extLst>
+              <a:ext uri="{FF2B5EF4-FFF2-40B4-BE49-F238E27FC236}">
+                <a16:creationId xmlns:a16="http://schemas.microsoft.com/office/drawing/2014/main" id="{8CA3F3FE-DCAA-465B-9FBF-857FE5877A86}"/>
+              </a:ext>
+            </a:extLst>
+          </p:cNvPr>
+          <p:cNvSpPr/>
+          <p:nvPr/>
+        </p:nvSpPr>
+        <p:spPr>
+          <a:xfrm rot="10800000">
+            <a:off x="4210142" y="2193617"/>
+            <a:ext cx="3600265" cy="3816566"/>
+          </a:xfrm>
+          <a:prstGeom prst="circularArrow">
+            <a:avLst/>
+          </a:prstGeom>
+          <a:solidFill>
+            <a:srgbClr val="F41414"/>
+          </a:solidFill>
+          <a:ln>
+            <a:noFill/>
+          </a:ln>
+        </p:spPr>
+        <p:style>
+          <a:lnRef idx="2">
+            <a:schemeClr val="accent1">
+              <a:shade val="50000"/>
+            </a:schemeClr>
+          </a:lnRef>
+          <a:fillRef idx="1">
+            <a:schemeClr val="accent1"/>
+          </a:fillRef>
+          <a:effectRef idx="0">
+            <a:schemeClr val="accent1"/>
+          </a:effectRef>
+          <a:fontRef idx="minor">
+            <a:schemeClr val="lt1"/>
+          </a:fontRef>
+        </p:style>
+        <p:txBody>
+          <a:bodyPr rtlCol="0" anchor="ctr"/>
+          <a:lstStyle/>
+          <a:p>
+            <a:pPr algn="ctr"/>
+            <a:endParaRPr lang="en-US" dirty="0">
+              <a:solidFill>
+                <a:schemeClr val="tx1"/>
+              </a:solidFill>
+            </a:endParaRPr>
+          </a:p>
+        </p:txBody>
+      </p:sp>
+    </p:spTree>
+    <p:extLst>
+      <p:ext uri="{BB962C8B-B14F-4D97-AF65-F5344CB8AC3E}">
+        <p14:creationId xmlns:p14="http://schemas.microsoft.com/office/powerpoint/2010/main" val="3284601522"/>
+      </p:ext>
+    </p:extLst>
+  </p:cSld>
+  <p:clrMapOvr>
+    <a:masterClrMapping/>
+  </p:clrMapOvr>
+</p:sld>
+</file>
+
+<file path=ppt/slides/slide4.xml><?xml version="1.0" encoding="utf-8"?>
+<p:sld xmlns:a="http://schemas.openxmlformats.org/drawingml/2006/main" xmlns:r="http://schemas.openxmlformats.org/officeDocument/2006/relationships" xmlns:p="http://schemas.openxmlformats.org/presentationml/2006/main">
+  <p:cSld>
+    <p:spTree>
+      <p:nvGrpSpPr>
+        <p:cNvPr id="1" name=""/>
+        <p:cNvGrpSpPr/>
+        <p:nvPr/>
+      </p:nvGrpSpPr>
+      <p:grpSpPr>
+        <a:xfrm>
+          <a:off x="0" y="0"/>
+          <a:ext cx="0" cy="0"/>
+          <a:chOff x="0" y="0"/>
+          <a:chExt cx="0" cy="0"/>
+        </a:xfrm>
+      </p:grpSpPr>
+      <p:sp>
+        <p:nvSpPr>
+          <p:cNvPr id="4" name="Rectangle 3">
+            <a:extLst>
+              <a:ext uri="{FF2B5EF4-FFF2-40B4-BE49-F238E27FC236}">
+                <a16:creationId xmlns:a16="http://schemas.microsoft.com/office/drawing/2014/main" id="{A9FDF07A-941E-493B-A87D-140590F6CEE9}"/>
+              </a:ext>
+            </a:extLst>
+          </p:cNvPr>
+          <p:cNvSpPr/>
+          <p:nvPr/>
+        </p:nvSpPr>
+        <p:spPr>
+          <a:xfrm>
+            <a:off x="0" y="0"/>
+            <a:ext cx="12192002" cy="6858000"/>
+          </a:xfrm>
+          <a:prstGeom prst="rect">
+            <a:avLst/>
+          </a:prstGeom>
+          <a:solidFill>
+            <a:srgbClr val="FF0000"/>
+          </a:solidFill>
+          <a:ln>
+            <a:noFill/>
+          </a:ln>
+        </p:spPr>
+        <p:style>
+          <a:lnRef idx="2">
+            <a:schemeClr val="accent1">
+              <a:shade val="50000"/>
+            </a:schemeClr>
+          </a:lnRef>
+          <a:fillRef idx="1">
+            <a:schemeClr val="accent1"/>
+          </a:fillRef>
+          <a:effectRef idx="0">
+            <a:schemeClr val="accent1"/>
+          </a:effectRef>
+          <a:fontRef idx="minor">
+            <a:schemeClr val="lt1"/>
+          </a:fontRef>
+        </p:style>
+        <p:txBody>
+          <a:bodyPr rtlCol="0" anchor="ctr"/>
+          <a:lstStyle/>
+          <a:p>
+            <a:pPr algn="ctr"/>
+            <a:endParaRPr lang="en-US" dirty="0"/>
+          </a:p>
+        </p:txBody>
+      </p:sp>
+      <p:sp>
+        <p:nvSpPr>
+          <p:cNvPr id="5" name="TextBox 4">
+            <a:extLst>
+              <a:ext uri="{FF2B5EF4-FFF2-40B4-BE49-F238E27FC236}">
+                <a16:creationId xmlns:a16="http://schemas.microsoft.com/office/drawing/2014/main" id="{BF221FEC-E642-45EF-AE68-A8CABBD39594}"/>
+              </a:ext>
+            </a:extLst>
+          </p:cNvPr>
+          <p:cNvSpPr txBox="1"/>
+          <p:nvPr/>
+        </p:nvSpPr>
+        <p:spPr>
+          <a:xfrm>
+            <a:off x="5983550" y="382012"/>
+            <a:ext cx="5513034" cy="6093976"/>
+          </a:xfrm>
+          <a:prstGeom prst="rect">
+            <a:avLst/>
+          </a:prstGeom>
+          <a:noFill/>
+          <a:effectLst>
+            <a:outerShdw blurRad="50800" dist="38100" algn="l" rotWithShape="0">
+              <a:prstClr val="black">
+                <a:alpha val="40000"/>
+              </a:prstClr>
+            </a:outerShdw>
+          </a:effectLst>
+        </p:spPr>
+        <p:txBody>
+          <a:bodyPr wrap="square" rtlCol="0">
+            <a:spAutoFit/>
+          </a:bodyPr>
+          <a:lstStyle/>
+          <a:p>
+            <a:pPr algn="ctr"/>
+            <a:r>
+              <a:rPr lang="en-US" sz="13000" dirty="0">
+                <a:solidFill>
+                  <a:schemeClr val="bg1"/>
+                </a:solidFill>
+                <a:latin typeface="Harlow Solid Italic" panose="04030604020F02020D02" pitchFamily="82" charset="0"/>
+              </a:rPr>
+              <a:t>What</a:t>
+            </a:r>
+          </a:p>
+          <a:p>
+            <a:pPr algn="ctr"/>
+            <a:r>
+              <a:rPr lang="en-US" sz="13000" dirty="0">
+                <a:solidFill>
+                  <a:schemeClr val="bg1"/>
+                </a:solidFill>
+                <a:latin typeface="Harlow Solid Italic" panose="04030604020F02020D02" pitchFamily="82" charset="0"/>
+              </a:rPr>
+              <a:t>We</a:t>
+            </a:r>
+          </a:p>
+          <a:p>
+            <a:pPr algn="ctr"/>
+            <a:r>
+              <a:rPr lang="en-US" sz="13000" dirty="0">
+                <a:solidFill>
+                  <a:schemeClr val="bg1"/>
+                </a:solidFill>
+                <a:latin typeface="Harlow Solid Italic" panose="04030604020F02020D02" pitchFamily="82" charset="0"/>
+              </a:rPr>
+              <a:t>Did</a:t>
+            </a:r>
+          </a:p>
+        </p:txBody>
+      </p:sp>
+      <p:sp>
+        <p:nvSpPr>
+          <p:cNvPr id="7" name="TextBox 6">
+            <a:extLst>
+              <a:ext uri="{FF2B5EF4-FFF2-40B4-BE49-F238E27FC236}">
+                <a16:creationId xmlns:a16="http://schemas.microsoft.com/office/drawing/2014/main" id="{2BD9E92B-D111-4D2C-9D00-FBCE2AE36605}"/>
+              </a:ext>
+            </a:extLst>
+          </p:cNvPr>
+          <p:cNvSpPr txBox="1"/>
+          <p:nvPr/>
+        </p:nvSpPr>
+        <p:spPr>
+          <a:xfrm>
+            <a:off x="503230" y="1166842"/>
+            <a:ext cx="5160723" cy="4524315"/>
+          </a:xfrm>
+          <a:prstGeom prst="rect">
+            <a:avLst/>
+          </a:prstGeom>
+          <a:noFill/>
+        </p:spPr>
+        <p:txBody>
+          <a:bodyPr wrap="square" rtlCol="0">
+            <a:spAutoFit/>
+          </a:bodyPr>
+          <a:lstStyle/>
+          <a:p>
+            <a:r>
+              <a:rPr lang="en-US" sz="3200" dirty="0">
+                <a:solidFill>
+                  <a:schemeClr val="bg1"/>
+                </a:solidFill>
+                <a:latin typeface="Microsoft JhengHei Light" panose="020B0304030504040204" pitchFamily="34" charset="-120"/>
+                <a:ea typeface="Microsoft JhengHei Light" panose="020B0304030504040204" pitchFamily="34" charset="-120"/>
+              </a:rPr>
+              <a:t>Created detection of a customer within a store</a:t>
+            </a:r>
+            <a:br>
+              <a:rPr lang="en-US" sz="3200" dirty="0">
+                <a:solidFill>
+                  <a:schemeClr val="bg1"/>
+                </a:solidFill>
+                <a:latin typeface="Microsoft JhengHei Light" panose="020B0304030504040204" pitchFamily="34" charset="-120"/>
+                <a:ea typeface="Microsoft JhengHei Light" panose="020B0304030504040204" pitchFamily="34" charset="-120"/>
+              </a:rPr>
+            </a:br>
+            <a:br>
+              <a:rPr lang="en-US" sz="3200" dirty="0">
+                <a:solidFill>
+                  <a:schemeClr val="bg1"/>
+                </a:solidFill>
+                <a:latin typeface="Microsoft JhengHei Light" panose="020B0304030504040204" pitchFamily="34" charset="-120"/>
+                <a:ea typeface="Microsoft JhengHei Light" panose="020B0304030504040204" pitchFamily="34" charset="-120"/>
+              </a:rPr>
+            </a:br>
+            <a:r>
+              <a:rPr lang="en-US" sz="3200" dirty="0">
+                <a:solidFill>
+                  <a:schemeClr val="bg1"/>
+                </a:solidFill>
+                <a:latin typeface="Microsoft JhengHei Light" panose="020B0304030504040204" pitchFamily="34" charset="-120"/>
+                <a:ea typeface="Microsoft JhengHei Light" panose="020B0304030504040204" pitchFamily="34" charset="-120"/>
+              </a:rPr>
+              <a:t>Created detection of a businesses within a consumers area</a:t>
+            </a:r>
+          </a:p>
+          <a:p>
+            <a:endParaRPr lang="en-US" sz="3200" dirty="0">
+              <a:solidFill>
+                <a:schemeClr val="bg1"/>
+              </a:solidFill>
+              <a:latin typeface="Microsoft JhengHei Light" panose="020B0304030504040204" pitchFamily="34" charset="-120"/>
+              <a:ea typeface="Microsoft JhengHei Light" panose="020B0304030504040204" pitchFamily="34" charset="-120"/>
+            </a:endParaRPr>
+          </a:p>
+          <a:p>
+            <a:r>
+              <a:rPr lang="en-US" sz="3200" dirty="0">
+                <a:solidFill>
+                  <a:schemeClr val="bg1"/>
+                </a:solidFill>
+                <a:latin typeface="Microsoft JhengHei Light" panose="020B0304030504040204" pitchFamily="34" charset="-120"/>
+                <a:ea typeface="Microsoft JhengHei Light" panose="020B0304030504040204" pitchFamily="34" charset="-120"/>
+              </a:rPr>
+              <a:t>Awarded points to be used for promotions </a:t>
+            </a:r>
+          </a:p>
+        </p:txBody>
+      </p:sp>
+    </p:spTree>
+    <p:extLst>
+      <p:ext uri="{BB962C8B-B14F-4D97-AF65-F5344CB8AC3E}">
+        <p14:creationId xmlns:p14="http://schemas.microsoft.com/office/powerpoint/2010/main" val="1599307210"/>
+      </p:ext>
+    </p:extLst>
+  </p:cSld>
+  <p:clrMapOvr>
+    <a:masterClrMapping/>
+  </p:clrMapOvr>
+</p:sld>
+</file>
+
+<file path=ppt/slides/slide5.xml><?xml version="1.0" encoding="utf-8"?>
+<p:sld xmlns:a="http://schemas.openxmlformats.org/drawingml/2006/main" xmlns:r="http://schemas.openxmlformats.org/officeDocument/2006/relationships" xmlns:p="http://schemas.openxmlformats.org/presentationml/2006/main">
+  <p:cSld>
+    <p:spTree>
+      <p:nvGrpSpPr>
+        <p:cNvPr id="1" name=""/>
+        <p:cNvGrpSpPr/>
+        <p:nvPr/>
+      </p:nvGrpSpPr>
+      <p:grpSpPr>
+        <a:xfrm>
+          <a:off x="0" y="0"/>
+          <a:ext cx="0" cy="0"/>
+          <a:chOff x="0" y="0"/>
+          <a:chExt cx="0" cy="0"/>
+        </a:xfrm>
+      </p:grpSpPr>
+      <p:sp>
+        <p:nvSpPr>
+          <p:cNvPr id="5" name="Rectangle 4">
+            <a:extLst>
+              <a:ext uri="{FF2B5EF4-FFF2-40B4-BE49-F238E27FC236}">
+                <a16:creationId xmlns:a16="http://schemas.microsoft.com/office/drawing/2014/main" id="{B75099D3-B8B4-4DC5-8DCA-3560A652933C}"/>
+              </a:ext>
+            </a:extLst>
+          </p:cNvPr>
+          <p:cNvSpPr/>
+          <p:nvPr/>
+        </p:nvSpPr>
+        <p:spPr>
+          <a:xfrm>
+            <a:off x="5566299" y="0"/>
+            <a:ext cx="6625703" cy="6858000"/>
+          </a:xfrm>
+          <a:prstGeom prst="rect">
+            <a:avLst/>
+          </a:prstGeom>
+          <a:solidFill>
+            <a:srgbClr val="FF0000"/>
+          </a:solidFill>
+          <a:ln>
+            <a:noFill/>
+          </a:ln>
+        </p:spPr>
+        <p:style>
+          <a:lnRef idx="2">
+            <a:schemeClr val="accent1">
+              <a:shade val="50000"/>
+            </a:schemeClr>
+          </a:lnRef>
+          <a:fillRef idx="1">
+            <a:schemeClr val="accent1"/>
+          </a:fillRef>
+          <a:effectRef idx="0">
+            <a:schemeClr val="accent1"/>
+          </a:effectRef>
+          <a:fontRef idx="minor">
+            <a:schemeClr val="lt1"/>
+          </a:fontRef>
+        </p:style>
+        <p:txBody>
+          <a:bodyPr rtlCol="0" anchor="ctr"/>
+          <a:lstStyle/>
+          <a:p>
+            <a:pPr algn="ctr"/>
+            <a:endParaRPr lang="en-US" dirty="0"/>
+          </a:p>
+        </p:txBody>
+      </p:sp>
+      <p:sp>
+        <p:nvSpPr>
+          <p:cNvPr id="6" name="Rectangle 5">
+            <a:extLst>
+              <a:ext uri="{FF2B5EF4-FFF2-40B4-BE49-F238E27FC236}">
+                <a16:creationId xmlns:a16="http://schemas.microsoft.com/office/drawing/2014/main" id="{8DAF60DB-B393-436B-8C5E-3DEC707BD7A0}"/>
+              </a:ext>
+            </a:extLst>
+          </p:cNvPr>
+          <p:cNvSpPr/>
+          <p:nvPr/>
+        </p:nvSpPr>
+        <p:spPr>
+          <a:xfrm>
+            <a:off x="0" y="0"/>
+            <a:ext cx="5566299" cy="6858000"/>
+          </a:xfrm>
+          <a:prstGeom prst="rect">
+            <a:avLst/>
+          </a:prstGeom>
+          <a:ln>
+            <a:noFill/>
+          </a:ln>
+        </p:spPr>
+        <p:style>
+          <a:lnRef idx="2">
+            <a:schemeClr val="accent1">
+              <a:shade val="50000"/>
+            </a:schemeClr>
+          </a:lnRef>
+          <a:fillRef idx="1">
+            <a:schemeClr val="accent1"/>
+          </a:fillRef>
+          <a:effectRef idx="0">
+            <a:schemeClr val="accent1"/>
+          </a:effectRef>
+          <a:fontRef idx="minor">
+            <a:schemeClr val="lt1"/>
+          </a:fontRef>
+        </p:style>
+        <p:txBody>
+          <a:bodyPr rtlCol="0" anchor="ctr"/>
+          <a:lstStyle/>
+          <a:p>
+            <a:pPr algn="ctr"/>
+            <a:endParaRPr lang="en-US" dirty="0"/>
+          </a:p>
+        </p:txBody>
+      </p:sp>
+      <p:sp>
+        <p:nvSpPr>
+          <p:cNvPr id="7" name="TextBox 6">
+            <a:extLst>
+              <a:ext uri="{FF2B5EF4-FFF2-40B4-BE49-F238E27FC236}">
+                <a16:creationId xmlns:a16="http://schemas.microsoft.com/office/drawing/2014/main" id="{82A411A3-CD96-45F2-9A2C-5392879876C4}"/>
+              </a:ext>
+            </a:extLst>
+          </p:cNvPr>
+          <p:cNvSpPr txBox="1"/>
+          <p:nvPr/>
+        </p:nvSpPr>
+        <p:spPr>
+          <a:xfrm>
+            <a:off x="3944921" y="2275970"/>
+            <a:ext cx="3805285" cy="2092881"/>
+          </a:xfrm>
+          <a:prstGeom prst="rect">
+            <a:avLst/>
+          </a:prstGeom>
+          <a:noFill/>
+          <a:effectLst>
+            <a:outerShdw blurRad="50800" dist="38100" dir="2700000" algn="tl" rotWithShape="0">
+              <a:prstClr val="black">
+                <a:alpha val="40000"/>
+              </a:prstClr>
+            </a:outerShdw>
+          </a:effectLst>
+        </p:spPr>
+        <p:txBody>
+          <a:bodyPr wrap="square" rtlCol="0">
+            <a:spAutoFit/>
+          </a:bodyPr>
+          <a:lstStyle/>
+          <a:p>
+            <a:r>
+              <a:rPr lang="en-US" sz="13000" dirty="0">
+                <a:solidFill>
+                  <a:schemeClr val="bg1"/>
+                </a:solidFill>
+                <a:latin typeface="Harlow Solid Italic" panose="04030604020F02020D02" pitchFamily="82" charset="0"/>
+              </a:rPr>
+              <a:t>demo</a:t>
+            </a:r>
+          </a:p>
+        </p:txBody>
+      </p:sp>
+    </p:spTree>
+    <p:extLst>
+      <p:ext uri="{BB962C8B-B14F-4D97-AF65-F5344CB8AC3E}">
+        <p14:creationId xmlns:p14="http://schemas.microsoft.com/office/powerpoint/2010/main" val="1818384322"/>
+      </p:ext>
+    </p:extLst>
+  </p:cSld>
+  <p:clrMapOvr>
+    <a:masterClrMapping/>
+  </p:clrMapOvr>
+</p:sld>
+</file>
+
+<file path=ppt/slides/slide6.xml><?xml version="1.0" encoding="utf-8"?>
+<p:sld xmlns:a="http://schemas.openxmlformats.org/drawingml/2006/main" xmlns:r="http://schemas.openxmlformats.org/officeDocument/2006/relationships" xmlns:p="http://schemas.openxmlformats.org/presentationml/2006/main">
+  <p:cSld>
+    <p:spTree>
+      <p:nvGrpSpPr>
+        <p:cNvPr id="1" name=""/>
+        <p:cNvGrpSpPr/>
+        <p:nvPr/>
+      </p:nvGrpSpPr>
+      <p:grpSpPr>
+        <a:xfrm>
+          <a:off x="0" y="0"/>
+          <a:ext cx="0" cy="0"/>
+          <a:chOff x="0" y="0"/>
+          <a:chExt cx="0" cy="0"/>
+        </a:xfrm>
+      </p:grpSpPr>
+      <p:sp>
+        <p:nvSpPr>
+          <p:cNvPr id="4" name="Rectangle 3">
+            <a:extLst>
+              <a:ext uri="{FF2B5EF4-FFF2-40B4-BE49-F238E27FC236}">
+                <a16:creationId xmlns:a16="http://schemas.microsoft.com/office/drawing/2014/main" id="{301DEB89-BD79-436A-A77D-B0BE18FBBDA2}"/>
+              </a:ext>
+            </a:extLst>
+          </p:cNvPr>
+          <p:cNvSpPr/>
+          <p:nvPr/>
+        </p:nvSpPr>
+        <p:spPr>
+          <a:xfrm>
+            <a:off x="0" y="0"/>
+            <a:ext cx="5770485" cy="6858000"/>
+          </a:xfrm>
+          <a:prstGeom prst="rect">
+            <a:avLst/>
+          </a:prstGeom>
+          <a:ln>
+            <a:noFill/>
+          </a:ln>
+        </p:spPr>
+        <p:style>
+          <a:lnRef idx="2">
+            <a:schemeClr val="accent1">
+              <a:shade val="50000"/>
+            </a:schemeClr>
+          </a:lnRef>
+          <a:fillRef idx="1">
+            <a:schemeClr val="accent1"/>
+          </a:fillRef>
+          <a:effectRef idx="0">
+            <a:schemeClr val="accent1"/>
+          </a:effectRef>
+          <a:fontRef idx="minor">
+            <a:schemeClr val="lt1"/>
+          </a:fontRef>
+        </p:style>
+        <p:txBody>
+          <a:bodyPr rtlCol="0" anchor="ctr"/>
+          <a:lstStyle/>
+          <a:p>
+            <a:pPr algn="ctr"/>
+            <a:endParaRPr lang="en-US" dirty="0"/>
+          </a:p>
+        </p:txBody>
+      </p:sp>
+      <p:sp>
+        <p:nvSpPr>
+          <p:cNvPr id="5" name="TextBox 4">
+            <a:extLst>
+              <a:ext uri="{FF2B5EF4-FFF2-40B4-BE49-F238E27FC236}">
+                <a16:creationId xmlns:a16="http://schemas.microsoft.com/office/drawing/2014/main" id="{A89B2563-610F-4F1D-9093-BD571CF43128}"/>
+              </a:ext>
+            </a:extLst>
+          </p:cNvPr>
+          <p:cNvSpPr txBox="1"/>
+          <p:nvPr/>
+        </p:nvSpPr>
+        <p:spPr>
+          <a:xfrm>
+            <a:off x="443884" y="272577"/>
+            <a:ext cx="4367814" cy="2554545"/>
+          </a:xfrm>
+          <a:prstGeom prst="rect">
+            <a:avLst/>
+          </a:prstGeom>
+          <a:noFill/>
+          <a:effectLst>
+            <a:outerShdw blurRad="50800" dist="38100" algn="l" rotWithShape="0">
+              <a:prstClr val="black">
+                <a:alpha val="40000"/>
+              </a:prstClr>
+            </a:outerShdw>
+          </a:effectLst>
+        </p:spPr>
+        <p:txBody>
+          <a:bodyPr wrap="square" rtlCol="0">
+            <a:spAutoFit/>
+          </a:bodyPr>
+          <a:lstStyle/>
+          <a:p>
+            <a:r>
+              <a:rPr lang="en-US" sz="8000" dirty="0">
+                <a:solidFill>
+                  <a:schemeClr val="bg1"/>
+                </a:solidFill>
+                <a:latin typeface="Harlow Solid Italic" panose="04030604020F02020D02" pitchFamily="82" charset="0"/>
+              </a:rPr>
+              <a:t>The</a:t>
+            </a:r>
+          </a:p>
+          <a:p>
+            <a:r>
+              <a:rPr lang="en-US" sz="8000" dirty="0">
+                <a:solidFill>
+                  <a:schemeClr val="bg1"/>
+                </a:solidFill>
+                <a:latin typeface="Harlow Solid Italic" panose="04030604020F02020D02" pitchFamily="82" charset="0"/>
+              </a:rPr>
+              <a:t>Future</a:t>
+            </a:r>
+          </a:p>
+        </p:txBody>
+      </p:sp>
+      <p:pic>
+        <p:nvPicPr>
+          <p:cNvPr id="7170" name="Picture 2" descr="Image result for blank application on phone 3d">
+            <a:extLst>
+              <a:ext uri="{FF2B5EF4-FFF2-40B4-BE49-F238E27FC236}">
+                <a16:creationId xmlns:a16="http://schemas.microsoft.com/office/drawing/2014/main" id="{6853C078-B6FD-4EDC-8542-5EB8E415AB15}"/>
               </a:ext>
             </a:extLst>
           </p:cNvPr>
@@ -3807,7 +5440,7 @@
           <p:nvPr/>
         </p:nvPicPr>
         <p:blipFill>
-          <a:blip r:embed="rId3">
+          <a:blip r:embed="rId2">
             <a:extLst>
               <a:ext uri="{28A0092B-C50C-407E-A947-70E740481C1C}">
                 <a14:useLocalDpi xmlns:a14="http://schemas.microsoft.com/office/drawing/2010/main" val="0"/>
@@ -3821,8 +5454,8 @@
         </p:blipFill>
         <p:spPr bwMode="auto">
           <a:xfrm>
-            <a:off x="368423" y="5486400"/>
-            <a:ext cx="1282824" cy="1282824"/>
+            <a:off x="6288259" y="0"/>
+            <a:ext cx="6421515" cy="6421515"/>
           </a:xfrm>
           <a:prstGeom prst="rect">
             <a:avLst/>
@@ -3839,57 +5472,757 @@
           </a:extLst>
         </p:spPr>
       </p:pic>
-      <p:pic>
-        <p:nvPicPr>
-          <p:cNvPr id="2068" name="Picture 20" descr="Image result for bluetooth icon png">
-            <a:extLst>
-              <a:ext uri="{FF2B5EF4-FFF2-40B4-BE49-F238E27FC236}">
-                <a16:creationId xmlns:a16="http://schemas.microsoft.com/office/drawing/2014/main" id="{5DD28775-4B8D-4050-9E46-046226047263}"/>
-              </a:ext>
-            </a:extLst>
-          </p:cNvPr>
-          <p:cNvPicPr>
-            <a:picLocks noChangeAspect="1" noChangeArrowheads="1"/>
-          </p:cNvPicPr>
+      <p:sp>
+        <p:nvSpPr>
+          <p:cNvPr id="7" name="Trapezoid 6">
+            <a:extLst>
+              <a:ext uri="{FF2B5EF4-FFF2-40B4-BE49-F238E27FC236}">
+                <a16:creationId xmlns:a16="http://schemas.microsoft.com/office/drawing/2014/main" id="{66C1131A-09C8-4E46-A79A-E8856CF97DFB}"/>
+              </a:ext>
+            </a:extLst>
+          </p:cNvPr>
+          <p:cNvSpPr/>
           <p:nvPr/>
-        </p:nvPicPr>
-        <p:blipFill>
-          <a:blip r:embed="rId4">
-            <a:extLst>
-              <a:ext uri="{28A0092B-C50C-407E-A947-70E740481C1C}">
-                <a14:useLocalDpi xmlns:a14="http://schemas.microsoft.com/office/drawing/2010/main" val="0"/>
-              </a:ext>
-            </a:extLst>
-          </a:blip>
-          <a:srcRect/>
-          <a:stretch>
-            <a:fillRect/>
-          </a:stretch>
-        </p:blipFill>
-        <p:spPr bwMode="auto">
-          <a:xfrm>
-            <a:off x="3980527" y="5424256"/>
-            <a:ext cx="1282824" cy="1282824"/>
+        </p:nvSpPr>
+        <p:spPr>
+          <a:xfrm rot="5400000">
+            <a:off x="7407563" y="2807854"/>
+            <a:ext cx="3417455" cy="757382"/>
+          </a:xfrm>
+          <a:prstGeom prst="trapezoid">
+            <a:avLst/>
+          </a:prstGeom>
+          <a:ln>
+            <a:noFill/>
+          </a:ln>
+        </p:spPr>
+        <p:style>
+          <a:lnRef idx="2">
+            <a:schemeClr val="accent1">
+              <a:shade val="50000"/>
+            </a:schemeClr>
+          </a:lnRef>
+          <a:fillRef idx="1">
+            <a:schemeClr val="accent1"/>
+          </a:fillRef>
+          <a:effectRef idx="0">
+            <a:schemeClr val="accent1"/>
+          </a:effectRef>
+          <a:fontRef idx="minor">
+            <a:schemeClr val="lt1"/>
+          </a:fontRef>
+        </p:style>
+        <p:txBody>
+          <a:bodyPr rtlCol="0" anchor="ctr"/>
+          <a:lstStyle/>
+          <a:p>
+            <a:pPr algn="ctr"/>
+            <a:endParaRPr lang="en-US"/>
+          </a:p>
+        </p:txBody>
+      </p:sp>
+      <p:sp>
+        <p:nvSpPr>
+          <p:cNvPr id="10" name="Trapezoid 9">
+            <a:extLst>
+              <a:ext uri="{FF2B5EF4-FFF2-40B4-BE49-F238E27FC236}">
+                <a16:creationId xmlns:a16="http://schemas.microsoft.com/office/drawing/2014/main" id="{9B23BFB8-CA40-4B02-8903-513C9951B116}"/>
+              </a:ext>
+            </a:extLst>
+          </p:cNvPr>
+          <p:cNvSpPr/>
+          <p:nvPr/>
+        </p:nvSpPr>
+        <p:spPr>
+          <a:xfrm rot="5400000">
+            <a:off x="8280397" y="2895602"/>
+            <a:ext cx="3029531" cy="600363"/>
+          </a:xfrm>
+          <a:prstGeom prst="trapezoid">
+            <a:avLst/>
+          </a:prstGeom>
+          <a:solidFill>
+            <a:srgbClr val="FF0000"/>
+          </a:solidFill>
+          <a:ln>
+            <a:noFill/>
+          </a:ln>
+        </p:spPr>
+        <p:style>
+          <a:lnRef idx="2">
+            <a:schemeClr val="accent1">
+              <a:shade val="50000"/>
+            </a:schemeClr>
+          </a:lnRef>
+          <a:fillRef idx="1">
+            <a:schemeClr val="accent1"/>
+          </a:fillRef>
+          <a:effectRef idx="0">
+            <a:schemeClr val="accent1"/>
+          </a:effectRef>
+          <a:fontRef idx="minor">
+            <a:schemeClr val="lt1"/>
+          </a:fontRef>
+        </p:style>
+        <p:txBody>
+          <a:bodyPr rtlCol="0" anchor="ctr"/>
+          <a:lstStyle/>
+          <a:p>
+            <a:pPr algn="ctr"/>
+            <a:endParaRPr lang="en-US"/>
+          </a:p>
+        </p:txBody>
+      </p:sp>
+      <p:sp>
+        <p:nvSpPr>
+          <p:cNvPr id="11" name="TextBox 10">
+            <a:extLst>
+              <a:ext uri="{FF2B5EF4-FFF2-40B4-BE49-F238E27FC236}">
+                <a16:creationId xmlns:a16="http://schemas.microsoft.com/office/drawing/2014/main" id="{00EAAB5A-5E0F-4A0D-A7E6-EDAB53E7F379}"/>
+              </a:ext>
+            </a:extLst>
+          </p:cNvPr>
+          <p:cNvSpPr txBox="1"/>
+          <p:nvPr/>
+        </p:nvSpPr>
+        <p:spPr>
+          <a:xfrm>
+            <a:off x="8913452" y="2684343"/>
+            <a:ext cx="1286991" cy="307777"/>
           </a:xfrm>
           <a:prstGeom prst="rect">
             <a:avLst/>
           </a:prstGeom>
           <a:noFill/>
-          <a:extLst>
-            <a:ext uri="{909E8E84-426E-40DD-AFC4-6F175D3DCCD1}">
-              <a14:hiddenFill xmlns:a14="http://schemas.microsoft.com/office/drawing/2010/main">
+          <a:effectLst>
+            <a:outerShdw blurRad="50800" dist="38100" dir="2700000" algn="tl" rotWithShape="0">
+              <a:prstClr val="black">
+                <a:alpha val="40000"/>
+              </a:prstClr>
+            </a:outerShdw>
+          </a:effectLst>
+        </p:spPr>
+        <p:txBody>
+          <a:bodyPr wrap="square" rtlCol="0">
+            <a:spAutoFit/>
+          </a:bodyPr>
+          <a:lstStyle/>
+          <a:p>
+            <a:r>
+              <a:rPr lang="en-US" sz="1400" dirty="0">
                 <a:solidFill>
-                  <a:srgbClr val="FFFFFF"/>
+                  <a:srgbClr val="FF0000"/>
                 </a:solidFill>
-              </a14:hiddenFill>
-            </a:ext>
-          </a:extLst>
-        </p:spPr>
-      </p:pic>
+                <a:latin typeface="Harlow Solid Italic" panose="04030604020F02020D02" pitchFamily="82" charset="0"/>
+              </a:rPr>
+              <a:t>Super</a:t>
+            </a:r>
+            <a:r>
+              <a:rPr lang="en-US" sz="1400" dirty="0">
+                <a:solidFill>
+                  <a:schemeClr val="accent1"/>
+                </a:solidFill>
+                <a:latin typeface="Harlow Solid Italic" panose="04030604020F02020D02" pitchFamily="82" charset="0"/>
+              </a:rPr>
+              <a:t>Points</a:t>
+            </a:r>
+          </a:p>
+        </p:txBody>
+      </p:sp>
+      <p:sp>
+        <p:nvSpPr>
+          <p:cNvPr id="12" name="TextBox 11">
+            <a:extLst>
+              <a:ext uri="{FF2B5EF4-FFF2-40B4-BE49-F238E27FC236}">
+                <a16:creationId xmlns:a16="http://schemas.microsoft.com/office/drawing/2014/main" id="{724CE916-BED5-4BA3-9A1E-22413BA3E2E3}"/>
+              </a:ext>
+            </a:extLst>
+          </p:cNvPr>
+          <p:cNvSpPr txBox="1"/>
+          <p:nvPr/>
+        </p:nvSpPr>
+        <p:spPr>
+          <a:xfrm>
+            <a:off x="527174" y="3433276"/>
+            <a:ext cx="5160723" cy="2554545"/>
+          </a:xfrm>
+          <a:prstGeom prst="rect">
+            <a:avLst/>
+          </a:prstGeom>
+          <a:noFill/>
+        </p:spPr>
+        <p:txBody>
+          <a:bodyPr wrap="square" rtlCol="0">
+            <a:spAutoFit/>
+          </a:bodyPr>
+          <a:lstStyle/>
+          <a:p>
+            <a:r>
+              <a:rPr lang="en-US" sz="3200" dirty="0">
+                <a:solidFill>
+                  <a:schemeClr val="bg1"/>
+                </a:solidFill>
+                <a:latin typeface="Microsoft JhengHei Light" panose="020B0304030504040204" pitchFamily="34" charset="-120"/>
+                <a:ea typeface="Microsoft JhengHei Light" panose="020B0304030504040204" pitchFamily="34" charset="-120"/>
+              </a:rPr>
+              <a:t>Modern design</a:t>
+            </a:r>
+          </a:p>
+          <a:p>
+            <a:endParaRPr lang="en-US" sz="3200" dirty="0">
+              <a:solidFill>
+                <a:schemeClr val="bg1"/>
+              </a:solidFill>
+              <a:latin typeface="Microsoft JhengHei Light" panose="020B0304030504040204" pitchFamily="34" charset="-120"/>
+              <a:ea typeface="Microsoft JhengHei Light" panose="020B0304030504040204" pitchFamily="34" charset="-120"/>
+            </a:endParaRPr>
+          </a:p>
+          <a:p>
+            <a:r>
+              <a:rPr lang="en-US" sz="3200" dirty="0">
+                <a:solidFill>
+                  <a:schemeClr val="bg1"/>
+                </a:solidFill>
+                <a:latin typeface="Microsoft JhengHei Light" panose="020B0304030504040204" pitchFamily="34" charset="-120"/>
+                <a:ea typeface="Microsoft JhengHei Light" panose="020B0304030504040204" pitchFamily="34" charset="-120"/>
+              </a:rPr>
+              <a:t>More business value</a:t>
+            </a:r>
+          </a:p>
+          <a:p>
+            <a:endParaRPr lang="en-US" sz="3200" dirty="0">
+              <a:solidFill>
+                <a:schemeClr val="bg1"/>
+              </a:solidFill>
+              <a:latin typeface="Microsoft JhengHei Light" panose="020B0304030504040204" pitchFamily="34" charset="-120"/>
+              <a:ea typeface="Microsoft JhengHei Light" panose="020B0304030504040204" pitchFamily="34" charset="-120"/>
+            </a:endParaRPr>
+          </a:p>
+          <a:p>
+            <a:r>
+              <a:rPr lang="en-US" sz="3200" dirty="0">
+                <a:solidFill>
+                  <a:schemeClr val="bg1"/>
+                </a:solidFill>
+                <a:latin typeface="Microsoft JhengHei Light" panose="020B0304030504040204" pitchFamily="34" charset="-120"/>
+                <a:ea typeface="Microsoft JhengHei Light" panose="020B0304030504040204" pitchFamily="34" charset="-120"/>
+              </a:rPr>
+              <a:t>Production</a:t>
+            </a:r>
+          </a:p>
+        </p:txBody>
+      </p:sp>
     </p:spTree>
     <p:extLst>
       <p:ext uri="{BB962C8B-B14F-4D97-AF65-F5344CB8AC3E}">
-        <p14:creationId xmlns:p14="http://schemas.microsoft.com/office/powerpoint/2010/main" val="3423634141"/>
+        <p14:creationId xmlns:p14="http://schemas.microsoft.com/office/powerpoint/2010/main" val="275370772"/>
+      </p:ext>
+    </p:extLst>
+  </p:cSld>
+  <p:clrMapOvr>
+    <a:masterClrMapping/>
+  </p:clrMapOvr>
+</p:sld>
+</file>
+
+<file path=ppt/slides/slide7.xml><?xml version="1.0" encoding="utf-8"?>
+<p:sld xmlns:a="http://schemas.openxmlformats.org/drawingml/2006/main" xmlns:r="http://schemas.openxmlformats.org/officeDocument/2006/relationships" xmlns:p="http://schemas.openxmlformats.org/presentationml/2006/main">
+  <p:cSld>
+    <p:bg>
+      <p:bgPr>
+        <a:solidFill>
+          <a:schemeClr val="bg1"/>
+        </a:solidFill>
+        <a:effectLst/>
+      </p:bgPr>
+    </p:bg>
+    <p:spTree>
+      <p:nvGrpSpPr>
+        <p:cNvPr id="1" name=""/>
+        <p:cNvGrpSpPr/>
+        <p:nvPr/>
+      </p:nvGrpSpPr>
+      <p:grpSpPr>
+        <a:xfrm>
+          <a:off x="0" y="0"/>
+          <a:ext cx="0" cy="0"/>
+          <a:chOff x="0" y="0"/>
+          <a:chExt cx="0" cy="0"/>
+        </a:xfrm>
+      </p:grpSpPr>
+      <p:sp>
+        <p:nvSpPr>
+          <p:cNvPr id="5" name="Rectangle 4">
+            <a:extLst>
+              <a:ext uri="{FF2B5EF4-FFF2-40B4-BE49-F238E27FC236}">
+                <a16:creationId xmlns:a16="http://schemas.microsoft.com/office/drawing/2014/main" id="{1B8A6655-A0D8-482B-8B5A-C9850009908F}"/>
+              </a:ext>
+            </a:extLst>
+          </p:cNvPr>
+          <p:cNvSpPr/>
+          <p:nvPr/>
+        </p:nvSpPr>
+        <p:spPr>
+          <a:xfrm>
+            <a:off x="0" y="1"/>
+            <a:ext cx="12192000" cy="1677880"/>
+          </a:xfrm>
+          <a:prstGeom prst="rect">
+            <a:avLst/>
+          </a:prstGeom>
+          <a:solidFill>
+            <a:srgbClr val="FF0000"/>
+          </a:solidFill>
+          <a:ln>
+            <a:noFill/>
+          </a:ln>
+        </p:spPr>
+        <p:style>
+          <a:lnRef idx="2">
+            <a:schemeClr val="accent1">
+              <a:shade val="50000"/>
+            </a:schemeClr>
+          </a:lnRef>
+          <a:fillRef idx="1">
+            <a:schemeClr val="accent1"/>
+          </a:fillRef>
+          <a:effectRef idx="0">
+            <a:schemeClr val="accent1"/>
+          </a:effectRef>
+          <a:fontRef idx="minor">
+            <a:schemeClr val="lt1"/>
+          </a:fontRef>
+        </p:style>
+        <p:txBody>
+          <a:bodyPr rtlCol="0" anchor="ctr"/>
+          <a:lstStyle/>
+          <a:p>
+            <a:pPr algn="ctr"/>
+            <a:endParaRPr lang="en-US" dirty="0"/>
+          </a:p>
+        </p:txBody>
+      </p:sp>
+      <p:sp>
+        <p:nvSpPr>
+          <p:cNvPr id="4" name="Isosceles Triangle 3">
+            <a:extLst>
+              <a:ext uri="{FF2B5EF4-FFF2-40B4-BE49-F238E27FC236}">
+                <a16:creationId xmlns:a16="http://schemas.microsoft.com/office/drawing/2014/main" id="{BB62D4F2-01D1-4D54-8D81-4FEE1B01ABFF}"/>
+              </a:ext>
+            </a:extLst>
+          </p:cNvPr>
+          <p:cNvSpPr/>
+          <p:nvPr/>
+        </p:nvSpPr>
+        <p:spPr>
+          <a:xfrm>
+            <a:off x="537100" y="1904260"/>
+            <a:ext cx="6467382" cy="4953740"/>
+          </a:xfrm>
+          <a:prstGeom prst="triangle">
+            <a:avLst/>
+          </a:prstGeom>
+          <a:ln>
+            <a:noFill/>
+          </a:ln>
+        </p:spPr>
+        <p:style>
+          <a:lnRef idx="2">
+            <a:schemeClr val="accent1">
+              <a:shade val="50000"/>
+            </a:schemeClr>
+          </a:lnRef>
+          <a:fillRef idx="1">
+            <a:schemeClr val="accent1"/>
+          </a:fillRef>
+          <a:effectRef idx="0">
+            <a:schemeClr val="accent1"/>
+          </a:effectRef>
+          <a:fontRef idx="minor">
+            <a:schemeClr val="lt1"/>
+          </a:fontRef>
+        </p:style>
+        <p:txBody>
+          <a:bodyPr rtlCol="0" anchor="ctr"/>
+          <a:lstStyle/>
+          <a:p>
+            <a:pPr algn="ctr"/>
+            <a:endParaRPr lang="en-US" dirty="0"/>
+          </a:p>
+        </p:txBody>
+      </p:sp>
+      <p:sp>
+        <p:nvSpPr>
+          <p:cNvPr id="10" name="Isosceles Triangle 9">
+            <a:extLst>
+              <a:ext uri="{FF2B5EF4-FFF2-40B4-BE49-F238E27FC236}">
+                <a16:creationId xmlns:a16="http://schemas.microsoft.com/office/drawing/2014/main" id="{EDBF822D-2B61-4D5A-B897-63FD917034C7}"/>
+              </a:ext>
+            </a:extLst>
+          </p:cNvPr>
+          <p:cNvSpPr/>
+          <p:nvPr/>
+        </p:nvSpPr>
+        <p:spPr>
+          <a:xfrm>
+            <a:off x="2370339" y="923278"/>
+            <a:ext cx="7315200" cy="5934721"/>
+          </a:xfrm>
+          <a:prstGeom prst="triangle">
+            <a:avLst/>
+          </a:prstGeom>
+          <a:ln>
+            <a:noFill/>
+          </a:ln>
+        </p:spPr>
+        <p:style>
+          <a:lnRef idx="2">
+            <a:schemeClr val="accent1">
+              <a:shade val="50000"/>
+            </a:schemeClr>
+          </a:lnRef>
+          <a:fillRef idx="1">
+            <a:schemeClr val="accent1"/>
+          </a:fillRef>
+          <a:effectRef idx="0">
+            <a:schemeClr val="accent1"/>
+          </a:effectRef>
+          <a:fontRef idx="minor">
+            <a:schemeClr val="lt1"/>
+          </a:fontRef>
+        </p:style>
+        <p:txBody>
+          <a:bodyPr rtlCol="0" anchor="ctr"/>
+          <a:lstStyle/>
+          <a:p>
+            <a:pPr algn="ctr"/>
+            <a:endParaRPr lang="en-US" dirty="0"/>
+          </a:p>
+        </p:txBody>
+      </p:sp>
+      <p:sp>
+        <p:nvSpPr>
+          <p:cNvPr id="11" name="Isosceles Triangle 10">
+            <a:extLst>
+              <a:ext uri="{FF2B5EF4-FFF2-40B4-BE49-F238E27FC236}">
+                <a16:creationId xmlns:a16="http://schemas.microsoft.com/office/drawing/2014/main" id="{3C5077D5-447B-4074-9A88-F0CB7094718B}"/>
+              </a:ext>
+            </a:extLst>
+          </p:cNvPr>
+          <p:cNvSpPr/>
+          <p:nvPr/>
+        </p:nvSpPr>
+        <p:spPr>
+          <a:xfrm>
+            <a:off x="5054354" y="2459115"/>
+            <a:ext cx="6464424" cy="4398883"/>
+          </a:xfrm>
+          <a:prstGeom prst="triangle">
+            <a:avLst/>
+          </a:prstGeom>
+          <a:ln>
+            <a:noFill/>
+          </a:ln>
+        </p:spPr>
+        <p:style>
+          <a:lnRef idx="2">
+            <a:schemeClr val="accent1">
+              <a:shade val="50000"/>
+            </a:schemeClr>
+          </a:lnRef>
+          <a:fillRef idx="1">
+            <a:schemeClr val="accent1"/>
+          </a:fillRef>
+          <a:effectRef idx="0">
+            <a:schemeClr val="accent1"/>
+          </a:effectRef>
+          <a:fontRef idx="minor">
+            <a:schemeClr val="lt1"/>
+          </a:fontRef>
+        </p:style>
+        <p:txBody>
+          <a:bodyPr rtlCol="0" anchor="ctr"/>
+          <a:lstStyle/>
+          <a:p>
+            <a:pPr algn="ctr"/>
+            <a:endParaRPr lang="en-US" dirty="0"/>
+          </a:p>
+        </p:txBody>
+      </p:sp>
+      <p:sp>
+        <p:nvSpPr>
+          <p:cNvPr id="13" name="TextBox 12">
+            <a:extLst>
+              <a:ext uri="{FF2B5EF4-FFF2-40B4-BE49-F238E27FC236}">
+                <a16:creationId xmlns:a16="http://schemas.microsoft.com/office/drawing/2014/main" id="{39142D5A-A661-4643-B693-DA05550C86C9}"/>
+              </a:ext>
+            </a:extLst>
+          </p:cNvPr>
+          <p:cNvSpPr txBox="1"/>
+          <p:nvPr/>
+        </p:nvSpPr>
+        <p:spPr>
+          <a:xfrm>
+            <a:off x="119985" y="-188621"/>
+            <a:ext cx="7437734" cy="2092881"/>
+          </a:xfrm>
+          <a:prstGeom prst="rect">
+            <a:avLst/>
+          </a:prstGeom>
+          <a:noFill/>
+          <a:effectLst>
+            <a:outerShdw blurRad="50800" dist="38100" dir="2700000" algn="tl" rotWithShape="0">
+              <a:prstClr val="black">
+                <a:alpha val="40000"/>
+              </a:prstClr>
+            </a:outerShdw>
+          </a:effectLst>
+        </p:spPr>
+        <p:txBody>
+          <a:bodyPr wrap="square" rtlCol="0">
+            <a:spAutoFit/>
+          </a:bodyPr>
+          <a:lstStyle/>
+          <a:p>
+            <a:r>
+              <a:rPr lang="en-US" sz="13000" dirty="0">
+                <a:solidFill>
+                  <a:schemeClr val="bg1"/>
+                </a:solidFill>
+                <a:latin typeface="Harlow Solid Italic" panose="04030604020F02020D02" pitchFamily="82" charset="0"/>
+              </a:rPr>
+              <a:t>challenges</a:t>
+            </a:r>
+          </a:p>
+        </p:txBody>
+      </p:sp>
+      <p:sp>
+        <p:nvSpPr>
+          <p:cNvPr id="14" name="TextBox 13">
+            <a:extLst>
+              <a:ext uri="{FF2B5EF4-FFF2-40B4-BE49-F238E27FC236}">
+                <a16:creationId xmlns:a16="http://schemas.microsoft.com/office/drawing/2014/main" id="{95119668-DF94-4668-B629-EF20BEBD0AA1}"/>
+              </a:ext>
+            </a:extLst>
+          </p:cNvPr>
+          <p:cNvSpPr txBox="1"/>
+          <p:nvPr/>
+        </p:nvSpPr>
+        <p:spPr>
+          <a:xfrm rot="18275769">
+            <a:off x="1054526" y="3380012"/>
+            <a:ext cx="4441995" cy="1631216"/>
+          </a:xfrm>
+          <a:prstGeom prst="rect">
+            <a:avLst/>
+          </a:prstGeom>
+          <a:noFill/>
+          <a:effectLst>
+            <a:outerShdw blurRad="50800" dist="38100" dir="2700000" algn="tl" rotWithShape="0">
+              <a:prstClr val="black">
+                <a:alpha val="40000"/>
+              </a:prstClr>
+            </a:outerShdw>
+          </a:effectLst>
+        </p:spPr>
+        <p:txBody>
+          <a:bodyPr wrap="square" rtlCol="0">
+            <a:spAutoFit/>
+          </a:bodyPr>
+          <a:lstStyle/>
+          <a:p>
+            <a:r>
+              <a:rPr lang="en-US" sz="10000" dirty="0">
+                <a:solidFill>
+                  <a:schemeClr val="bg1"/>
+                </a:solidFill>
+                <a:latin typeface="Harlow Solid Italic" panose="04030604020F02020D02" pitchFamily="82" charset="0"/>
+              </a:rPr>
+              <a:t>school</a:t>
+            </a:r>
+          </a:p>
+        </p:txBody>
+      </p:sp>
+      <p:sp>
+        <p:nvSpPr>
+          <p:cNvPr id="15" name="TextBox 14">
+            <a:extLst>
+              <a:ext uri="{FF2B5EF4-FFF2-40B4-BE49-F238E27FC236}">
+                <a16:creationId xmlns:a16="http://schemas.microsoft.com/office/drawing/2014/main" id="{8B4686B5-3364-4512-9596-7B730150B9A9}"/>
+              </a:ext>
+            </a:extLst>
+          </p:cNvPr>
+          <p:cNvSpPr txBox="1"/>
+          <p:nvPr/>
+        </p:nvSpPr>
+        <p:spPr>
+          <a:xfrm rot="18275769">
+            <a:off x="3442150" y="2118458"/>
+            <a:ext cx="4441995" cy="1631216"/>
+          </a:xfrm>
+          <a:prstGeom prst="rect">
+            <a:avLst/>
+          </a:prstGeom>
+          <a:noFill/>
+          <a:effectLst>
+            <a:outerShdw blurRad="50800" dist="38100" dir="2700000" algn="tl" rotWithShape="0">
+              <a:prstClr val="black">
+                <a:alpha val="40000"/>
+              </a:prstClr>
+            </a:outerShdw>
+          </a:effectLst>
+        </p:spPr>
+        <p:txBody>
+          <a:bodyPr wrap="square" rtlCol="0">
+            <a:spAutoFit/>
+          </a:bodyPr>
+          <a:lstStyle/>
+          <a:p>
+            <a:r>
+              <a:rPr lang="en-US" sz="10000" dirty="0">
+                <a:solidFill>
+                  <a:schemeClr val="bg1"/>
+                </a:solidFill>
+                <a:latin typeface="Harlow Solid Italic" panose="04030604020F02020D02" pitchFamily="82" charset="0"/>
+              </a:rPr>
+              <a:t>devices</a:t>
+            </a:r>
+          </a:p>
+        </p:txBody>
+      </p:sp>
+    </p:spTree>
+    <p:extLst>
+      <p:ext uri="{BB962C8B-B14F-4D97-AF65-F5344CB8AC3E}">
+        <p14:creationId xmlns:p14="http://schemas.microsoft.com/office/powerpoint/2010/main" val="1711400611"/>
+      </p:ext>
+    </p:extLst>
+  </p:cSld>
+  <p:clrMapOvr>
+    <a:masterClrMapping/>
+  </p:clrMapOvr>
+</p:sld>
+</file>
+
+<file path=ppt/slides/slide8.xml><?xml version="1.0" encoding="utf-8"?>
+<p:sld xmlns:a="http://schemas.openxmlformats.org/drawingml/2006/main" xmlns:r="http://schemas.openxmlformats.org/officeDocument/2006/relationships" xmlns:p="http://schemas.openxmlformats.org/presentationml/2006/main">
+  <p:cSld>
+    <p:spTree>
+      <p:nvGrpSpPr>
+        <p:cNvPr id="1" name=""/>
+        <p:cNvGrpSpPr/>
+        <p:nvPr/>
+      </p:nvGrpSpPr>
+      <p:grpSpPr>
+        <a:xfrm>
+          <a:off x="0" y="0"/>
+          <a:ext cx="0" cy="0"/>
+          <a:chOff x="0" y="0"/>
+          <a:chExt cx="0" cy="0"/>
+        </a:xfrm>
+      </p:grpSpPr>
+      <p:sp>
+        <p:nvSpPr>
+          <p:cNvPr id="5" name="Oval 4">
+            <a:extLst>
+              <a:ext uri="{FF2B5EF4-FFF2-40B4-BE49-F238E27FC236}">
+                <a16:creationId xmlns:a16="http://schemas.microsoft.com/office/drawing/2014/main" id="{4CA41447-C848-4500-B4DF-23E416FBEDA1}"/>
+              </a:ext>
+            </a:extLst>
+          </p:cNvPr>
+          <p:cNvSpPr/>
+          <p:nvPr/>
+        </p:nvSpPr>
+        <p:spPr>
+          <a:xfrm>
+            <a:off x="4261282" y="1625737"/>
+            <a:ext cx="3355759" cy="3045041"/>
+          </a:xfrm>
+          <a:prstGeom prst="ellipse">
+            <a:avLst/>
+          </a:prstGeom>
+          <a:solidFill>
+            <a:srgbClr val="FF0000"/>
+          </a:solidFill>
+          <a:ln>
+            <a:noFill/>
+          </a:ln>
+        </p:spPr>
+        <p:style>
+          <a:lnRef idx="2">
+            <a:schemeClr val="accent1">
+              <a:shade val="50000"/>
+            </a:schemeClr>
+          </a:lnRef>
+          <a:fillRef idx="1">
+            <a:schemeClr val="accent1"/>
+          </a:fillRef>
+          <a:effectRef idx="0">
+            <a:schemeClr val="accent1"/>
+          </a:effectRef>
+          <a:fontRef idx="minor">
+            <a:schemeClr val="lt1"/>
+          </a:fontRef>
+        </p:style>
+        <p:txBody>
+          <a:bodyPr rtlCol="0" anchor="ctr"/>
+          <a:lstStyle/>
+          <a:p>
+            <a:pPr algn="ctr"/>
+            <a:endParaRPr lang="en-US"/>
+          </a:p>
+        </p:txBody>
+      </p:sp>
+      <p:sp>
+        <p:nvSpPr>
+          <p:cNvPr id="4" name="TextBox 3">
+            <a:extLst>
+              <a:ext uri="{FF2B5EF4-FFF2-40B4-BE49-F238E27FC236}">
+                <a16:creationId xmlns:a16="http://schemas.microsoft.com/office/drawing/2014/main" id="{B8F565AF-335F-49BA-9BCA-83CD2FA5DD16}"/>
+              </a:ext>
+            </a:extLst>
+          </p:cNvPr>
+          <p:cNvSpPr txBox="1"/>
+          <p:nvPr/>
+        </p:nvSpPr>
+        <p:spPr>
+          <a:xfrm rot="20700143">
+            <a:off x="5002704" y="1459230"/>
+            <a:ext cx="1398096" cy="3939540"/>
+          </a:xfrm>
+          <a:prstGeom prst="rect">
+            <a:avLst/>
+          </a:prstGeom>
+          <a:noFill/>
+          <a:effectLst>
+            <a:outerShdw blurRad="50800" dist="38100" dir="2700000" algn="tl" rotWithShape="0">
+              <a:prstClr val="black">
+                <a:alpha val="40000"/>
+              </a:prstClr>
+            </a:outerShdw>
+          </a:effectLst>
+        </p:spPr>
+        <p:txBody>
+          <a:bodyPr wrap="square" rtlCol="0">
+            <a:spAutoFit/>
+          </a:bodyPr>
+          <a:lstStyle/>
+          <a:p>
+            <a:r>
+              <a:rPr lang="en-US" sz="25000" dirty="0">
+                <a:solidFill>
+                  <a:schemeClr val="bg1"/>
+                </a:solidFill>
+                <a:latin typeface="Harlow Solid Italic" panose="04030604020F02020D02" pitchFamily="82" charset="0"/>
+              </a:rPr>
+              <a:t>?</a:t>
+            </a:r>
+          </a:p>
+        </p:txBody>
+      </p:sp>
+    </p:spTree>
+    <p:extLst>
+      <p:ext uri="{BB962C8B-B14F-4D97-AF65-F5344CB8AC3E}">
+        <p14:creationId xmlns:p14="http://schemas.microsoft.com/office/powerpoint/2010/main" val="829677183"/>
       </p:ext>
     </p:extLst>
   </p:cSld>

--- a/Documentation/3900 Presentation Group 9.pptx
+++ b/Documentation/3900 Presentation Group 9.pptx
@@ -6,12 +6,12 @@
   </p:sldMasterIdLst>
   <p:sldIdLst>
     <p:sldId id="256" r:id="rId2"/>
-    <p:sldId id="257" r:id="rId3"/>
+    <p:sldId id="258" r:id="rId3"/>
     <p:sldId id="260" r:id="rId4"/>
-    <p:sldId id="258" r:id="rId5"/>
+    <p:sldId id="257" r:id="rId5"/>
     <p:sldId id="259" r:id="rId6"/>
-    <p:sldId id="261" r:id="rId7"/>
-    <p:sldId id="262" r:id="rId8"/>
+    <p:sldId id="262" r:id="rId7"/>
+    <p:sldId id="261" r:id="rId8"/>
     <p:sldId id="263" r:id="rId9"/>
   </p:sldIdLst>
   <p:sldSz cx="12192000" cy="6858000"/>
@@ -111,6 +111,11 @@
       </a:defRPr>
     </a:lvl9pPr>
   </p:defaultTextStyle>
+  <p:extLst>
+    <p:ext uri="{EFAFB233-063F-42B5-8137-9DF3F51BA10A}">
+      <p15:sldGuideLst xmlns:p15="http://schemas.microsoft.com/office/powerpoint/2012/main"/>
+    </p:ext>
+  </p:extLst>
 </p:presentation>
 </file>
 
@@ -261,7 +266,7 @@
           <a:p>
             <a:fld id="{BBAFDD16-2374-4048-AB26-2BF1CB737FD7}" type="datetimeFigureOut">
               <a:rPr lang="en-US" smtClean="0"/>
-              <a:t>4/5/2019</a:t>
+              <a:t>4/6/2019</a:t>
             </a:fld>
             <a:endParaRPr lang="en-US"/>
           </a:p>
@@ -459,7 +464,7 @@
           <a:p>
             <a:fld id="{BBAFDD16-2374-4048-AB26-2BF1CB737FD7}" type="datetimeFigureOut">
               <a:rPr lang="en-US" smtClean="0"/>
-              <a:t>4/5/2019</a:t>
+              <a:t>4/6/2019</a:t>
             </a:fld>
             <a:endParaRPr lang="en-US"/>
           </a:p>
@@ -667,7 +672,7 @@
           <a:p>
             <a:fld id="{BBAFDD16-2374-4048-AB26-2BF1CB737FD7}" type="datetimeFigureOut">
               <a:rPr lang="en-US" smtClean="0"/>
-              <a:t>4/5/2019</a:t>
+              <a:t>4/6/2019</a:t>
             </a:fld>
             <a:endParaRPr lang="en-US"/>
           </a:p>
@@ -865,7 +870,7 @@
           <a:p>
             <a:fld id="{BBAFDD16-2374-4048-AB26-2BF1CB737FD7}" type="datetimeFigureOut">
               <a:rPr lang="en-US" smtClean="0"/>
-              <a:t>4/5/2019</a:t>
+              <a:t>4/6/2019</a:t>
             </a:fld>
             <a:endParaRPr lang="en-US"/>
           </a:p>
@@ -1140,7 +1145,7 @@
           <a:p>
             <a:fld id="{BBAFDD16-2374-4048-AB26-2BF1CB737FD7}" type="datetimeFigureOut">
               <a:rPr lang="en-US" smtClean="0"/>
-              <a:t>4/5/2019</a:t>
+              <a:t>4/6/2019</a:t>
             </a:fld>
             <a:endParaRPr lang="en-US"/>
           </a:p>
@@ -1405,7 +1410,7 @@
           <a:p>
             <a:fld id="{BBAFDD16-2374-4048-AB26-2BF1CB737FD7}" type="datetimeFigureOut">
               <a:rPr lang="en-US" smtClean="0"/>
-              <a:t>4/5/2019</a:t>
+              <a:t>4/6/2019</a:t>
             </a:fld>
             <a:endParaRPr lang="en-US"/>
           </a:p>
@@ -1817,7 +1822,7 @@
           <a:p>
             <a:fld id="{BBAFDD16-2374-4048-AB26-2BF1CB737FD7}" type="datetimeFigureOut">
               <a:rPr lang="en-US" smtClean="0"/>
-              <a:t>4/5/2019</a:t>
+              <a:t>4/6/2019</a:t>
             </a:fld>
             <a:endParaRPr lang="en-US"/>
           </a:p>
@@ -1958,7 +1963,7 @@
           <a:p>
             <a:fld id="{BBAFDD16-2374-4048-AB26-2BF1CB737FD7}" type="datetimeFigureOut">
               <a:rPr lang="en-US" smtClean="0"/>
-              <a:t>4/5/2019</a:t>
+              <a:t>4/6/2019</a:t>
             </a:fld>
             <a:endParaRPr lang="en-US"/>
           </a:p>
@@ -2071,7 +2076,7 @@
           <a:p>
             <a:fld id="{BBAFDD16-2374-4048-AB26-2BF1CB737FD7}" type="datetimeFigureOut">
               <a:rPr lang="en-US" smtClean="0"/>
-              <a:t>4/5/2019</a:t>
+              <a:t>4/6/2019</a:t>
             </a:fld>
             <a:endParaRPr lang="en-US"/>
           </a:p>
@@ -2382,7 +2387,7 @@
           <a:p>
             <a:fld id="{BBAFDD16-2374-4048-AB26-2BF1CB737FD7}" type="datetimeFigureOut">
               <a:rPr lang="en-US" smtClean="0"/>
-              <a:t>4/5/2019</a:t>
+              <a:t>4/6/2019</a:t>
             </a:fld>
             <a:endParaRPr lang="en-US"/>
           </a:p>
@@ -2670,7 +2675,7 @@
           <a:p>
             <a:fld id="{BBAFDD16-2374-4048-AB26-2BF1CB737FD7}" type="datetimeFigureOut">
               <a:rPr lang="en-US" smtClean="0"/>
-              <a:t>4/5/2019</a:t>
+              <a:t>4/6/2019</a:t>
             </a:fld>
             <a:endParaRPr lang="en-US"/>
           </a:p>
@@ -2911,7 +2916,7 @@
           <a:p>
             <a:fld id="{BBAFDD16-2374-4048-AB26-2BF1CB737FD7}" type="datetimeFigureOut">
               <a:rPr lang="en-US" smtClean="0"/>
-              <a:t>4/5/2019</a:t>
+              <a:t>4/6/2019</a:t>
             </a:fld>
             <a:endParaRPr lang="en-US"/>
           </a:p>
@@ -3597,10 +3602,10 @@
       </p:grpSpPr>
       <p:sp>
         <p:nvSpPr>
-          <p:cNvPr id="5" name="Rectangle 4">
-            <a:extLst>
-              <a:ext uri="{FF2B5EF4-FFF2-40B4-BE49-F238E27FC236}">
-                <a16:creationId xmlns:a16="http://schemas.microsoft.com/office/drawing/2014/main" id="{7DE55365-B231-436C-B90D-2B732A332B3B}"/>
+          <p:cNvPr id="4" name="Rectangle 3">
+            <a:extLst>
+              <a:ext uri="{FF2B5EF4-FFF2-40B4-BE49-F238E27FC236}">
+                <a16:creationId xmlns:a16="http://schemas.microsoft.com/office/drawing/2014/main" id="{A9FDF07A-941E-493B-A87D-140590F6CEE9}"/>
               </a:ext>
             </a:extLst>
           </p:cNvPr>
@@ -3610,11 +3615,14 @@
         <p:spPr>
           <a:xfrm>
             <a:off x="0" y="0"/>
-            <a:ext cx="5770485" cy="6858000"/>
+            <a:ext cx="12192002" cy="6858000"/>
           </a:xfrm>
           <a:prstGeom prst="rect">
             <a:avLst/>
           </a:prstGeom>
+          <a:solidFill>
+            <a:srgbClr val="FF0000"/>
+          </a:solidFill>
           <a:ln>
             <a:noFill/>
           </a:ln>
@@ -3646,165 +3654,40 @@
       </p:sp>
       <p:pic>
         <p:nvPicPr>
-          <p:cNvPr id="2052" name="Picture 4" descr="Image result for google maps">
-            <a:extLst>
-              <a:ext uri="{FF2B5EF4-FFF2-40B4-BE49-F238E27FC236}">
-                <a16:creationId xmlns:a16="http://schemas.microsoft.com/office/drawing/2014/main" id="{196729F6-9575-46E3-9A0E-436C990F7E2F}"/>
+          <p:cNvPr id="2" name="Picture 1">
+            <a:extLst>
+              <a:ext uri="{FF2B5EF4-FFF2-40B4-BE49-F238E27FC236}">
+                <a16:creationId xmlns:a16="http://schemas.microsoft.com/office/drawing/2014/main" id="{A5532A46-460C-4DBB-A974-B89FF2DBB642}"/>
               </a:ext>
             </a:extLst>
           </p:cNvPr>
           <p:cNvPicPr>
-            <a:picLocks noChangeAspect="1" noChangeArrowheads="1"/>
+            <a:picLocks noChangeAspect="1"/>
           </p:cNvPicPr>
           <p:nvPr/>
         </p:nvPicPr>
         <p:blipFill>
-          <a:blip r:embed="rId2">
-            <a:extLst>
-              <a:ext uri="{28A0092B-C50C-407E-A947-70E740481C1C}">
-                <a14:useLocalDpi xmlns:a14="http://schemas.microsoft.com/office/drawing/2010/main" val="0"/>
-              </a:ext>
-            </a:extLst>
-          </a:blip>
-          <a:srcRect/>
+          <a:blip r:embed="rId2"/>
           <a:stretch>
             <a:fillRect/>
           </a:stretch>
         </p:blipFill>
-        <p:spPr bwMode="auto">
-          <a:xfrm>
-            <a:off x="5334000" y="0"/>
-            <a:ext cx="6858000" cy="6858000"/>
+        <p:spPr>
+          <a:xfrm>
+            <a:off x="553360" y="598233"/>
+            <a:ext cx="4867954" cy="4877481"/>
           </a:xfrm>
           <a:prstGeom prst="rect">
             <a:avLst/>
           </a:prstGeom>
-          <a:noFill/>
-          <a:extLst>
-            <a:ext uri="{909E8E84-426E-40DD-AFC4-6F175D3DCCD1}">
-              <a14:hiddenFill xmlns:a14="http://schemas.microsoft.com/office/drawing/2010/main">
-                <a:solidFill>
-                  <a:srgbClr val="FFFFFF"/>
-                </a:solidFill>
-              </a14:hiddenFill>
-            </a:ext>
-          </a:extLst>
         </p:spPr>
       </p:pic>
-      <p:pic>
-        <p:nvPicPr>
-          <p:cNvPr id="2064" name="Picture 16" descr="Image result for google maps icon png">
-            <a:extLst>
-              <a:ext uri="{FF2B5EF4-FFF2-40B4-BE49-F238E27FC236}">
-                <a16:creationId xmlns:a16="http://schemas.microsoft.com/office/drawing/2014/main" id="{B67F98C2-9730-4587-B968-9A992B013E91}"/>
-              </a:ext>
-            </a:extLst>
-          </p:cNvPr>
-          <p:cNvPicPr>
-            <a:picLocks noChangeAspect="1" noChangeArrowheads="1"/>
-          </p:cNvPicPr>
-          <p:nvPr/>
-        </p:nvPicPr>
-        <p:blipFill>
-          <a:blip r:embed="rId3">
-            <a:extLst>
-              <a:ext uri="{28A0092B-C50C-407E-A947-70E740481C1C}">
-                <a14:useLocalDpi xmlns:a14="http://schemas.microsoft.com/office/drawing/2010/main" val="0"/>
-              </a:ext>
-            </a:extLst>
-          </a:blip>
-          <a:srcRect/>
-          <a:stretch>
-            <a:fillRect/>
-          </a:stretch>
-        </p:blipFill>
-        <p:spPr bwMode="auto">
-          <a:xfrm>
-            <a:off x="368423" y="5486400"/>
-            <a:ext cx="1282824" cy="1282824"/>
-          </a:xfrm>
-          <a:prstGeom prst="rect">
-            <a:avLst/>
-          </a:prstGeom>
-          <a:noFill/>
-          <a:effectLst>
-            <a:outerShdw blurRad="50800" dist="38100" dir="2700000" algn="tl" rotWithShape="0">
-              <a:prstClr val="black">
-                <a:alpha val="40000"/>
-              </a:prstClr>
-            </a:outerShdw>
-          </a:effectLst>
-          <a:extLst>
-            <a:ext uri="{909E8E84-426E-40DD-AFC4-6F175D3DCCD1}">
-              <a14:hiddenFill xmlns:a14="http://schemas.microsoft.com/office/drawing/2010/main">
-                <a:solidFill>
-                  <a:srgbClr val="FFFFFF"/>
-                </a:solidFill>
-              </a14:hiddenFill>
-            </a:ext>
-          </a:extLst>
-        </p:spPr>
-      </p:pic>
-      <p:pic>
-        <p:nvPicPr>
-          <p:cNvPr id="2068" name="Picture 20" descr="Image result for bluetooth icon png">
-            <a:extLst>
-              <a:ext uri="{FF2B5EF4-FFF2-40B4-BE49-F238E27FC236}">
-                <a16:creationId xmlns:a16="http://schemas.microsoft.com/office/drawing/2014/main" id="{5DD28775-4B8D-4050-9E46-046226047263}"/>
-              </a:ext>
-            </a:extLst>
-          </p:cNvPr>
-          <p:cNvPicPr>
-            <a:picLocks noChangeAspect="1" noChangeArrowheads="1"/>
-          </p:cNvPicPr>
-          <p:nvPr/>
-        </p:nvPicPr>
-        <p:blipFill>
-          <a:blip r:embed="rId4">
-            <a:extLst>
-              <a:ext uri="{28A0092B-C50C-407E-A947-70E740481C1C}">
-                <a14:useLocalDpi xmlns:a14="http://schemas.microsoft.com/office/drawing/2010/main" val="0"/>
-              </a:ext>
-            </a:extLst>
-          </a:blip>
-          <a:srcRect/>
-          <a:stretch>
-            <a:fillRect/>
-          </a:stretch>
-        </p:blipFill>
-        <p:spPr bwMode="auto">
-          <a:xfrm>
-            <a:off x="1843596" y="5486399"/>
-            <a:ext cx="1191829" cy="1191829"/>
-          </a:xfrm>
-          <a:prstGeom prst="rect">
-            <a:avLst/>
-          </a:prstGeom>
-          <a:noFill/>
-          <a:effectLst>
-            <a:outerShdw blurRad="50800" dist="38100" dir="2700000" algn="tl" rotWithShape="0">
-              <a:prstClr val="black">
-                <a:alpha val="40000"/>
-              </a:prstClr>
-            </a:outerShdw>
-          </a:effectLst>
-          <a:extLst>
-            <a:ext uri="{909E8E84-426E-40DD-AFC4-6F175D3DCCD1}">
-              <a14:hiddenFill xmlns:a14="http://schemas.microsoft.com/office/drawing/2010/main">
-                <a:solidFill>
-                  <a:srgbClr val="FFFFFF"/>
-                </a:solidFill>
-              </a14:hiddenFill>
-            </a:ext>
-          </a:extLst>
-        </p:spPr>
-      </p:pic>
-      <p:sp>
-        <p:nvSpPr>
-          <p:cNvPr id="4" name="TextBox 3">
-            <a:extLst>
-              <a:ext uri="{FF2B5EF4-FFF2-40B4-BE49-F238E27FC236}">
-                <a16:creationId xmlns:a16="http://schemas.microsoft.com/office/drawing/2014/main" id="{D915522F-9914-4739-9902-75CBFFE6C6E3}"/>
+      <p:sp>
+        <p:nvSpPr>
+          <p:cNvPr id="5" name="TextBox 4">
+            <a:extLst>
+              <a:ext uri="{FF2B5EF4-FFF2-40B4-BE49-F238E27FC236}">
+                <a16:creationId xmlns:a16="http://schemas.microsoft.com/office/drawing/2014/main" id="{BF221FEC-E642-45EF-AE68-A8CABBD39594}"/>
               </a:ext>
             </a:extLst>
           </p:cNvPr>
@@ -3813,8 +3696,8 @@
         </p:nvSpPr>
         <p:spPr>
           <a:xfrm>
-            <a:off x="443883" y="272577"/>
-            <a:ext cx="6072327" cy="4093428"/>
+            <a:off x="4873841" y="1382286"/>
+            <a:ext cx="5513034" cy="4093428"/>
           </a:xfrm>
           <a:prstGeom prst="rect">
             <a:avLst/>
@@ -3834,6 +3717,7 @@
           </a:bodyPr>
           <a:lstStyle/>
           <a:p>
+            <a:pPr algn="ctr"/>
             <a:r>
               <a:rPr lang="en-US" sz="13000" dirty="0">
                 <a:solidFill>
@@ -3846,816 +3730,10 @@
           </a:p>
         </p:txBody>
       </p:sp>
-      <p:pic>
-        <p:nvPicPr>
-          <p:cNvPr id="2070" name="Picture 22" descr="Image result for blue icon marker">
-            <a:extLst>
-              <a:ext uri="{FF2B5EF4-FFF2-40B4-BE49-F238E27FC236}">
-                <a16:creationId xmlns:a16="http://schemas.microsoft.com/office/drawing/2014/main" id="{5862471D-DB42-494F-8500-3B892DA20C93}"/>
-              </a:ext>
-            </a:extLst>
-          </p:cNvPr>
-          <p:cNvPicPr>
-            <a:picLocks noChangeAspect="1" noChangeArrowheads="1"/>
-          </p:cNvPicPr>
-          <p:nvPr/>
-        </p:nvPicPr>
-        <p:blipFill>
-          <a:blip r:embed="rId5">
-            <a:extLst>
-              <a:ext uri="{28A0092B-C50C-407E-A947-70E740481C1C}">
-                <a14:useLocalDpi xmlns:a14="http://schemas.microsoft.com/office/drawing/2010/main" val="0"/>
-              </a:ext>
-            </a:extLst>
-          </a:blip>
-          <a:srcRect/>
-          <a:stretch>
-            <a:fillRect/>
-          </a:stretch>
-        </p:blipFill>
-        <p:spPr bwMode="auto">
-          <a:xfrm>
-            <a:off x="8728229" y="3263284"/>
-            <a:ext cx="506027" cy="506027"/>
-          </a:xfrm>
-          <a:prstGeom prst="rect">
-            <a:avLst/>
-          </a:prstGeom>
-          <a:noFill/>
-          <a:extLst>
-            <a:ext uri="{909E8E84-426E-40DD-AFC4-6F175D3DCCD1}">
-              <a14:hiddenFill xmlns:a14="http://schemas.microsoft.com/office/drawing/2010/main">
-                <a:solidFill>
-                  <a:srgbClr val="FFFFFF"/>
-                </a:solidFill>
-              </a14:hiddenFill>
-            </a:ext>
-          </a:extLst>
-        </p:spPr>
-      </p:pic>
-      <p:pic>
-        <p:nvPicPr>
-          <p:cNvPr id="19" name="Picture 22" descr="Image result for blue icon marker">
-            <a:extLst>
-              <a:ext uri="{FF2B5EF4-FFF2-40B4-BE49-F238E27FC236}">
-                <a16:creationId xmlns:a16="http://schemas.microsoft.com/office/drawing/2014/main" id="{1BBED105-645E-4C8D-A973-9C8AE9557745}"/>
-              </a:ext>
-            </a:extLst>
-          </p:cNvPr>
-          <p:cNvPicPr>
-            <a:picLocks noChangeAspect="1" noChangeArrowheads="1"/>
-          </p:cNvPicPr>
-          <p:nvPr/>
-        </p:nvPicPr>
-        <p:blipFill>
-          <a:blip r:embed="rId5">
-            <a:extLst>
-              <a:ext uri="{28A0092B-C50C-407E-A947-70E740481C1C}">
-                <a14:useLocalDpi xmlns:a14="http://schemas.microsoft.com/office/drawing/2010/main" val="0"/>
-              </a:ext>
-            </a:extLst>
-          </a:blip>
-          <a:srcRect/>
-          <a:stretch>
-            <a:fillRect/>
-          </a:stretch>
-        </p:blipFill>
-        <p:spPr bwMode="auto">
-          <a:xfrm>
-            <a:off x="8922057" y="2556030"/>
-            <a:ext cx="506027" cy="506027"/>
-          </a:xfrm>
-          <a:prstGeom prst="rect">
-            <a:avLst/>
-          </a:prstGeom>
-          <a:noFill/>
-          <a:extLst>
-            <a:ext uri="{909E8E84-426E-40DD-AFC4-6F175D3DCCD1}">
-              <a14:hiddenFill xmlns:a14="http://schemas.microsoft.com/office/drawing/2010/main">
-                <a:solidFill>
-                  <a:srgbClr val="FFFFFF"/>
-                </a:solidFill>
-              </a14:hiddenFill>
-            </a:ext>
-          </a:extLst>
-        </p:spPr>
-      </p:pic>
-      <p:pic>
-        <p:nvPicPr>
-          <p:cNvPr id="20" name="Picture 22" descr="Image result for blue icon marker">
-            <a:extLst>
-              <a:ext uri="{FF2B5EF4-FFF2-40B4-BE49-F238E27FC236}">
-                <a16:creationId xmlns:a16="http://schemas.microsoft.com/office/drawing/2014/main" id="{534E46E2-56AF-4A63-A832-4F854DCDBA0E}"/>
-              </a:ext>
-            </a:extLst>
-          </p:cNvPr>
-          <p:cNvPicPr>
-            <a:picLocks noChangeAspect="1" noChangeArrowheads="1"/>
-          </p:cNvPicPr>
-          <p:nvPr/>
-        </p:nvPicPr>
-        <p:blipFill>
-          <a:blip r:embed="rId5">
-            <a:extLst>
-              <a:ext uri="{28A0092B-C50C-407E-A947-70E740481C1C}">
-                <a14:useLocalDpi xmlns:a14="http://schemas.microsoft.com/office/drawing/2010/main" val="0"/>
-              </a:ext>
-            </a:extLst>
-          </a:blip>
-          <a:srcRect/>
-          <a:stretch>
-            <a:fillRect/>
-          </a:stretch>
-        </p:blipFill>
-        <p:spPr bwMode="auto">
-          <a:xfrm>
-            <a:off x="7834543" y="2556030"/>
-            <a:ext cx="506027" cy="506027"/>
-          </a:xfrm>
-          <a:prstGeom prst="rect">
-            <a:avLst/>
-          </a:prstGeom>
-          <a:noFill/>
-          <a:extLst>
-            <a:ext uri="{909E8E84-426E-40DD-AFC4-6F175D3DCCD1}">
-              <a14:hiddenFill xmlns:a14="http://schemas.microsoft.com/office/drawing/2010/main">
-                <a:solidFill>
-                  <a:srgbClr val="FFFFFF"/>
-                </a:solidFill>
-              </a14:hiddenFill>
-            </a:ext>
-          </a:extLst>
-        </p:spPr>
-      </p:pic>
-      <p:pic>
-        <p:nvPicPr>
-          <p:cNvPr id="21" name="Picture 22" descr="Image result for blue icon marker">
-            <a:extLst>
-              <a:ext uri="{FF2B5EF4-FFF2-40B4-BE49-F238E27FC236}">
-                <a16:creationId xmlns:a16="http://schemas.microsoft.com/office/drawing/2014/main" id="{807D2D8C-9428-4212-AE13-225914334EF7}"/>
-              </a:ext>
-            </a:extLst>
-          </p:cNvPr>
-          <p:cNvPicPr>
-            <a:picLocks noChangeAspect="1" noChangeArrowheads="1"/>
-          </p:cNvPicPr>
-          <p:nvPr/>
-        </p:nvPicPr>
-        <p:blipFill>
-          <a:blip r:embed="rId5">
-            <a:extLst>
-              <a:ext uri="{28A0092B-C50C-407E-A947-70E740481C1C}">
-                <a14:useLocalDpi xmlns:a14="http://schemas.microsoft.com/office/drawing/2010/main" val="0"/>
-              </a:ext>
-            </a:extLst>
-          </a:blip>
-          <a:srcRect/>
-          <a:stretch>
-            <a:fillRect/>
-          </a:stretch>
-        </p:blipFill>
-        <p:spPr bwMode="auto">
-          <a:xfrm>
-            <a:off x="9231298" y="3519257"/>
-            <a:ext cx="506027" cy="506027"/>
-          </a:xfrm>
-          <a:prstGeom prst="rect">
-            <a:avLst/>
-          </a:prstGeom>
-          <a:noFill/>
-          <a:extLst>
-            <a:ext uri="{909E8E84-426E-40DD-AFC4-6F175D3DCCD1}">
-              <a14:hiddenFill xmlns:a14="http://schemas.microsoft.com/office/drawing/2010/main">
-                <a:solidFill>
-                  <a:srgbClr val="FFFFFF"/>
-                </a:solidFill>
-              </a14:hiddenFill>
-            </a:ext>
-          </a:extLst>
-        </p:spPr>
-      </p:pic>
-      <p:pic>
-        <p:nvPicPr>
-          <p:cNvPr id="22" name="Picture 22" descr="Image result for blue icon marker">
-            <a:extLst>
-              <a:ext uri="{FF2B5EF4-FFF2-40B4-BE49-F238E27FC236}">
-                <a16:creationId xmlns:a16="http://schemas.microsoft.com/office/drawing/2014/main" id="{48237895-66BE-4974-9AD9-0B8FC5626388}"/>
-              </a:ext>
-            </a:extLst>
-          </p:cNvPr>
-          <p:cNvPicPr>
-            <a:picLocks noChangeAspect="1" noChangeArrowheads="1"/>
-          </p:cNvPicPr>
-          <p:nvPr/>
-        </p:nvPicPr>
-        <p:blipFill>
-          <a:blip r:embed="rId5">
-            <a:extLst>
-              <a:ext uri="{28A0092B-C50C-407E-A947-70E740481C1C}">
-                <a14:useLocalDpi xmlns:a14="http://schemas.microsoft.com/office/drawing/2010/main" val="0"/>
-              </a:ext>
-            </a:extLst>
-          </a:blip>
-          <a:srcRect/>
-          <a:stretch>
-            <a:fillRect/>
-          </a:stretch>
-        </p:blipFill>
-        <p:spPr bwMode="auto">
-          <a:xfrm>
-            <a:off x="7972146" y="3693112"/>
-            <a:ext cx="506027" cy="506027"/>
-          </a:xfrm>
-          <a:prstGeom prst="rect">
-            <a:avLst/>
-          </a:prstGeom>
-          <a:noFill/>
-          <a:extLst>
-            <a:ext uri="{909E8E84-426E-40DD-AFC4-6F175D3DCCD1}">
-              <a14:hiddenFill xmlns:a14="http://schemas.microsoft.com/office/drawing/2010/main">
-                <a:solidFill>
-                  <a:srgbClr val="FFFFFF"/>
-                </a:solidFill>
-              </a14:hiddenFill>
-            </a:ext>
-          </a:extLst>
-        </p:spPr>
-      </p:pic>
-      <p:pic>
-        <p:nvPicPr>
-          <p:cNvPr id="23" name="Picture 22" descr="Image result for blue icon marker">
-            <a:extLst>
-              <a:ext uri="{FF2B5EF4-FFF2-40B4-BE49-F238E27FC236}">
-                <a16:creationId xmlns:a16="http://schemas.microsoft.com/office/drawing/2014/main" id="{EDD9A881-6B0B-404F-8941-4FCD93604F92}"/>
-              </a:ext>
-            </a:extLst>
-          </p:cNvPr>
-          <p:cNvPicPr>
-            <a:picLocks noChangeAspect="1" noChangeArrowheads="1"/>
-          </p:cNvPicPr>
-          <p:nvPr/>
-        </p:nvPicPr>
-        <p:blipFill>
-          <a:blip r:embed="rId5">
-            <a:extLst>
-              <a:ext uri="{28A0092B-C50C-407E-A947-70E740481C1C}">
-                <a14:useLocalDpi xmlns:a14="http://schemas.microsoft.com/office/drawing/2010/main" val="0"/>
-              </a:ext>
-            </a:extLst>
-          </a:blip>
-          <a:srcRect/>
-          <a:stretch>
-            <a:fillRect/>
-          </a:stretch>
-        </p:blipFill>
-        <p:spPr bwMode="auto">
-          <a:xfrm>
-            <a:off x="9490229" y="4025284"/>
-            <a:ext cx="506027" cy="506027"/>
-          </a:xfrm>
-          <a:prstGeom prst="rect">
-            <a:avLst/>
-          </a:prstGeom>
-          <a:noFill/>
-          <a:extLst>
-            <a:ext uri="{909E8E84-426E-40DD-AFC4-6F175D3DCCD1}">
-              <a14:hiddenFill xmlns:a14="http://schemas.microsoft.com/office/drawing/2010/main">
-                <a:solidFill>
-                  <a:srgbClr val="FFFFFF"/>
-                </a:solidFill>
-              </a14:hiddenFill>
-            </a:ext>
-          </a:extLst>
-        </p:spPr>
-      </p:pic>
-      <p:pic>
-        <p:nvPicPr>
-          <p:cNvPr id="24" name="Picture 22" descr="Image result for blue icon marker">
-            <a:extLst>
-              <a:ext uri="{FF2B5EF4-FFF2-40B4-BE49-F238E27FC236}">
-                <a16:creationId xmlns:a16="http://schemas.microsoft.com/office/drawing/2014/main" id="{E909DBFD-7A62-4A0D-A47B-4220E2D20670}"/>
-              </a:ext>
-            </a:extLst>
-          </p:cNvPr>
-          <p:cNvPicPr>
-            <a:picLocks noChangeAspect="1" noChangeArrowheads="1"/>
-          </p:cNvPicPr>
-          <p:nvPr/>
-        </p:nvPicPr>
-        <p:blipFill>
-          <a:blip r:embed="rId5">
-            <a:extLst>
-              <a:ext uri="{28A0092B-C50C-407E-A947-70E740481C1C}">
-                <a14:useLocalDpi xmlns:a14="http://schemas.microsoft.com/office/drawing/2010/main" val="0"/>
-              </a:ext>
-            </a:extLst>
-          </a:blip>
-          <a:srcRect/>
-          <a:stretch>
-            <a:fillRect/>
-          </a:stretch>
-        </p:blipFill>
-        <p:spPr bwMode="auto">
-          <a:xfrm>
-            <a:off x="8654989" y="4188042"/>
-            <a:ext cx="506027" cy="506027"/>
-          </a:xfrm>
-          <a:prstGeom prst="rect">
-            <a:avLst/>
-          </a:prstGeom>
-          <a:noFill/>
-          <a:extLst>
-            <a:ext uri="{909E8E84-426E-40DD-AFC4-6F175D3DCCD1}">
-              <a14:hiddenFill xmlns:a14="http://schemas.microsoft.com/office/drawing/2010/main">
-                <a:solidFill>
-                  <a:srgbClr val="FFFFFF"/>
-                </a:solidFill>
-              </a14:hiddenFill>
-            </a:ext>
-          </a:extLst>
-        </p:spPr>
-      </p:pic>
-      <p:pic>
-        <p:nvPicPr>
-          <p:cNvPr id="25" name="Picture 22" descr="Image result for blue icon marker">
-            <a:extLst>
-              <a:ext uri="{FF2B5EF4-FFF2-40B4-BE49-F238E27FC236}">
-                <a16:creationId xmlns:a16="http://schemas.microsoft.com/office/drawing/2014/main" id="{A37F72A3-F945-45F1-BD6D-72839D313A20}"/>
-              </a:ext>
-            </a:extLst>
-          </p:cNvPr>
-          <p:cNvPicPr>
-            <a:picLocks noChangeAspect="1" noChangeArrowheads="1"/>
-          </p:cNvPicPr>
-          <p:nvPr/>
-        </p:nvPicPr>
-        <p:blipFill>
-          <a:blip r:embed="rId5">
-            <a:extLst>
-              <a:ext uri="{28A0092B-C50C-407E-A947-70E740481C1C}">
-                <a14:useLocalDpi xmlns:a14="http://schemas.microsoft.com/office/drawing/2010/main" val="0"/>
-              </a:ext>
-            </a:extLst>
-          </a:blip>
-          <a:srcRect/>
-          <a:stretch>
-            <a:fillRect/>
-          </a:stretch>
-        </p:blipFill>
-        <p:spPr bwMode="auto">
-          <a:xfrm>
-            <a:off x="8654988" y="3173029"/>
-            <a:ext cx="506027" cy="506027"/>
-          </a:xfrm>
-          <a:prstGeom prst="rect">
-            <a:avLst/>
-          </a:prstGeom>
-          <a:noFill/>
-          <a:extLst>
-            <a:ext uri="{909E8E84-426E-40DD-AFC4-6F175D3DCCD1}">
-              <a14:hiddenFill xmlns:a14="http://schemas.microsoft.com/office/drawing/2010/main">
-                <a:solidFill>
-                  <a:srgbClr val="FFFFFF"/>
-                </a:solidFill>
-              </a14:hiddenFill>
-            </a:ext>
-          </a:extLst>
-        </p:spPr>
-      </p:pic>
-      <p:pic>
-        <p:nvPicPr>
-          <p:cNvPr id="26" name="Picture 22" descr="Image result for blue icon marker">
-            <a:extLst>
-              <a:ext uri="{FF2B5EF4-FFF2-40B4-BE49-F238E27FC236}">
-                <a16:creationId xmlns:a16="http://schemas.microsoft.com/office/drawing/2014/main" id="{DB0F04C5-1F67-4356-B112-96B52A505CC1}"/>
-              </a:ext>
-            </a:extLst>
-          </p:cNvPr>
-          <p:cNvPicPr>
-            <a:picLocks noChangeAspect="1" noChangeArrowheads="1"/>
-          </p:cNvPicPr>
-          <p:nvPr/>
-        </p:nvPicPr>
-        <p:blipFill>
-          <a:blip r:embed="rId5">
-            <a:extLst>
-              <a:ext uri="{28A0092B-C50C-407E-A947-70E740481C1C}">
-                <a14:useLocalDpi xmlns:a14="http://schemas.microsoft.com/office/drawing/2010/main" val="0"/>
-              </a:ext>
-            </a:extLst>
-          </a:blip>
-          <a:srcRect/>
-          <a:stretch>
-            <a:fillRect/>
-          </a:stretch>
-        </p:blipFill>
-        <p:spPr bwMode="auto">
-          <a:xfrm>
-            <a:off x="9955566" y="3374995"/>
-            <a:ext cx="506027" cy="506027"/>
-          </a:xfrm>
-          <a:prstGeom prst="rect">
-            <a:avLst/>
-          </a:prstGeom>
-          <a:noFill/>
-          <a:extLst>
-            <a:ext uri="{909E8E84-426E-40DD-AFC4-6F175D3DCCD1}">
-              <a14:hiddenFill xmlns:a14="http://schemas.microsoft.com/office/drawing/2010/main">
-                <a:solidFill>
-                  <a:srgbClr val="FFFFFF"/>
-                </a:solidFill>
-              </a14:hiddenFill>
-            </a:ext>
-          </a:extLst>
-        </p:spPr>
-      </p:pic>
-      <p:pic>
-        <p:nvPicPr>
-          <p:cNvPr id="27" name="Picture 22" descr="Image result for blue icon marker">
-            <a:extLst>
-              <a:ext uri="{FF2B5EF4-FFF2-40B4-BE49-F238E27FC236}">
-                <a16:creationId xmlns:a16="http://schemas.microsoft.com/office/drawing/2014/main" id="{6BB7FBC9-957C-4FC5-A137-31E150FD1174}"/>
-              </a:ext>
-            </a:extLst>
-          </p:cNvPr>
-          <p:cNvPicPr>
-            <a:picLocks noChangeAspect="1" noChangeArrowheads="1"/>
-          </p:cNvPicPr>
-          <p:nvPr/>
-        </p:nvPicPr>
-        <p:blipFill>
-          <a:blip r:embed="rId5">
-            <a:extLst>
-              <a:ext uri="{28A0092B-C50C-407E-A947-70E740481C1C}">
-                <a14:useLocalDpi xmlns:a14="http://schemas.microsoft.com/office/drawing/2010/main" val="0"/>
-              </a:ext>
-            </a:extLst>
-          </a:blip>
-          <a:srcRect/>
-          <a:stretch>
-            <a:fillRect/>
-          </a:stretch>
-        </p:blipFill>
-        <p:spPr bwMode="auto">
-          <a:xfrm>
-            <a:off x="9301581" y="3942631"/>
-            <a:ext cx="506027" cy="506027"/>
-          </a:xfrm>
-          <a:prstGeom prst="rect">
-            <a:avLst/>
-          </a:prstGeom>
-          <a:noFill/>
-          <a:extLst>
-            <a:ext uri="{909E8E84-426E-40DD-AFC4-6F175D3DCCD1}">
-              <a14:hiddenFill xmlns:a14="http://schemas.microsoft.com/office/drawing/2010/main">
-                <a:solidFill>
-                  <a:srgbClr val="FFFFFF"/>
-                </a:solidFill>
-              </a14:hiddenFill>
-            </a:ext>
-          </a:extLst>
-        </p:spPr>
-      </p:pic>
-      <p:pic>
-        <p:nvPicPr>
-          <p:cNvPr id="28" name="Picture 22" descr="Image result for blue icon marker">
-            <a:extLst>
-              <a:ext uri="{FF2B5EF4-FFF2-40B4-BE49-F238E27FC236}">
-                <a16:creationId xmlns:a16="http://schemas.microsoft.com/office/drawing/2014/main" id="{37731F62-430B-42AD-82EF-AE557B4F7087}"/>
-              </a:ext>
-            </a:extLst>
-          </p:cNvPr>
-          <p:cNvPicPr>
-            <a:picLocks noChangeAspect="1" noChangeArrowheads="1"/>
-          </p:cNvPicPr>
-          <p:nvPr/>
-        </p:nvPicPr>
-        <p:blipFill>
-          <a:blip r:embed="rId5">
-            <a:extLst>
-              <a:ext uri="{28A0092B-C50C-407E-A947-70E740481C1C}">
-                <a14:useLocalDpi xmlns:a14="http://schemas.microsoft.com/office/drawing/2010/main" val="0"/>
-              </a:ext>
-            </a:extLst>
-          </a:blip>
-          <a:srcRect/>
-          <a:stretch>
-            <a:fillRect/>
-          </a:stretch>
-        </p:blipFill>
-        <p:spPr bwMode="auto">
-          <a:xfrm>
-            <a:off x="9656317" y="3859978"/>
-            <a:ext cx="506027" cy="506027"/>
-          </a:xfrm>
-          <a:prstGeom prst="rect">
-            <a:avLst/>
-          </a:prstGeom>
-          <a:noFill/>
-          <a:extLst>
-            <a:ext uri="{909E8E84-426E-40DD-AFC4-6F175D3DCCD1}">
-              <a14:hiddenFill xmlns:a14="http://schemas.microsoft.com/office/drawing/2010/main">
-                <a:solidFill>
-                  <a:srgbClr val="FFFFFF"/>
-                </a:solidFill>
-              </a14:hiddenFill>
-            </a:ext>
-          </a:extLst>
-        </p:spPr>
-      </p:pic>
-      <p:pic>
-        <p:nvPicPr>
-          <p:cNvPr id="29" name="Picture 22" descr="Image result for blue icon marker">
-            <a:extLst>
-              <a:ext uri="{FF2B5EF4-FFF2-40B4-BE49-F238E27FC236}">
-                <a16:creationId xmlns:a16="http://schemas.microsoft.com/office/drawing/2014/main" id="{216E81EF-63DE-450A-8B41-D215CB8E123C}"/>
-              </a:ext>
-            </a:extLst>
-          </p:cNvPr>
-          <p:cNvPicPr>
-            <a:picLocks noChangeAspect="1" noChangeArrowheads="1"/>
-          </p:cNvPicPr>
-          <p:nvPr/>
-        </p:nvPicPr>
-        <p:blipFill>
-          <a:blip r:embed="rId5">
-            <a:extLst>
-              <a:ext uri="{28A0092B-C50C-407E-A947-70E740481C1C}">
-                <a14:useLocalDpi xmlns:a14="http://schemas.microsoft.com/office/drawing/2010/main" val="0"/>
-              </a:ext>
-            </a:extLst>
-          </a:blip>
-          <a:srcRect/>
-          <a:stretch>
-            <a:fillRect/>
-          </a:stretch>
-        </p:blipFill>
-        <p:spPr bwMode="auto">
-          <a:xfrm>
-            <a:off x="8113820" y="3777449"/>
-            <a:ext cx="506027" cy="506027"/>
-          </a:xfrm>
-          <a:prstGeom prst="rect">
-            <a:avLst/>
-          </a:prstGeom>
-          <a:noFill/>
-          <a:extLst>
-            <a:ext uri="{909E8E84-426E-40DD-AFC4-6F175D3DCCD1}">
-              <a14:hiddenFill xmlns:a14="http://schemas.microsoft.com/office/drawing/2010/main">
-                <a:solidFill>
-                  <a:srgbClr val="FFFFFF"/>
-                </a:solidFill>
-              </a14:hiddenFill>
-            </a:ext>
-          </a:extLst>
-        </p:spPr>
-      </p:pic>
-      <p:pic>
-        <p:nvPicPr>
-          <p:cNvPr id="30" name="Picture 22" descr="Image result for blue icon marker">
-            <a:extLst>
-              <a:ext uri="{FF2B5EF4-FFF2-40B4-BE49-F238E27FC236}">
-                <a16:creationId xmlns:a16="http://schemas.microsoft.com/office/drawing/2014/main" id="{26B75F31-F8B5-4781-80E6-E964E00ED149}"/>
-              </a:ext>
-            </a:extLst>
-          </p:cNvPr>
-          <p:cNvPicPr>
-            <a:picLocks noChangeAspect="1" noChangeArrowheads="1"/>
-          </p:cNvPicPr>
-          <p:nvPr/>
-        </p:nvPicPr>
-        <p:blipFill>
-          <a:blip r:embed="rId5">
-            <a:extLst>
-              <a:ext uri="{28A0092B-C50C-407E-A947-70E740481C1C}">
-                <a14:useLocalDpi xmlns:a14="http://schemas.microsoft.com/office/drawing/2010/main" val="0"/>
-              </a:ext>
-            </a:extLst>
-          </a:blip>
-          <a:srcRect/>
-          <a:stretch>
-            <a:fillRect/>
-          </a:stretch>
-        </p:blipFill>
-        <p:spPr bwMode="auto">
-          <a:xfrm>
-            <a:off x="7982504" y="3010270"/>
-            <a:ext cx="506027" cy="506027"/>
-          </a:xfrm>
-          <a:prstGeom prst="rect">
-            <a:avLst/>
-          </a:prstGeom>
-          <a:noFill/>
-          <a:extLst>
-            <a:ext uri="{909E8E84-426E-40DD-AFC4-6F175D3DCCD1}">
-              <a14:hiddenFill xmlns:a14="http://schemas.microsoft.com/office/drawing/2010/main">
-                <a:solidFill>
-                  <a:srgbClr val="FFFFFF"/>
-                </a:solidFill>
-              </a14:hiddenFill>
-            </a:ext>
-          </a:extLst>
-        </p:spPr>
-      </p:pic>
-      <p:pic>
-        <p:nvPicPr>
-          <p:cNvPr id="31" name="Picture 22" descr="Image result for blue icon marker">
-            <a:extLst>
-              <a:ext uri="{FF2B5EF4-FFF2-40B4-BE49-F238E27FC236}">
-                <a16:creationId xmlns:a16="http://schemas.microsoft.com/office/drawing/2014/main" id="{9B49F5C2-A179-4FDA-9835-D8D074FED960}"/>
-              </a:ext>
-            </a:extLst>
-          </p:cNvPr>
-          <p:cNvPicPr>
-            <a:picLocks noChangeAspect="1" noChangeArrowheads="1"/>
-          </p:cNvPicPr>
-          <p:nvPr/>
-        </p:nvPicPr>
-        <p:blipFill>
-          <a:blip r:embed="rId5">
-            <a:extLst>
-              <a:ext uri="{28A0092B-C50C-407E-A947-70E740481C1C}">
-                <a14:useLocalDpi xmlns:a14="http://schemas.microsoft.com/office/drawing/2010/main" val="0"/>
-              </a:ext>
-            </a:extLst>
-          </a:blip>
-          <a:srcRect/>
-          <a:stretch>
-            <a:fillRect/>
-          </a:stretch>
-        </p:blipFill>
-        <p:spPr bwMode="auto">
-          <a:xfrm>
-            <a:off x="8381259" y="2574524"/>
-            <a:ext cx="506027" cy="506027"/>
-          </a:xfrm>
-          <a:prstGeom prst="rect">
-            <a:avLst/>
-          </a:prstGeom>
-          <a:noFill/>
-          <a:extLst>
-            <a:ext uri="{909E8E84-426E-40DD-AFC4-6F175D3DCCD1}">
-              <a14:hiddenFill xmlns:a14="http://schemas.microsoft.com/office/drawing/2010/main">
-                <a:solidFill>
-                  <a:srgbClr val="FFFFFF"/>
-                </a:solidFill>
-              </a14:hiddenFill>
-            </a:ext>
-          </a:extLst>
-        </p:spPr>
-      </p:pic>
-      <p:pic>
-        <p:nvPicPr>
-          <p:cNvPr id="32" name="Picture 22" descr="Image result for blue icon marker">
-            <a:extLst>
-              <a:ext uri="{FF2B5EF4-FFF2-40B4-BE49-F238E27FC236}">
-                <a16:creationId xmlns:a16="http://schemas.microsoft.com/office/drawing/2014/main" id="{69F5EB97-FDFB-4E95-9DE5-F61A94BAA3A8}"/>
-              </a:ext>
-            </a:extLst>
-          </p:cNvPr>
-          <p:cNvPicPr>
-            <a:picLocks noChangeAspect="1" noChangeArrowheads="1"/>
-          </p:cNvPicPr>
-          <p:nvPr/>
-        </p:nvPicPr>
-        <p:blipFill>
-          <a:blip r:embed="rId5">
-            <a:extLst>
-              <a:ext uri="{28A0092B-C50C-407E-A947-70E740481C1C}">
-                <a14:useLocalDpi xmlns:a14="http://schemas.microsoft.com/office/drawing/2010/main" val="0"/>
-              </a:ext>
-            </a:extLst>
-          </a:blip>
-          <a:srcRect/>
-          <a:stretch>
-            <a:fillRect/>
-          </a:stretch>
-        </p:blipFill>
-        <p:spPr bwMode="auto">
-          <a:xfrm>
-            <a:off x="9379256" y="2971904"/>
-            <a:ext cx="506027" cy="506027"/>
-          </a:xfrm>
-          <a:prstGeom prst="rect">
-            <a:avLst/>
-          </a:prstGeom>
-          <a:noFill/>
-          <a:extLst>
-            <a:ext uri="{909E8E84-426E-40DD-AFC4-6F175D3DCCD1}">
-              <a14:hiddenFill xmlns:a14="http://schemas.microsoft.com/office/drawing/2010/main">
-                <a:solidFill>
-                  <a:srgbClr val="FFFFFF"/>
-                </a:solidFill>
-              </a14:hiddenFill>
-            </a:ext>
-          </a:extLst>
-        </p:spPr>
-      </p:pic>
-      <p:pic>
-        <p:nvPicPr>
-          <p:cNvPr id="33" name="Picture 22" descr="Image result for blue icon marker">
-            <a:extLst>
-              <a:ext uri="{FF2B5EF4-FFF2-40B4-BE49-F238E27FC236}">
-                <a16:creationId xmlns:a16="http://schemas.microsoft.com/office/drawing/2014/main" id="{8B1ABD10-44CF-4A20-9030-3B9D4557D7F4}"/>
-              </a:ext>
-            </a:extLst>
-          </p:cNvPr>
-          <p:cNvPicPr>
-            <a:picLocks noChangeAspect="1" noChangeArrowheads="1"/>
-          </p:cNvPicPr>
-          <p:nvPr/>
-        </p:nvPicPr>
-        <p:blipFill>
-          <a:blip r:embed="rId5">
-            <a:extLst>
-              <a:ext uri="{28A0092B-C50C-407E-A947-70E740481C1C}">
-                <a14:useLocalDpi xmlns:a14="http://schemas.microsoft.com/office/drawing/2010/main" val="0"/>
-              </a:ext>
-            </a:extLst>
-          </a:blip>
-          <a:srcRect/>
-          <a:stretch>
-            <a:fillRect/>
-          </a:stretch>
-        </p:blipFill>
-        <p:spPr bwMode="auto">
-          <a:xfrm>
-            <a:off x="9663341" y="2885243"/>
-            <a:ext cx="506027" cy="506027"/>
-          </a:xfrm>
-          <a:prstGeom prst="rect">
-            <a:avLst/>
-          </a:prstGeom>
-          <a:noFill/>
-          <a:extLst>
-            <a:ext uri="{909E8E84-426E-40DD-AFC4-6F175D3DCCD1}">
-              <a14:hiddenFill xmlns:a14="http://schemas.microsoft.com/office/drawing/2010/main">
-                <a:solidFill>
-                  <a:srgbClr val="FFFFFF"/>
-                </a:solidFill>
-              </a14:hiddenFill>
-            </a:ext>
-          </a:extLst>
-        </p:spPr>
-      </p:pic>
-      <p:sp>
-        <p:nvSpPr>
-          <p:cNvPr id="8" name="Oval 7">
-            <a:extLst>
-              <a:ext uri="{FF2B5EF4-FFF2-40B4-BE49-F238E27FC236}">
-                <a16:creationId xmlns:a16="http://schemas.microsoft.com/office/drawing/2014/main" id="{479D7BCA-442F-44FD-9846-BEC90CAD9C5B}"/>
-              </a:ext>
-            </a:extLst>
-          </p:cNvPr>
-          <p:cNvSpPr/>
-          <p:nvPr/>
-        </p:nvSpPr>
-        <p:spPr>
-          <a:xfrm>
-            <a:off x="7154383" y="1720153"/>
-            <a:ext cx="3755254" cy="3515556"/>
-          </a:xfrm>
-          <a:prstGeom prst="ellipse">
-            <a:avLst/>
-          </a:prstGeom>
-          <a:solidFill>
-            <a:srgbClr val="F41414">
-              <a:alpha val="27843"/>
-            </a:srgbClr>
-          </a:solidFill>
-          <a:ln>
-            <a:noFill/>
-          </a:ln>
-        </p:spPr>
-        <p:style>
-          <a:lnRef idx="2">
-            <a:schemeClr val="accent1">
-              <a:shade val="50000"/>
-            </a:schemeClr>
-          </a:lnRef>
-          <a:fillRef idx="1">
-            <a:schemeClr val="accent1"/>
-          </a:fillRef>
-          <a:effectRef idx="0">
-            <a:schemeClr val="accent1"/>
-          </a:effectRef>
-          <a:fontRef idx="minor">
-            <a:schemeClr val="lt1"/>
-          </a:fontRef>
-        </p:style>
-        <p:txBody>
-          <a:bodyPr rtlCol="0" anchor="ctr"/>
-          <a:lstStyle/>
-          <a:p>
-            <a:pPr algn="ctr"/>
-            <a:endParaRPr lang="en-US" dirty="0"/>
-          </a:p>
-        </p:txBody>
-      </p:sp>
     </p:spTree>
     <p:extLst>
       <p:ext uri="{BB962C8B-B14F-4D97-AF65-F5344CB8AC3E}">
-        <p14:creationId xmlns:p14="http://schemas.microsoft.com/office/powerpoint/2010/main" val="3423634141"/>
+        <p14:creationId xmlns:p14="http://schemas.microsoft.com/office/powerpoint/2010/main" val="1599307210"/>
       </p:ext>
     </p:extLst>
   </p:cSld>
@@ -4898,10 +3976,10 @@
       </p:grpSpPr>
       <p:sp>
         <p:nvSpPr>
-          <p:cNvPr id="4" name="Rectangle 3">
-            <a:extLst>
-              <a:ext uri="{FF2B5EF4-FFF2-40B4-BE49-F238E27FC236}">
-                <a16:creationId xmlns:a16="http://schemas.microsoft.com/office/drawing/2014/main" id="{A9FDF07A-941E-493B-A87D-140590F6CEE9}"/>
+          <p:cNvPr id="5" name="Rectangle 4">
+            <a:extLst>
+              <a:ext uri="{FF2B5EF4-FFF2-40B4-BE49-F238E27FC236}">
+                <a16:creationId xmlns:a16="http://schemas.microsoft.com/office/drawing/2014/main" id="{7DE55365-B231-436C-B90D-2B732A332B3B}"/>
               </a:ext>
             </a:extLst>
           </p:cNvPr>
@@ -4911,14 +3989,11 @@
         <p:spPr>
           <a:xfrm>
             <a:off x="0" y="0"/>
-            <a:ext cx="12192002" cy="6858000"/>
+            <a:ext cx="6899706" cy="6858000"/>
           </a:xfrm>
           <a:prstGeom prst="rect">
             <a:avLst/>
           </a:prstGeom>
-          <a:solidFill>
-            <a:srgbClr val="FF0000"/>
-          </a:solidFill>
           <a:ln>
             <a:noFill/>
           </a:ln>
@@ -4948,12 +4023,167 @@
           </a:p>
         </p:txBody>
       </p:sp>
-      <p:sp>
-        <p:nvSpPr>
-          <p:cNvPr id="5" name="TextBox 4">
-            <a:extLst>
-              <a:ext uri="{FF2B5EF4-FFF2-40B4-BE49-F238E27FC236}">
-                <a16:creationId xmlns:a16="http://schemas.microsoft.com/office/drawing/2014/main" id="{BF221FEC-E642-45EF-AE68-A8CABBD39594}"/>
+      <p:pic>
+        <p:nvPicPr>
+          <p:cNvPr id="2052" name="Picture 4" descr="Image result for google maps">
+            <a:extLst>
+              <a:ext uri="{FF2B5EF4-FFF2-40B4-BE49-F238E27FC236}">
+                <a16:creationId xmlns:a16="http://schemas.microsoft.com/office/drawing/2014/main" id="{196729F6-9575-46E3-9A0E-436C990F7E2F}"/>
+              </a:ext>
+            </a:extLst>
+          </p:cNvPr>
+          <p:cNvPicPr>
+            <a:picLocks noChangeAspect="1" noChangeArrowheads="1"/>
+          </p:cNvPicPr>
+          <p:nvPr/>
+        </p:nvPicPr>
+        <p:blipFill>
+          <a:blip r:embed="rId2">
+            <a:extLst>
+              <a:ext uri="{28A0092B-C50C-407E-A947-70E740481C1C}">
+                <a14:useLocalDpi xmlns:a14="http://schemas.microsoft.com/office/drawing/2010/main" val="0"/>
+              </a:ext>
+            </a:extLst>
+          </a:blip>
+          <a:srcRect/>
+          <a:stretch>
+            <a:fillRect/>
+          </a:stretch>
+        </p:blipFill>
+        <p:spPr bwMode="auto">
+          <a:xfrm>
+            <a:off x="5770484" y="0"/>
+            <a:ext cx="6421515" cy="6858000"/>
+          </a:xfrm>
+          <a:prstGeom prst="rect">
+            <a:avLst/>
+          </a:prstGeom>
+          <a:noFill/>
+          <a:extLst>
+            <a:ext uri="{909E8E84-426E-40DD-AFC4-6F175D3DCCD1}">
+              <a14:hiddenFill xmlns:a14="http://schemas.microsoft.com/office/drawing/2010/main">
+                <a:solidFill>
+                  <a:srgbClr val="FFFFFF"/>
+                </a:solidFill>
+              </a14:hiddenFill>
+            </a:ext>
+          </a:extLst>
+        </p:spPr>
+      </p:pic>
+      <p:pic>
+        <p:nvPicPr>
+          <p:cNvPr id="2064" name="Picture 16" descr="Image result for google maps icon png">
+            <a:extLst>
+              <a:ext uri="{FF2B5EF4-FFF2-40B4-BE49-F238E27FC236}">
+                <a16:creationId xmlns:a16="http://schemas.microsoft.com/office/drawing/2014/main" id="{B67F98C2-9730-4587-B968-9A992B013E91}"/>
+              </a:ext>
+            </a:extLst>
+          </p:cNvPr>
+          <p:cNvPicPr>
+            <a:picLocks noChangeAspect="1" noChangeArrowheads="1"/>
+          </p:cNvPicPr>
+          <p:nvPr/>
+        </p:nvPicPr>
+        <p:blipFill>
+          <a:blip r:embed="rId3">
+            <a:extLst>
+              <a:ext uri="{28A0092B-C50C-407E-A947-70E740481C1C}">
+                <a14:useLocalDpi xmlns:a14="http://schemas.microsoft.com/office/drawing/2010/main" val="0"/>
+              </a:ext>
+            </a:extLst>
+          </a:blip>
+          <a:srcRect/>
+          <a:stretch>
+            <a:fillRect/>
+          </a:stretch>
+        </p:blipFill>
+        <p:spPr bwMode="auto">
+          <a:xfrm>
+            <a:off x="368423" y="5486400"/>
+            <a:ext cx="1282824" cy="1282824"/>
+          </a:xfrm>
+          <a:prstGeom prst="rect">
+            <a:avLst/>
+          </a:prstGeom>
+          <a:noFill/>
+          <a:effectLst>
+            <a:outerShdw blurRad="50800" dist="38100" dir="2700000" algn="tl" rotWithShape="0">
+              <a:prstClr val="black">
+                <a:alpha val="40000"/>
+              </a:prstClr>
+            </a:outerShdw>
+          </a:effectLst>
+          <a:extLst>
+            <a:ext uri="{909E8E84-426E-40DD-AFC4-6F175D3DCCD1}">
+              <a14:hiddenFill xmlns:a14="http://schemas.microsoft.com/office/drawing/2010/main">
+                <a:solidFill>
+                  <a:srgbClr val="FFFFFF"/>
+                </a:solidFill>
+              </a14:hiddenFill>
+            </a:ext>
+          </a:extLst>
+        </p:spPr>
+      </p:pic>
+      <p:pic>
+        <p:nvPicPr>
+          <p:cNvPr id="2068" name="Picture 20" descr="Image result for bluetooth icon png">
+            <a:extLst>
+              <a:ext uri="{FF2B5EF4-FFF2-40B4-BE49-F238E27FC236}">
+                <a16:creationId xmlns:a16="http://schemas.microsoft.com/office/drawing/2014/main" id="{5DD28775-4B8D-4050-9E46-046226047263}"/>
+              </a:ext>
+            </a:extLst>
+          </p:cNvPr>
+          <p:cNvPicPr>
+            <a:picLocks noChangeAspect="1" noChangeArrowheads="1"/>
+          </p:cNvPicPr>
+          <p:nvPr/>
+        </p:nvPicPr>
+        <p:blipFill>
+          <a:blip r:embed="rId4">
+            <a:extLst>
+              <a:ext uri="{28A0092B-C50C-407E-A947-70E740481C1C}">
+                <a14:useLocalDpi xmlns:a14="http://schemas.microsoft.com/office/drawing/2010/main" val="0"/>
+              </a:ext>
+            </a:extLst>
+          </a:blip>
+          <a:srcRect/>
+          <a:stretch>
+            <a:fillRect/>
+          </a:stretch>
+        </p:blipFill>
+        <p:spPr bwMode="auto">
+          <a:xfrm>
+            <a:off x="1843596" y="5486399"/>
+            <a:ext cx="1191829" cy="1191829"/>
+          </a:xfrm>
+          <a:prstGeom prst="rect">
+            <a:avLst/>
+          </a:prstGeom>
+          <a:noFill/>
+          <a:effectLst>
+            <a:outerShdw blurRad="50800" dist="38100" dir="2700000" algn="tl" rotWithShape="0">
+              <a:prstClr val="black">
+                <a:alpha val="40000"/>
+              </a:prstClr>
+            </a:outerShdw>
+          </a:effectLst>
+          <a:extLst>
+            <a:ext uri="{909E8E84-426E-40DD-AFC4-6F175D3DCCD1}">
+              <a14:hiddenFill xmlns:a14="http://schemas.microsoft.com/office/drawing/2010/main">
+                <a:solidFill>
+                  <a:srgbClr val="FFFFFF"/>
+                </a:solidFill>
+              </a14:hiddenFill>
+            </a:ext>
+          </a:extLst>
+        </p:spPr>
+      </p:pic>
+      <p:sp>
+        <p:nvSpPr>
+          <p:cNvPr id="4" name="TextBox 3">
+            <a:extLst>
+              <a:ext uri="{FF2B5EF4-FFF2-40B4-BE49-F238E27FC236}">
+                <a16:creationId xmlns:a16="http://schemas.microsoft.com/office/drawing/2014/main" id="{D915522F-9914-4739-9902-75CBFFE6C6E3}"/>
               </a:ext>
             </a:extLst>
           </p:cNvPr>
@@ -4962,8 +4192,8 @@
         </p:nvSpPr>
         <p:spPr>
           <a:xfrm>
-            <a:off x="5983550" y="382012"/>
-            <a:ext cx="5513034" cy="6093976"/>
+            <a:off x="271878" y="542597"/>
+            <a:ext cx="6072327" cy="4401205"/>
           </a:xfrm>
           <a:prstGeom prst="rect">
             <a:avLst/>
@@ -4983,73 +4213,8 @@
           </a:bodyPr>
           <a:lstStyle/>
           <a:p>
-            <a:pPr algn="ctr"/>
-            <a:r>
-              <a:rPr lang="en-US" sz="13000" dirty="0">
-                <a:solidFill>
-                  <a:schemeClr val="bg1"/>
-                </a:solidFill>
-                <a:latin typeface="Harlow Solid Italic" panose="04030604020F02020D02" pitchFamily="82" charset="0"/>
-              </a:rPr>
-              <a:t>What</a:t>
-            </a:r>
-          </a:p>
-          <a:p>
-            <a:pPr algn="ctr"/>
-            <a:r>
-              <a:rPr lang="en-US" sz="13000" dirty="0">
-                <a:solidFill>
-                  <a:schemeClr val="bg1"/>
-                </a:solidFill>
-                <a:latin typeface="Harlow Solid Italic" panose="04030604020F02020D02" pitchFamily="82" charset="0"/>
-              </a:rPr>
-              <a:t>We</a:t>
-            </a:r>
-          </a:p>
-          <a:p>
-            <a:pPr algn="ctr"/>
-            <a:r>
-              <a:rPr lang="en-US" sz="13000" dirty="0">
-                <a:solidFill>
-                  <a:schemeClr val="bg1"/>
-                </a:solidFill>
-                <a:latin typeface="Harlow Solid Italic" panose="04030604020F02020D02" pitchFamily="82" charset="0"/>
-              </a:rPr>
-              <a:t>Did</a:t>
-            </a:r>
-          </a:p>
-        </p:txBody>
-      </p:sp>
-      <p:sp>
-        <p:nvSpPr>
-          <p:cNvPr id="7" name="TextBox 6">
-            <a:extLst>
-              <a:ext uri="{FF2B5EF4-FFF2-40B4-BE49-F238E27FC236}">
-                <a16:creationId xmlns:a16="http://schemas.microsoft.com/office/drawing/2014/main" id="{2BD9E92B-D111-4D2C-9D00-FBCE2AE36605}"/>
-              </a:ext>
-            </a:extLst>
-          </p:cNvPr>
-          <p:cNvSpPr txBox="1"/>
-          <p:nvPr/>
-        </p:nvSpPr>
-        <p:spPr>
-          <a:xfrm>
-            <a:off x="503230" y="1166842"/>
-            <a:ext cx="5160723" cy="4524315"/>
-          </a:xfrm>
-          <a:prstGeom prst="rect">
-            <a:avLst/>
-          </a:prstGeom>
-          <a:noFill/>
-        </p:spPr>
-        <p:txBody>
-          <a:bodyPr wrap="square" rtlCol="0">
-            <a:spAutoFit/>
-          </a:bodyPr>
-          <a:lstStyle/>
-          <a:p>
-            <a:r>
-              <a:rPr lang="en-US" sz="3200" dirty="0">
+            <a:r>
+              <a:rPr lang="en-US" sz="2800" dirty="0">
                 <a:solidFill>
                   <a:schemeClr val="bg1"/>
                 </a:solidFill>
@@ -5059,7 +4224,7 @@
               <a:t>Created detection of a customer within a store</a:t>
             </a:r>
             <a:br>
-              <a:rPr lang="en-US" sz="3200" dirty="0">
+              <a:rPr lang="en-US" sz="2800" dirty="0">
                 <a:solidFill>
                   <a:schemeClr val="bg1"/>
                 </a:solidFill>
@@ -5068,7 +4233,7 @@
               </a:rPr>
             </a:br>
             <a:br>
-              <a:rPr lang="en-US" sz="3200" dirty="0">
+              <a:rPr lang="en-US" sz="2800" dirty="0">
                 <a:solidFill>
                   <a:schemeClr val="bg1"/>
                 </a:solidFill>
@@ -5077,18 +4242,18 @@
               </a:rPr>
             </a:br>
             <a:r>
-              <a:rPr lang="en-US" sz="3200" dirty="0">
+              <a:rPr lang="en-US" sz="2800" dirty="0">
                 <a:solidFill>
                   <a:schemeClr val="bg1"/>
                 </a:solidFill>
                 <a:latin typeface="Microsoft JhengHei Light" panose="020B0304030504040204" pitchFamily="34" charset="-120"/>
                 <a:ea typeface="Microsoft JhengHei Light" panose="020B0304030504040204" pitchFamily="34" charset="-120"/>
               </a:rPr>
-              <a:t>Created detection of a businesses within a consumers area</a:t>
-            </a:r>
-          </a:p>
-          <a:p>
-            <a:endParaRPr lang="en-US" sz="3200" dirty="0">
+              <a:t>Created detection of businesses within a consumers area</a:t>
+            </a:r>
+          </a:p>
+          <a:p>
+            <a:endParaRPr lang="en-US" sz="2800" dirty="0">
               <a:solidFill>
                 <a:schemeClr val="bg1"/>
               </a:solidFill>
@@ -5098,7 +4263,7 @@
           </a:p>
           <a:p>
             <a:r>
-              <a:rPr lang="en-US" sz="3200" dirty="0">
+              <a:rPr lang="en-US" sz="2800" dirty="0">
                 <a:solidFill>
                   <a:schemeClr val="bg1"/>
                 </a:solidFill>
@@ -5108,12 +4273,839 @@
               <a:t>Awarded points to be used for promotions </a:t>
             </a:r>
           </a:p>
+          <a:p>
+            <a:endParaRPr lang="en-US" sz="2800" dirty="0">
+              <a:solidFill>
+                <a:schemeClr val="bg1"/>
+              </a:solidFill>
+              <a:latin typeface="Microsoft JhengHei Light" panose="020B0304030504040204" pitchFamily="34" charset="-120"/>
+              <a:ea typeface="Microsoft JhengHei Light" panose="020B0304030504040204" pitchFamily="34" charset="-120"/>
+            </a:endParaRPr>
+          </a:p>
+          <a:p>
+            <a:r>
+              <a:rPr lang="en-US" sz="2800" dirty="0">
+                <a:solidFill>
+                  <a:schemeClr val="bg1"/>
+                </a:solidFill>
+                <a:latin typeface="Microsoft JhengHei Light" panose="020B0304030504040204" pitchFamily="34" charset="-120"/>
+                <a:ea typeface="Microsoft JhengHei Light" panose="020B0304030504040204" pitchFamily="34" charset="-120"/>
+              </a:rPr>
+              <a:t>Created backend database</a:t>
+            </a:r>
+          </a:p>
+        </p:txBody>
+      </p:sp>
+      <p:pic>
+        <p:nvPicPr>
+          <p:cNvPr id="2070" name="Picture 22" descr="Image result for blue icon marker">
+            <a:extLst>
+              <a:ext uri="{FF2B5EF4-FFF2-40B4-BE49-F238E27FC236}">
+                <a16:creationId xmlns:a16="http://schemas.microsoft.com/office/drawing/2014/main" id="{5862471D-DB42-494F-8500-3B892DA20C93}"/>
+              </a:ext>
+            </a:extLst>
+          </p:cNvPr>
+          <p:cNvPicPr>
+            <a:picLocks noChangeAspect="1" noChangeArrowheads="1"/>
+          </p:cNvPicPr>
+          <p:nvPr/>
+        </p:nvPicPr>
+        <p:blipFill>
+          <a:blip r:embed="rId5">
+            <a:extLst>
+              <a:ext uri="{28A0092B-C50C-407E-A947-70E740481C1C}">
+                <a14:useLocalDpi xmlns:a14="http://schemas.microsoft.com/office/drawing/2010/main" val="0"/>
+              </a:ext>
+            </a:extLst>
+          </a:blip>
+          <a:srcRect/>
+          <a:stretch>
+            <a:fillRect/>
+          </a:stretch>
+        </p:blipFill>
+        <p:spPr bwMode="auto">
+          <a:xfrm>
+            <a:off x="8728229" y="3263284"/>
+            <a:ext cx="506027" cy="506027"/>
+          </a:xfrm>
+          <a:prstGeom prst="rect">
+            <a:avLst/>
+          </a:prstGeom>
+          <a:noFill/>
+          <a:extLst>
+            <a:ext uri="{909E8E84-426E-40DD-AFC4-6F175D3DCCD1}">
+              <a14:hiddenFill xmlns:a14="http://schemas.microsoft.com/office/drawing/2010/main">
+                <a:solidFill>
+                  <a:srgbClr val="FFFFFF"/>
+                </a:solidFill>
+              </a14:hiddenFill>
+            </a:ext>
+          </a:extLst>
+        </p:spPr>
+      </p:pic>
+      <p:pic>
+        <p:nvPicPr>
+          <p:cNvPr id="19" name="Picture 22" descr="Image result for blue icon marker">
+            <a:extLst>
+              <a:ext uri="{FF2B5EF4-FFF2-40B4-BE49-F238E27FC236}">
+                <a16:creationId xmlns:a16="http://schemas.microsoft.com/office/drawing/2014/main" id="{1BBED105-645E-4C8D-A973-9C8AE9557745}"/>
+              </a:ext>
+            </a:extLst>
+          </p:cNvPr>
+          <p:cNvPicPr>
+            <a:picLocks noChangeAspect="1" noChangeArrowheads="1"/>
+          </p:cNvPicPr>
+          <p:nvPr/>
+        </p:nvPicPr>
+        <p:blipFill>
+          <a:blip r:embed="rId5">
+            <a:extLst>
+              <a:ext uri="{28A0092B-C50C-407E-A947-70E740481C1C}">
+                <a14:useLocalDpi xmlns:a14="http://schemas.microsoft.com/office/drawing/2010/main" val="0"/>
+              </a:ext>
+            </a:extLst>
+          </a:blip>
+          <a:srcRect/>
+          <a:stretch>
+            <a:fillRect/>
+          </a:stretch>
+        </p:blipFill>
+        <p:spPr bwMode="auto">
+          <a:xfrm>
+            <a:off x="8922057" y="2556030"/>
+            <a:ext cx="506027" cy="506027"/>
+          </a:xfrm>
+          <a:prstGeom prst="rect">
+            <a:avLst/>
+          </a:prstGeom>
+          <a:noFill/>
+          <a:extLst>
+            <a:ext uri="{909E8E84-426E-40DD-AFC4-6F175D3DCCD1}">
+              <a14:hiddenFill xmlns:a14="http://schemas.microsoft.com/office/drawing/2010/main">
+                <a:solidFill>
+                  <a:srgbClr val="FFFFFF"/>
+                </a:solidFill>
+              </a14:hiddenFill>
+            </a:ext>
+          </a:extLst>
+        </p:spPr>
+      </p:pic>
+      <p:pic>
+        <p:nvPicPr>
+          <p:cNvPr id="20" name="Picture 22" descr="Image result for blue icon marker">
+            <a:extLst>
+              <a:ext uri="{FF2B5EF4-FFF2-40B4-BE49-F238E27FC236}">
+                <a16:creationId xmlns:a16="http://schemas.microsoft.com/office/drawing/2014/main" id="{534E46E2-56AF-4A63-A832-4F854DCDBA0E}"/>
+              </a:ext>
+            </a:extLst>
+          </p:cNvPr>
+          <p:cNvPicPr>
+            <a:picLocks noChangeAspect="1" noChangeArrowheads="1"/>
+          </p:cNvPicPr>
+          <p:nvPr/>
+        </p:nvPicPr>
+        <p:blipFill>
+          <a:blip r:embed="rId5">
+            <a:extLst>
+              <a:ext uri="{28A0092B-C50C-407E-A947-70E740481C1C}">
+                <a14:useLocalDpi xmlns:a14="http://schemas.microsoft.com/office/drawing/2010/main" val="0"/>
+              </a:ext>
+            </a:extLst>
+          </a:blip>
+          <a:srcRect/>
+          <a:stretch>
+            <a:fillRect/>
+          </a:stretch>
+        </p:blipFill>
+        <p:spPr bwMode="auto">
+          <a:xfrm>
+            <a:off x="7834543" y="2556030"/>
+            <a:ext cx="506027" cy="506027"/>
+          </a:xfrm>
+          <a:prstGeom prst="rect">
+            <a:avLst/>
+          </a:prstGeom>
+          <a:noFill/>
+          <a:extLst>
+            <a:ext uri="{909E8E84-426E-40DD-AFC4-6F175D3DCCD1}">
+              <a14:hiddenFill xmlns:a14="http://schemas.microsoft.com/office/drawing/2010/main">
+                <a:solidFill>
+                  <a:srgbClr val="FFFFFF"/>
+                </a:solidFill>
+              </a14:hiddenFill>
+            </a:ext>
+          </a:extLst>
+        </p:spPr>
+      </p:pic>
+      <p:pic>
+        <p:nvPicPr>
+          <p:cNvPr id="21" name="Picture 22" descr="Image result for blue icon marker">
+            <a:extLst>
+              <a:ext uri="{FF2B5EF4-FFF2-40B4-BE49-F238E27FC236}">
+                <a16:creationId xmlns:a16="http://schemas.microsoft.com/office/drawing/2014/main" id="{807D2D8C-9428-4212-AE13-225914334EF7}"/>
+              </a:ext>
+            </a:extLst>
+          </p:cNvPr>
+          <p:cNvPicPr>
+            <a:picLocks noChangeAspect="1" noChangeArrowheads="1"/>
+          </p:cNvPicPr>
+          <p:nvPr/>
+        </p:nvPicPr>
+        <p:blipFill>
+          <a:blip r:embed="rId5">
+            <a:extLst>
+              <a:ext uri="{28A0092B-C50C-407E-A947-70E740481C1C}">
+                <a14:useLocalDpi xmlns:a14="http://schemas.microsoft.com/office/drawing/2010/main" val="0"/>
+              </a:ext>
+            </a:extLst>
+          </a:blip>
+          <a:srcRect/>
+          <a:stretch>
+            <a:fillRect/>
+          </a:stretch>
+        </p:blipFill>
+        <p:spPr bwMode="auto">
+          <a:xfrm>
+            <a:off x="9231298" y="3519257"/>
+            <a:ext cx="506027" cy="506027"/>
+          </a:xfrm>
+          <a:prstGeom prst="rect">
+            <a:avLst/>
+          </a:prstGeom>
+          <a:noFill/>
+          <a:extLst>
+            <a:ext uri="{909E8E84-426E-40DD-AFC4-6F175D3DCCD1}">
+              <a14:hiddenFill xmlns:a14="http://schemas.microsoft.com/office/drawing/2010/main">
+                <a:solidFill>
+                  <a:srgbClr val="FFFFFF"/>
+                </a:solidFill>
+              </a14:hiddenFill>
+            </a:ext>
+          </a:extLst>
+        </p:spPr>
+      </p:pic>
+      <p:pic>
+        <p:nvPicPr>
+          <p:cNvPr id="22" name="Picture 22" descr="Image result for blue icon marker">
+            <a:extLst>
+              <a:ext uri="{FF2B5EF4-FFF2-40B4-BE49-F238E27FC236}">
+                <a16:creationId xmlns:a16="http://schemas.microsoft.com/office/drawing/2014/main" id="{48237895-66BE-4974-9AD9-0B8FC5626388}"/>
+              </a:ext>
+            </a:extLst>
+          </p:cNvPr>
+          <p:cNvPicPr>
+            <a:picLocks noChangeAspect="1" noChangeArrowheads="1"/>
+          </p:cNvPicPr>
+          <p:nvPr/>
+        </p:nvPicPr>
+        <p:blipFill>
+          <a:blip r:embed="rId5">
+            <a:extLst>
+              <a:ext uri="{28A0092B-C50C-407E-A947-70E740481C1C}">
+                <a14:useLocalDpi xmlns:a14="http://schemas.microsoft.com/office/drawing/2010/main" val="0"/>
+              </a:ext>
+            </a:extLst>
+          </a:blip>
+          <a:srcRect/>
+          <a:stretch>
+            <a:fillRect/>
+          </a:stretch>
+        </p:blipFill>
+        <p:spPr bwMode="auto">
+          <a:xfrm>
+            <a:off x="7972146" y="3693112"/>
+            <a:ext cx="506027" cy="506027"/>
+          </a:xfrm>
+          <a:prstGeom prst="rect">
+            <a:avLst/>
+          </a:prstGeom>
+          <a:noFill/>
+          <a:extLst>
+            <a:ext uri="{909E8E84-426E-40DD-AFC4-6F175D3DCCD1}">
+              <a14:hiddenFill xmlns:a14="http://schemas.microsoft.com/office/drawing/2010/main">
+                <a:solidFill>
+                  <a:srgbClr val="FFFFFF"/>
+                </a:solidFill>
+              </a14:hiddenFill>
+            </a:ext>
+          </a:extLst>
+        </p:spPr>
+      </p:pic>
+      <p:pic>
+        <p:nvPicPr>
+          <p:cNvPr id="23" name="Picture 22" descr="Image result for blue icon marker">
+            <a:extLst>
+              <a:ext uri="{FF2B5EF4-FFF2-40B4-BE49-F238E27FC236}">
+                <a16:creationId xmlns:a16="http://schemas.microsoft.com/office/drawing/2014/main" id="{EDD9A881-6B0B-404F-8941-4FCD93604F92}"/>
+              </a:ext>
+            </a:extLst>
+          </p:cNvPr>
+          <p:cNvPicPr>
+            <a:picLocks noChangeAspect="1" noChangeArrowheads="1"/>
+          </p:cNvPicPr>
+          <p:nvPr/>
+        </p:nvPicPr>
+        <p:blipFill>
+          <a:blip r:embed="rId5">
+            <a:extLst>
+              <a:ext uri="{28A0092B-C50C-407E-A947-70E740481C1C}">
+                <a14:useLocalDpi xmlns:a14="http://schemas.microsoft.com/office/drawing/2010/main" val="0"/>
+              </a:ext>
+            </a:extLst>
+          </a:blip>
+          <a:srcRect/>
+          <a:stretch>
+            <a:fillRect/>
+          </a:stretch>
+        </p:blipFill>
+        <p:spPr bwMode="auto">
+          <a:xfrm>
+            <a:off x="9490229" y="4025284"/>
+            <a:ext cx="506027" cy="506027"/>
+          </a:xfrm>
+          <a:prstGeom prst="rect">
+            <a:avLst/>
+          </a:prstGeom>
+          <a:noFill/>
+          <a:extLst>
+            <a:ext uri="{909E8E84-426E-40DD-AFC4-6F175D3DCCD1}">
+              <a14:hiddenFill xmlns:a14="http://schemas.microsoft.com/office/drawing/2010/main">
+                <a:solidFill>
+                  <a:srgbClr val="FFFFFF"/>
+                </a:solidFill>
+              </a14:hiddenFill>
+            </a:ext>
+          </a:extLst>
+        </p:spPr>
+      </p:pic>
+      <p:pic>
+        <p:nvPicPr>
+          <p:cNvPr id="24" name="Picture 22" descr="Image result for blue icon marker">
+            <a:extLst>
+              <a:ext uri="{FF2B5EF4-FFF2-40B4-BE49-F238E27FC236}">
+                <a16:creationId xmlns:a16="http://schemas.microsoft.com/office/drawing/2014/main" id="{E909DBFD-7A62-4A0D-A47B-4220E2D20670}"/>
+              </a:ext>
+            </a:extLst>
+          </p:cNvPr>
+          <p:cNvPicPr>
+            <a:picLocks noChangeAspect="1" noChangeArrowheads="1"/>
+          </p:cNvPicPr>
+          <p:nvPr/>
+        </p:nvPicPr>
+        <p:blipFill>
+          <a:blip r:embed="rId5">
+            <a:extLst>
+              <a:ext uri="{28A0092B-C50C-407E-A947-70E740481C1C}">
+                <a14:useLocalDpi xmlns:a14="http://schemas.microsoft.com/office/drawing/2010/main" val="0"/>
+              </a:ext>
+            </a:extLst>
+          </a:blip>
+          <a:srcRect/>
+          <a:stretch>
+            <a:fillRect/>
+          </a:stretch>
+        </p:blipFill>
+        <p:spPr bwMode="auto">
+          <a:xfrm>
+            <a:off x="8654989" y="4188042"/>
+            <a:ext cx="506027" cy="506027"/>
+          </a:xfrm>
+          <a:prstGeom prst="rect">
+            <a:avLst/>
+          </a:prstGeom>
+          <a:noFill/>
+          <a:extLst>
+            <a:ext uri="{909E8E84-426E-40DD-AFC4-6F175D3DCCD1}">
+              <a14:hiddenFill xmlns:a14="http://schemas.microsoft.com/office/drawing/2010/main">
+                <a:solidFill>
+                  <a:srgbClr val="FFFFFF"/>
+                </a:solidFill>
+              </a14:hiddenFill>
+            </a:ext>
+          </a:extLst>
+        </p:spPr>
+      </p:pic>
+      <p:pic>
+        <p:nvPicPr>
+          <p:cNvPr id="25" name="Picture 22" descr="Image result for blue icon marker">
+            <a:extLst>
+              <a:ext uri="{FF2B5EF4-FFF2-40B4-BE49-F238E27FC236}">
+                <a16:creationId xmlns:a16="http://schemas.microsoft.com/office/drawing/2014/main" id="{A37F72A3-F945-45F1-BD6D-72839D313A20}"/>
+              </a:ext>
+            </a:extLst>
+          </p:cNvPr>
+          <p:cNvPicPr>
+            <a:picLocks noChangeAspect="1" noChangeArrowheads="1"/>
+          </p:cNvPicPr>
+          <p:nvPr/>
+        </p:nvPicPr>
+        <p:blipFill>
+          <a:blip r:embed="rId5">
+            <a:extLst>
+              <a:ext uri="{28A0092B-C50C-407E-A947-70E740481C1C}">
+                <a14:useLocalDpi xmlns:a14="http://schemas.microsoft.com/office/drawing/2010/main" val="0"/>
+              </a:ext>
+            </a:extLst>
+          </a:blip>
+          <a:srcRect/>
+          <a:stretch>
+            <a:fillRect/>
+          </a:stretch>
+        </p:blipFill>
+        <p:spPr bwMode="auto">
+          <a:xfrm>
+            <a:off x="8654988" y="3173029"/>
+            <a:ext cx="506027" cy="506027"/>
+          </a:xfrm>
+          <a:prstGeom prst="rect">
+            <a:avLst/>
+          </a:prstGeom>
+          <a:noFill/>
+          <a:extLst>
+            <a:ext uri="{909E8E84-426E-40DD-AFC4-6F175D3DCCD1}">
+              <a14:hiddenFill xmlns:a14="http://schemas.microsoft.com/office/drawing/2010/main">
+                <a:solidFill>
+                  <a:srgbClr val="FFFFFF"/>
+                </a:solidFill>
+              </a14:hiddenFill>
+            </a:ext>
+          </a:extLst>
+        </p:spPr>
+      </p:pic>
+      <p:pic>
+        <p:nvPicPr>
+          <p:cNvPr id="26" name="Picture 22" descr="Image result for blue icon marker">
+            <a:extLst>
+              <a:ext uri="{FF2B5EF4-FFF2-40B4-BE49-F238E27FC236}">
+                <a16:creationId xmlns:a16="http://schemas.microsoft.com/office/drawing/2014/main" id="{DB0F04C5-1F67-4356-B112-96B52A505CC1}"/>
+              </a:ext>
+            </a:extLst>
+          </p:cNvPr>
+          <p:cNvPicPr>
+            <a:picLocks noChangeAspect="1" noChangeArrowheads="1"/>
+          </p:cNvPicPr>
+          <p:nvPr/>
+        </p:nvPicPr>
+        <p:blipFill>
+          <a:blip r:embed="rId5">
+            <a:extLst>
+              <a:ext uri="{28A0092B-C50C-407E-A947-70E740481C1C}">
+                <a14:useLocalDpi xmlns:a14="http://schemas.microsoft.com/office/drawing/2010/main" val="0"/>
+              </a:ext>
+            </a:extLst>
+          </a:blip>
+          <a:srcRect/>
+          <a:stretch>
+            <a:fillRect/>
+          </a:stretch>
+        </p:blipFill>
+        <p:spPr bwMode="auto">
+          <a:xfrm>
+            <a:off x="9955566" y="3374995"/>
+            <a:ext cx="506027" cy="506027"/>
+          </a:xfrm>
+          <a:prstGeom prst="rect">
+            <a:avLst/>
+          </a:prstGeom>
+          <a:noFill/>
+          <a:extLst>
+            <a:ext uri="{909E8E84-426E-40DD-AFC4-6F175D3DCCD1}">
+              <a14:hiddenFill xmlns:a14="http://schemas.microsoft.com/office/drawing/2010/main">
+                <a:solidFill>
+                  <a:srgbClr val="FFFFFF"/>
+                </a:solidFill>
+              </a14:hiddenFill>
+            </a:ext>
+          </a:extLst>
+        </p:spPr>
+      </p:pic>
+      <p:pic>
+        <p:nvPicPr>
+          <p:cNvPr id="27" name="Picture 22" descr="Image result for blue icon marker">
+            <a:extLst>
+              <a:ext uri="{FF2B5EF4-FFF2-40B4-BE49-F238E27FC236}">
+                <a16:creationId xmlns:a16="http://schemas.microsoft.com/office/drawing/2014/main" id="{6BB7FBC9-957C-4FC5-A137-31E150FD1174}"/>
+              </a:ext>
+            </a:extLst>
+          </p:cNvPr>
+          <p:cNvPicPr>
+            <a:picLocks noChangeAspect="1" noChangeArrowheads="1"/>
+          </p:cNvPicPr>
+          <p:nvPr/>
+        </p:nvPicPr>
+        <p:blipFill>
+          <a:blip r:embed="rId5">
+            <a:extLst>
+              <a:ext uri="{28A0092B-C50C-407E-A947-70E740481C1C}">
+                <a14:useLocalDpi xmlns:a14="http://schemas.microsoft.com/office/drawing/2010/main" val="0"/>
+              </a:ext>
+            </a:extLst>
+          </a:blip>
+          <a:srcRect/>
+          <a:stretch>
+            <a:fillRect/>
+          </a:stretch>
+        </p:blipFill>
+        <p:spPr bwMode="auto">
+          <a:xfrm>
+            <a:off x="9301581" y="3942631"/>
+            <a:ext cx="506027" cy="506027"/>
+          </a:xfrm>
+          <a:prstGeom prst="rect">
+            <a:avLst/>
+          </a:prstGeom>
+          <a:noFill/>
+          <a:extLst>
+            <a:ext uri="{909E8E84-426E-40DD-AFC4-6F175D3DCCD1}">
+              <a14:hiddenFill xmlns:a14="http://schemas.microsoft.com/office/drawing/2010/main">
+                <a:solidFill>
+                  <a:srgbClr val="FFFFFF"/>
+                </a:solidFill>
+              </a14:hiddenFill>
+            </a:ext>
+          </a:extLst>
+        </p:spPr>
+      </p:pic>
+      <p:pic>
+        <p:nvPicPr>
+          <p:cNvPr id="28" name="Picture 22" descr="Image result for blue icon marker">
+            <a:extLst>
+              <a:ext uri="{FF2B5EF4-FFF2-40B4-BE49-F238E27FC236}">
+                <a16:creationId xmlns:a16="http://schemas.microsoft.com/office/drawing/2014/main" id="{37731F62-430B-42AD-82EF-AE557B4F7087}"/>
+              </a:ext>
+            </a:extLst>
+          </p:cNvPr>
+          <p:cNvPicPr>
+            <a:picLocks noChangeAspect="1" noChangeArrowheads="1"/>
+          </p:cNvPicPr>
+          <p:nvPr/>
+        </p:nvPicPr>
+        <p:blipFill>
+          <a:blip r:embed="rId5">
+            <a:extLst>
+              <a:ext uri="{28A0092B-C50C-407E-A947-70E740481C1C}">
+                <a14:useLocalDpi xmlns:a14="http://schemas.microsoft.com/office/drawing/2010/main" val="0"/>
+              </a:ext>
+            </a:extLst>
+          </a:blip>
+          <a:srcRect/>
+          <a:stretch>
+            <a:fillRect/>
+          </a:stretch>
+        </p:blipFill>
+        <p:spPr bwMode="auto">
+          <a:xfrm>
+            <a:off x="9656317" y="3859978"/>
+            <a:ext cx="506027" cy="506027"/>
+          </a:xfrm>
+          <a:prstGeom prst="rect">
+            <a:avLst/>
+          </a:prstGeom>
+          <a:noFill/>
+          <a:extLst>
+            <a:ext uri="{909E8E84-426E-40DD-AFC4-6F175D3DCCD1}">
+              <a14:hiddenFill xmlns:a14="http://schemas.microsoft.com/office/drawing/2010/main">
+                <a:solidFill>
+                  <a:srgbClr val="FFFFFF"/>
+                </a:solidFill>
+              </a14:hiddenFill>
+            </a:ext>
+          </a:extLst>
+        </p:spPr>
+      </p:pic>
+      <p:pic>
+        <p:nvPicPr>
+          <p:cNvPr id="29" name="Picture 22" descr="Image result for blue icon marker">
+            <a:extLst>
+              <a:ext uri="{FF2B5EF4-FFF2-40B4-BE49-F238E27FC236}">
+                <a16:creationId xmlns:a16="http://schemas.microsoft.com/office/drawing/2014/main" id="{216E81EF-63DE-450A-8B41-D215CB8E123C}"/>
+              </a:ext>
+            </a:extLst>
+          </p:cNvPr>
+          <p:cNvPicPr>
+            <a:picLocks noChangeAspect="1" noChangeArrowheads="1"/>
+          </p:cNvPicPr>
+          <p:nvPr/>
+        </p:nvPicPr>
+        <p:blipFill>
+          <a:blip r:embed="rId5">
+            <a:extLst>
+              <a:ext uri="{28A0092B-C50C-407E-A947-70E740481C1C}">
+                <a14:useLocalDpi xmlns:a14="http://schemas.microsoft.com/office/drawing/2010/main" val="0"/>
+              </a:ext>
+            </a:extLst>
+          </a:blip>
+          <a:srcRect/>
+          <a:stretch>
+            <a:fillRect/>
+          </a:stretch>
+        </p:blipFill>
+        <p:spPr bwMode="auto">
+          <a:xfrm>
+            <a:off x="8113820" y="3777449"/>
+            <a:ext cx="506027" cy="506027"/>
+          </a:xfrm>
+          <a:prstGeom prst="rect">
+            <a:avLst/>
+          </a:prstGeom>
+          <a:noFill/>
+          <a:extLst>
+            <a:ext uri="{909E8E84-426E-40DD-AFC4-6F175D3DCCD1}">
+              <a14:hiddenFill xmlns:a14="http://schemas.microsoft.com/office/drawing/2010/main">
+                <a:solidFill>
+                  <a:srgbClr val="FFFFFF"/>
+                </a:solidFill>
+              </a14:hiddenFill>
+            </a:ext>
+          </a:extLst>
+        </p:spPr>
+      </p:pic>
+      <p:pic>
+        <p:nvPicPr>
+          <p:cNvPr id="30" name="Picture 22" descr="Image result for blue icon marker">
+            <a:extLst>
+              <a:ext uri="{FF2B5EF4-FFF2-40B4-BE49-F238E27FC236}">
+                <a16:creationId xmlns:a16="http://schemas.microsoft.com/office/drawing/2014/main" id="{26B75F31-F8B5-4781-80E6-E964E00ED149}"/>
+              </a:ext>
+            </a:extLst>
+          </p:cNvPr>
+          <p:cNvPicPr>
+            <a:picLocks noChangeAspect="1" noChangeArrowheads="1"/>
+          </p:cNvPicPr>
+          <p:nvPr/>
+        </p:nvPicPr>
+        <p:blipFill>
+          <a:blip r:embed="rId5">
+            <a:extLst>
+              <a:ext uri="{28A0092B-C50C-407E-A947-70E740481C1C}">
+                <a14:useLocalDpi xmlns:a14="http://schemas.microsoft.com/office/drawing/2010/main" val="0"/>
+              </a:ext>
+            </a:extLst>
+          </a:blip>
+          <a:srcRect/>
+          <a:stretch>
+            <a:fillRect/>
+          </a:stretch>
+        </p:blipFill>
+        <p:spPr bwMode="auto">
+          <a:xfrm>
+            <a:off x="7982504" y="3010270"/>
+            <a:ext cx="506027" cy="506027"/>
+          </a:xfrm>
+          <a:prstGeom prst="rect">
+            <a:avLst/>
+          </a:prstGeom>
+          <a:noFill/>
+          <a:extLst>
+            <a:ext uri="{909E8E84-426E-40DD-AFC4-6F175D3DCCD1}">
+              <a14:hiddenFill xmlns:a14="http://schemas.microsoft.com/office/drawing/2010/main">
+                <a:solidFill>
+                  <a:srgbClr val="FFFFFF"/>
+                </a:solidFill>
+              </a14:hiddenFill>
+            </a:ext>
+          </a:extLst>
+        </p:spPr>
+      </p:pic>
+      <p:pic>
+        <p:nvPicPr>
+          <p:cNvPr id="31" name="Picture 22" descr="Image result for blue icon marker">
+            <a:extLst>
+              <a:ext uri="{FF2B5EF4-FFF2-40B4-BE49-F238E27FC236}">
+                <a16:creationId xmlns:a16="http://schemas.microsoft.com/office/drawing/2014/main" id="{9B49F5C2-A179-4FDA-9835-D8D074FED960}"/>
+              </a:ext>
+            </a:extLst>
+          </p:cNvPr>
+          <p:cNvPicPr>
+            <a:picLocks noChangeAspect="1" noChangeArrowheads="1"/>
+          </p:cNvPicPr>
+          <p:nvPr/>
+        </p:nvPicPr>
+        <p:blipFill>
+          <a:blip r:embed="rId5">
+            <a:extLst>
+              <a:ext uri="{28A0092B-C50C-407E-A947-70E740481C1C}">
+                <a14:useLocalDpi xmlns:a14="http://schemas.microsoft.com/office/drawing/2010/main" val="0"/>
+              </a:ext>
+            </a:extLst>
+          </a:blip>
+          <a:srcRect/>
+          <a:stretch>
+            <a:fillRect/>
+          </a:stretch>
+        </p:blipFill>
+        <p:spPr bwMode="auto">
+          <a:xfrm>
+            <a:off x="8381259" y="2574524"/>
+            <a:ext cx="506027" cy="506027"/>
+          </a:xfrm>
+          <a:prstGeom prst="rect">
+            <a:avLst/>
+          </a:prstGeom>
+          <a:noFill/>
+          <a:extLst>
+            <a:ext uri="{909E8E84-426E-40DD-AFC4-6F175D3DCCD1}">
+              <a14:hiddenFill xmlns:a14="http://schemas.microsoft.com/office/drawing/2010/main">
+                <a:solidFill>
+                  <a:srgbClr val="FFFFFF"/>
+                </a:solidFill>
+              </a14:hiddenFill>
+            </a:ext>
+          </a:extLst>
+        </p:spPr>
+      </p:pic>
+      <p:pic>
+        <p:nvPicPr>
+          <p:cNvPr id="32" name="Picture 22" descr="Image result for blue icon marker">
+            <a:extLst>
+              <a:ext uri="{FF2B5EF4-FFF2-40B4-BE49-F238E27FC236}">
+                <a16:creationId xmlns:a16="http://schemas.microsoft.com/office/drawing/2014/main" id="{69F5EB97-FDFB-4E95-9DE5-F61A94BAA3A8}"/>
+              </a:ext>
+            </a:extLst>
+          </p:cNvPr>
+          <p:cNvPicPr>
+            <a:picLocks noChangeAspect="1" noChangeArrowheads="1"/>
+          </p:cNvPicPr>
+          <p:nvPr/>
+        </p:nvPicPr>
+        <p:blipFill>
+          <a:blip r:embed="rId5">
+            <a:extLst>
+              <a:ext uri="{28A0092B-C50C-407E-A947-70E740481C1C}">
+                <a14:useLocalDpi xmlns:a14="http://schemas.microsoft.com/office/drawing/2010/main" val="0"/>
+              </a:ext>
+            </a:extLst>
+          </a:blip>
+          <a:srcRect/>
+          <a:stretch>
+            <a:fillRect/>
+          </a:stretch>
+        </p:blipFill>
+        <p:spPr bwMode="auto">
+          <a:xfrm>
+            <a:off x="9379256" y="2971904"/>
+            <a:ext cx="506027" cy="506027"/>
+          </a:xfrm>
+          <a:prstGeom prst="rect">
+            <a:avLst/>
+          </a:prstGeom>
+          <a:noFill/>
+          <a:extLst>
+            <a:ext uri="{909E8E84-426E-40DD-AFC4-6F175D3DCCD1}">
+              <a14:hiddenFill xmlns:a14="http://schemas.microsoft.com/office/drawing/2010/main">
+                <a:solidFill>
+                  <a:srgbClr val="FFFFFF"/>
+                </a:solidFill>
+              </a14:hiddenFill>
+            </a:ext>
+          </a:extLst>
+        </p:spPr>
+      </p:pic>
+      <p:pic>
+        <p:nvPicPr>
+          <p:cNvPr id="33" name="Picture 22" descr="Image result for blue icon marker">
+            <a:extLst>
+              <a:ext uri="{FF2B5EF4-FFF2-40B4-BE49-F238E27FC236}">
+                <a16:creationId xmlns:a16="http://schemas.microsoft.com/office/drawing/2014/main" id="{8B1ABD10-44CF-4A20-9030-3B9D4557D7F4}"/>
+              </a:ext>
+            </a:extLst>
+          </p:cNvPr>
+          <p:cNvPicPr>
+            <a:picLocks noChangeAspect="1" noChangeArrowheads="1"/>
+          </p:cNvPicPr>
+          <p:nvPr/>
+        </p:nvPicPr>
+        <p:blipFill>
+          <a:blip r:embed="rId5">
+            <a:extLst>
+              <a:ext uri="{28A0092B-C50C-407E-A947-70E740481C1C}">
+                <a14:useLocalDpi xmlns:a14="http://schemas.microsoft.com/office/drawing/2010/main" val="0"/>
+              </a:ext>
+            </a:extLst>
+          </a:blip>
+          <a:srcRect/>
+          <a:stretch>
+            <a:fillRect/>
+          </a:stretch>
+        </p:blipFill>
+        <p:spPr bwMode="auto">
+          <a:xfrm>
+            <a:off x="9663341" y="2885243"/>
+            <a:ext cx="506027" cy="506027"/>
+          </a:xfrm>
+          <a:prstGeom prst="rect">
+            <a:avLst/>
+          </a:prstGeom>
+          <a:noFill/>
+          <a:extLst>
+            <a:ext uri="{909E8E84-426E-40DD-AFC4-6F175D3DCCD1}">
+              <a14:hiddenFill xmlns:a14="http://schemas.microsoft.com/office/drawing/2010/main">
+                <a:solidFill>
+                  <a:srgbClr val="FFFFFF"/>
+                </a:solidFill>
+              </a14:hiddenFill>
+            </a:ext>
+          </a:extLst>
+        </p:spPr>
+      </p:pic>
+      <p:sp>
+        <p:nvSpPr>
+          <p:cNvPr id="8" name="Oval 7">
+            <a:extLst>
+              <a:ext uri="{FF2B5EF4-FFF2-40B4-BE49-F238E27FC236}">
+                <a16:creationId xmlns:a16="http://schemas.microsoft.com/office/drawing/2014/main" id="{479D7BCA-442F-44FD-9846-BEC90CAD9C5B}"/>
+              </a:ext>
+            </a:extLst>
+          </p:cNvPr>
+          <p:cNvSpPr/>
+          <p:nvPr/>
+        </p:nvSpPr>
+        <p:spPr>
+          <a:xfrm>
+            <a:off x="7154383" y="1720153"/>
+            <a:ext cx="3755254" cy="3515556"/>
+          </a:xfrm>
+          <a:prstGeom prst="ellipse">
+            <a:avLst/>
+          </a:prstGeom>
+          <a:solidFill>
+            <a:srgbClr val="F41414">
+              <a:alpha val="27843"/>
+            </a:srgbClr>
+          </a:solidFill>
+          <a:ln>
+            <a:noFill/>
+          </a:ln>
+        </p:spPr>
+        <p:style>
+          <a:lnRef idx="2">
+            <a:schemeClr val="accent1">
+              <a:shade val="50000"/>
+            </a:schemeClr>
+          </a:lnRef>
+          <a:fillRef idx="1">
+            <a:schemeClr val="accent1"/>
+          </a:fillRef>
+          <a:effectRef idx="0">
+            <a:schemeClr val="accent1"/>
+          </a:effectRef>
+          <a:fontRef idx="minor">
+            <a:schemeClr val="lt1"/>
+          </a:fontRef>
+        </p:style>
+        <p:txBody>
+          <a:bodyPr rtlCol="0" anchor="ctr"/>
+          <a:lstStyle/>
+          <a:p>
+            <a:pPr algn="ctr"/>
+            <a:endParaRPr lang="en-US" dirty="0"/>
+          </a:p>
         </p:txBody>
       </p:sp>
     </p:spTree>
     <p:extLst>
       <p:ext uri="{BB962C8B-B14F-4D97-AF65-F5344CB8AC3E}">
-        <p14:creationId xmlns:p14="http://schemas.microsoft.com/office/powerpoint/2010/main" val="1599307210"/>
+        <p14:creationId xmlns:p14="http://schemas.microsoft.com/office/powerpoint/2010/main" val="3423634141"/>
       </p:ext>
     </p:extLst>
   </p:cSld>
@@ -5304,430 +5296,6 @@
 <file path=ppt/slides/slide6.xml><?xml version="1.0" encoding="utf-8"?>
 <p:sld xmlns:a="http://schemas.openxmlformats.org/drawingml/2006/main" xmlns:r="http://schemas.openxmlformats.org/officeDocument/2006/relationships" xmlns:p="http://schemas.openxmlformats.org/presentationml/2006/main">
   <p:cSld>
-    <p:spTree>
-      <p:nvGrpSpPr>
-        <p:cNvPr id="1" name=""/>
-        <p:cNvGrpSpPr/>
-        <p:nvPr/>
-      </p:nvGrpSpPr>
-      <p:grpSpPr>
-        <a:xfrm>
-          <a:off x="0" y="0"/>
-          <a:ext cx="0" cy="0"/>
-          <a:chOff x="0" y="0"/>
-          <a:chExt cx="0" cy="0"/>
-        </a:xfrm>
-      </p:grpSpPr>
-      <p:sp>
-        <p:nvSpPr>
-          <p:cNvPr id="4" name="Rectangle 3">
-            <a:extLst>
-              <a:ext uri="{FF2B5EF4-FFF2-40B4-BE49-F238E27FC236}">
-                <a16:creationId xmlns:a16="http://schemas.microsoft.com/office/drawing/2014/main" id="{301DEB89-BD79-436A-A77D-B0BE18FBBDA2}"/>
-              </a:ext>
-            </a:extLst>
-          </p:cNvPr>
-          <p:cNvSpPr/>
-          <p:nvPr/>
-        </p:nvSpPr>
-        <p:spPr>
-          <a:xfrm>
-            <a:off x="0" y="0"/>
-            <a:ext cx="5770485" cy="6858000"/>
-          </a:xfrm>
-          <a:prstGeom prst="rect">
-            <a:avLst/>
-          </a:prstGeom>
-          <a:ln>
-            <a:noFill/>
-          </a:ln>
-        </p:spPr>
-        <p:style>
-          <a:lnRef idx="2">
-            <a:schemeClr val="accent1">
-              <a:shade val="50000"/>
-            </a:schemeClr>
-          </a:lnRef>
-          <a:fillRef idx="1">
-            <a:schemeClr val="accent1"/>
-          </a:fillRef>
-          <a:effectRef idx="0">
-            <a:schemeClr val="accent1"/>
-          </a:effectRef>
-          <a:fontRef idx="minor">
-            <a:schemeClr val="lt1"/>
-          </a:fontRef>
-        </p:style>
-        <p:txBody>
-          <a:bodyPr rtlCol="0" anchor="ctr"/>
-          <a:lstStyle/>
-          <a:p>
-            <a:pPr algn="ctr"/>
-            <a:endParaRPr lang="en-US" dirty="0"/>
-          </a:p>
-        </p:txBody>
-      </p:sp>
-      <p:sp>
-        <p:nvSpPr>
-          <p:cNvPr id="5" name="TextBox 4">
-            <a:extLst>
-              <a:ext uri="{FF2B5EF4-FFF2-40B4-BE49-F238E27FC236}">
-                <a16:creationId xmlns:a16="http://schemas.microsoft.com/office/drawing/2014/main" id="{A89B2563-610F-4F1D-9093-BD571CF43128}"/>
-              </a:ext>
-            </a:extLst>
-          </p:cNvPr>
-          <p:cNvSpPr txBox="1"/>
-          <p:nvPr/>
-        </p:nvSpPr>
-        <p:spPr>
-          <a:xfrm>
-            <a:off x="443884" y="272577"/>
-            <a:ext cx="4367814" cy="2554545"/>
-          </a:xfrm>
-          <a:prstGeom prst="rect">
-            <a:avLst/>
-          </a:prstGeom>
-          <a:noFill/>
-          <a:effectLst>
-            <a:outerShdw blurRad="50800" dist="38100" algn="l" rotWithShape="0">
-              <a:prstClr val="black">
-                <a:alpha val="40000"/>
-              </a:prstClr>
-            </a:outerShdw>
-          </a:effectLst>
-        </p:spPr>
-        <p:txBody>
-          <a:bodyPr wrap="square" rtlCol="0">
-            <a:spAutoFit/>
-          </a:bodyPr>
-          <a:lstStyle/>
-          <a:p>
-            <a:r>
-              <a:rPr lang="en-US" sz="8000" dirty="0">
-                <a:solidFill>
-                  <a:schemeClr val="bg1"/>
-                </a:solidFill>
-                <a:latin typeface="Harlow Solid Italic" panose="04030604020F02020D02" pitchFamily="82" charset="0"/>
-              </a:rPr>
-              <a:t>The</a:t>
-            </a:r>
-          </a:p>
-          <a:p>
-            <a:r>
-              <a:rPr lang="en-US" sz="8000" dirty="0">
-                <a:solidFill>
-                  <a:schemeClr val="bg1"/>
-                </a:solidFill>
-                <a:latin typeface="Harlow Solid Italic" panose="04030604020F02020D02" pitchFamily="82" charset="0"/>
-              </a:rPr>
-              <a:t>Future</a:t>
-            </a:r>
-          </a:p>
-        </p:txBody>
-      </p:sp>
-      <p:pic>
-        <p:nvPicPr>
-          <p:cNvPr id="7170" name="Picture 2" descr="Image result for blank application on phone 3d">
-            <a:extLst>
-              <a:ext uri="{FF2B5EF4-FFF2-40B4-BE49-F238E27FC236}">
-                <a16:creationId xmlns:a16="http://schemas.microsoft.com/office/drawing/2014/main" id="{6853C078-B6FD-4EDC-8542-5EB8E415AB15}"/>
-              </a:ext>
-            </a:extLst>
-          </p:cNvPr>
-          <p:cNvPicPr>
-            <a:picLocks noChangeAspect="1" noChangeArrowheads="1"/>
-          </p:cNvPicPr>
-          <p:nvPr/>
-        </p:nvPicPr>
-        <p:blipFill>
-          <a:blip r:embed="rId2">
-            <a:extLst>
-              <a:ext uri="{28A0092B-C50C-407E-A947-70E740481C1C}">
-                <a14:useLocalDpi xmlns:a14="http://schemas.microsoft.com/office/drawing/2010/main" val="0"/>
-              </a:ext>
-            </a:extLst>
-          </a:blip>
-          <a:srcRect/>
-          <a:stretch>
-            <a:fillRect/>
-          </a:stretch>
-        </p:blipFill>
-        <p:spPr bwMode="auto">
-          <a:xfrm>
-            <a:off x="6288259" y="0"/>
-            <a:ext cx="6421515" cy="6421515"/>
-          </a:xfrm>
-          <a:prstGeom prst="rect">
-            <a:avLst/>
-          </a:prstGeom>
-          <a:noFill/>
-          <a:extLst>
-            <a:ext uri="{909E8E84-426E-40DD-AFC4-6F175D3DCCD1}">
-              <a14:hiddenFill xmlns:a14="http://schemas.microsoft.com/office/drawing/2010/main">
-                <a:solidFill>
-                  <a:srgbClr val="FFFFFF"/>
-                </a:solidFill>
-              </a14:hiddenFill>
-            </a:ext>
-          </a:extLst>
-        </p:spPr>
-      </p:pic>
-      <p:sp>
-        <p:nvSpPr>
-          <p:cNvPr id="7" name="Trapezoid 6">
-            <a:extLst>
-              <a:ext uri="{FF2B5EF4-FFF2-40B4-BE49-F238E27FC236}">
-                <a16:creationId xmlns:a16="http://schemas.microsoft.com/office/drawing/2014/main" id="{66C1131A-09C8-4E46-A79A-E8856CF97DFB}"/>
-              </a:ext>
-            </a:extLst>
-          </p:cNvPr>
-          <p:cNvSpPr/>
-          <p:nvPr/>
-        </p:nvSpPr>
-        <p:spPr>
-          <a:xfrm rot="5400000">
-            <a:off x="7407563" y="2807854"/>
-            <a:ext cx="3417455" cy="757382"/>
-          </a:xfrm>
-          <a:prstGeom prst="trapezoid">
-            <a:avLst/>
-          </a:prstGeom>
-          <a:ln>
-            <a:noFill/>
-          </a:ln>
-        </p:spPr>
-        <p:style>
-          <a:lnRef idx="2">
-            <a:schemeClr val="accent1">
-              <a:shade val="50000"/>
-            </a:schemeClr>
-          </a:lnRef>
-          <a:fillRef idx="1">
-            <a:schemeClr val="accent1"/>
-          </a:fillRef>
-          <a:effectRef idx="0">
-            <a:schemeClr val="accent1"/>
-          </a:effectRef>
-          <a:fontRef idx="minor">
-            <a:schemeClr val="lt1"/>
-          </a:fontRef>
-        </p:style>
-        <p:txBody>
-          <a:bodyPr rtlCol="0" anchor="ctr"/>
-          <a:lstStyle/>
-          <a:p>
-            <a:pPr algn="ctr"/>
-            <a:endParaRPr lang="en-US"/>
-          </a:p>
-        </p:txBody>
-      </p:sp>
-      <p:sp>
-        <p:nvSpPr>
-          <p:cNvPr id="10" name="Trapezoid 9">
-            <a:extLst>
-              <a:ext uri="{FF2B5EF4-FFF2-40B4-BE49-F238E27FC236}">
-                <a16:creationId xmlns:a16="http://schemas.microsoft.com/office/drawing/2014/main" id="{9B23BFB8-CA40-4B02-8903-513C9951B116}"/>
-              </a:ext>
-            </a:extLst>
-          </p:cNvPr>
-          <p:cNvSpPr/>
-          <p:nvPr/>
-        </p:nvSpPr>
-        <p:spPr>
-          <a:xfrm rot="5400000">
-            <a:off x="8280397" y="2895602"/>
-            <a:ext cx="3029531" cy="600363"/>
-          </a:xfrm>
-          <a:prstGeom prst="trapezoid">
-            <a:avLst/>
-          </a:prstGeom>
-          <a:solidFill>
-            <a:srgbClr val="FF0000"/>
-          </a:solidFill>
-          <a:ln>
-            <a:noFill/>
-          </a:ln>
-        </p:spPr>
-        <p:style>
-          <a:lnRef idx="2">
-            <a:schemeClr val="accent1">
-              <a:shade val="50000"/>
-            </a:schemeClr>
-          </a:lnRef>
-          <a:fillRef idx="1">
-            <a:schemeClr val="accent1"/>
-          </a:fillRef>
-          <a:effectRef idx="0">
-            <a:schemeClr val="accent1"/>
-          </a:effectRef>
-          <a:fontRef idx="minor">
-            <a:schemeClr val="lt1"/>
-          </a:fontRef>
-        </p:style>
-        <p:txBody>
-          <a:bodyPr rtlCol="0" anchor="ctr"/>
-          <a:lstStyle/>
-          <a:p>
-            <a:pPr algn="ctr"/>
-            <a:endParaRPr lang="en-US"/>
-          </a:p>
-        </p:txBody>
-      </p:sp>
-      <p:sp>
-        <p:nvSpPr>
-          <p:cNvPr id="11" name="TextBox 10">
-            <a:extLst>
-              <a:ext uri="{FF2B5EF4-FFF2-40B4-BE49-F238E27FC236}">
-                <a16:creationId xmlns:a16="http://schemas.microsoft.com/office/drawing/2014/main" id="{00EAAB5A-5E0F-4A0D-A7E6-EDAB53E7F379}"/>
-              </a:ext>
-            </a:extLst>
-          </p:cNvPr>
-          <p:cNvSpPr txBox="1"/>
-          <p:nvPr/>
-        </p:nvSpPr>
-        <p:spPr>
-          <a:xfrm>
-            <a:off x="8913452" y="2684343"/>
-            <a:ext cx="1286991" cy="307777"/>
-          </a:xfrm>
-          <a:prstGeom prst="rect">
-            <a:avLst/>
-          </a:prstGeom>
-          <a:noFill/>
-          <a:effectLst>
-            <a:outerShdw blurRad="50800" dist="38100" dir="2700000" algn="tl" rotWithShape="0">
-              <a:prstClr val="black">
-                <a:alpha val="40000"/>
-              </a:prstClr>
-            </a:outerShdw>
-          </a:effectLst>
-        </p:spPr>
-        <p:txBody>
-          <a:bodyPr wrap="square" rtlCol="0">
-            <a:spAutoFit/>
-          </a:bodyPr>
-          <a:lstStyle/>
-          <a:p>
-            <a:r>
-              <a:rPr lang="en-US" sz="1400" dirty="0">
-                <a:solidFill>
-                  <a:srgbClr val="FF0000"/>
-                </a:solidFill>
-                <a:latin typeface="Harlow Solid Italic" panose="04030604020F02020D02" pitchFamily="82" charset="0"/>
-              </a:rPr>
-              <a:t>Super</a:t>
-            </a:r>
-            <a:r>
-              <a:rPr lang="en-US" sz="1400" dirty="0">
-                <a:solidFill>
-                  <a:schemeClr val="accent1"/>
-                </a:solidFill>
-                <a:latin typeface="Harlow Solid Italic" panose="04030604020F02020D02" pitchFamily="82" charset="0"/>
-              </a:rPr>
-              <a:t>Points</a:t>
-            </a:r>
-          </a:p>
-        </p:txBody>
-      </p:sp>
-      <p:sp>
-        <p:nvSpPr>
-          <p:cNvPr id="12" name="TextBox 11">
-            <a:extLst>
-              <a:ext uri="{FF2B5EF4-FFF2-40B4-BE49-F238E27FC236}">
-                <a16:creationId xmlns:a16="http://schemas.microsoft.com/office/drawing/2014/main" id="{724CE916-BED5-4BA3-9A1E-22413BA3E2E3}"/>
-              </a:ext>
-            </a:extLst>
-          </p:cNvPr>
-          <p:cNvSpPr txBox="1"/>
-          <p:nvPr/>
-        </p:nvSpPr>
-        <p:spPr>
-          <a:xfrm>
-            <a:off x="527174" y="3433276"/>
-            <a:ext cx="5160723" cy="2554545"/>
-          </a:xfrm>
-          <a:prstGeom prst="rect">
-            <a:avLst/>
-          </a:prstGeom>
-          <a:noFill/>
-        </p:spPr>
-        <p:txBody>
-          <a:bodyPr wrap="square" rtlCol="0">
-            <a:spAutoFit/>
-          </a:bodyPr>
-          <a:lstStyle/>
-          <a:p>
-            <a:r>
-              <a:rPr lang="en-US" sz="3200" dirty="0">
-                <a:solidFill>
-                  <a:schemeClr val="bg1"/>
-                </a:solidFill>
-                <a:latin typeface="Microsoft JhengHei Light" panose="020B0304030504040204" pitchFamily="34" charset="-120"/>
-                <a:ea typeface="Microsoft JhengHei Light" panose="020B0304030504040204" pitchFamily="34" charset="-120"/>
-              </a:rPr>
-              <a:t>Modern design</a:t>
-            </a:r>
-          </a:p>
-          <a:p>
-            <a:endParaRPr lang="en-US" sz="3200" dirty="0">
-              <a:solidFill>
-                <a:schemeClr val="bg1"/>
-              </a:solidFill>
-              <a:latin typeface="Microsoft JhengHei Light" panose="020B0304030504040204" pitchFamily="34" charset="-120"/>
-              <a:ea typeface="Microsoft JhengHei Light" panose="020B0304030504040204" pitchFamily="34" charset="-120"/>
-            </a:endParaRPr>
-          </a:p>
-          <a:p>
-            <a:r>
-              <a:rPr lang="en-US" sz="3200" dirty="0">
-                <a:solidFill>
-                  <a:schemeClr val="bg1"/>
-                </a:solidFill>
-                <a:latin typeface="Microsoft JhengHei Light" panose="020B0304030504040204" pitchFamily="34" charset="-120"/>
-                <a:ea typeface="Microsoft JhengHei Light" panose="020B0304030504040204" pitchFamily="34" charset="-120"/>
-              </a:rPr>
-              <a:t>More business value</a:t>
-            </a:r>
-          </a:p>
-          <a:p>
-            <a:endParaRPr lang="en-US" sz="3200" dirty="0">
-              <a:solidFill>
-                <a:schemeClr val="bg1"/>
-              </a:solidFill>
-              <a:latin typeface="Microsoft JhengHei Light" panose="020B0304030504040204" pitchFamily="34" charset="-120"/>
-              <a:ea typeface="Microsoft JhengHei Light" panose="020B0304030504040204" pitchFamily="34" charset="-120"/>
-            </a:endParaRPr>
-          </a:p>
-          <a:p>
-            <a:r>
-              <a:rPr lang="en-US" sz="3200" dirty="0">
-                <a:solidFill>
-                  <a:schemeClr val="bg1"/>
-                </a:solidFill>
-                <a:latin typeface="Microsoft JhengHei Light" panose="020B0304030504040204" pitchFamily="34" charset="-120"/>
-                <a:ea typeface="Microsoft JhengHei Light" panose="020B0304030504040204" pitchFamily="34" charset="-120"/>
-              </a:rPr>
-              <a:t>Production</a:t>
-            </a:r>
-          </a:p>
-        </p:txBody>
-      </p:sp>
-    </p:spTree>
-    <p:extLst>
-      <p:ext uri="{BB962C8B-B14F-4D97-AF65-F5344CB8AC3E}">
-        <p14:creationId xmlns:p14="http://schemas.microsoft.com/office/powerpoint/2010/main" val="275370772"/>
-      </p:ext>
-    </p:extLst>
-  </p:cSld>
-  <p:clrMapOvr>
-    <a:masterClrMapping/>
-  </p:clrMapOvr>
-</p:sld>
-</file>
-
-<file path=ppt/slides/slide7.xml><?xml version="1.0" encoding="utf-8"?>
-<p:sld xmlns:a="http://schemas.openxmlformats.org/drawingml/2006/main" xmlns:r="http://schemas.openxmlformats.org/officeDocument/2006/relationships" xmlns:p="http://schemas.openxmlformats.org/presentationml/2006/main">
-  <p:cSld>
     <p:bg>
       <p:bgPr>
         <a:solidFill>
@@ -6090,10 +5658,481 @@
           </a:p>
         </p:txBody>
       </p:sp>
+      <p:sp>
+        <p:nvSpPr>
+          <p:cNvPr id="9" name="TextBox 8">
+            <a:extLst>
+              <a:ext uri="{FF2B5EF4-FFF2-40B4-BE49-F238E27FC236}">
+                <a16:creationId xmlns:a16="http://schemas.microsoft.com/office/drawing/2014/main" id="{3C4C7700-3BE5-4C99-8EC3-28B4E19C4EAA}"/>
+              </a:ext>
+            </a:extLst>
+          </p:cNvPr>
+          <p:cNvSpPr txBox="1"/>
+          <p:nvPr/>
+        </p:nvSpPr>
+        <p:spPr>
+          <a:xfrm rot="18275769">
+            <a:off x="4955087" y="3799458"/>
+            <a:ext cx="4779396" cy="1631216"/>
+          </a:xfrm>
+          <a:prstGeom prst="rect">
+            <a:avLst/>
+          </a:prstGeom>
+          <a:noFill/>
+          <a:effectLst>
+            <a:outerShdw blurRad="50800" dist="38100" dir="2700000" algn="tl" rotWithShape="0">
+              <a:prstClr val="black">
+                <a:alpha val="40000"/>
+              </a:prstClr>
+            </a:outerShdw>
+          </a:effectLst>
+        </p:spPr>
+        <p:txBody>
+          <a:bodyPr wrap="square" rtlCol="0">
+            <a:spAutoFit/>
+          </a:bodyPr>
+          <a:lstStyle/>
+          <a:p>
+            <a:r>
+              <a:rPr lang="en-US" sz="10000" dirty="0">
+                <a:solidFill>
+                  <a:schemeClr val="bg1"/>
+                </a:solidFill>
+                <a:latin typeface="Harlow Solid Italic" panose="04030604020F02020D02" pitchFamily="82" charset="0"/>
+              </a:rPr>
+              <a:t>database</a:t>
+            </a:r>
+          </a:p>
+        </p:txBody>
+      </p:sp>
     </p:spTree>
     <p:extLst>
       <p:ext uri="{BB962C8B-B14F-4D97-AF65-F5344CB8AC3E}">
         <p14:creationId xmlns:p14="http://schemas.microsoft.com/office/powerpoint/2010/main" val="1711400611"/>
+      </p:ext>
+    </p:extLst>
+  </p:cSld>
+  <p:clrMapOvr>
+    <a:masterClrMapping/>
+  </p:clrMapOvr>
+</p:sld>
+</file>
+
+<file path=ppt/slides/slide7.xml><?xml version="1.0" encoding="utf-8"?>
+<p:sld xmlns:a="http://schemas.openxmlformats.org/drawingml/2006/main" xmlns:r="http://schemas.openxmlformats.org/officeDocument/2006/relationships" xmlns:p="http://schemas.openxmlformats.org/presentationml/2006/main">
+  <p:cSld>
+    <p:spTree>
+      <p:nvGrpSpPr>
+        <p:cNvPr id="1" name=""/>
+        <p:cNvGrpSpPr/>
+        <p:nvPr/>
+      </p:nvGrpSpPr>
+      <p:grpSpPr>
+        <a:xfrm>
+          <a:off x="0" y="0"/>
+          <a:ext cx="0" cy="0"/>
+          <a:chOff x="0" y="0"/>
+          <a:chExt cx="0" cy="0"/>
+        </a:xfrm>
+      </p:grpSpPr>
+      <p:sp>
+        <p:nvSpPr>
+          <p:cNvPr id="4" name="Rectangle 3">
+            <a:extLst>
+              <a:ext uri="{FF2B5EF4-FFF2-40B4-BE49-F238E27FC236}">
+                <a16:creationId xmlns:a16="http://schemas.microsoft.com/office/drawing/2014/main" id="{301DEB89-BD79-436A-A77D-B0BE18FBBDA2}"/>
+              </a:ext>
+            </a:extLst>
+          </p:cNvPr>
+          <p:cNvSpPr/>
+          <p:nvPr/>
+        </p:nvSpPr>
+        <p:spPr>
+          <a:xfrm>
+            <a:off x="0" y="0"/>
+            <a:ext cx="5770485" cy="6858000"/>
+          </a:xfrm>
+          <a:prstGeom prst="rect">
+            <a:avLst/>
+          </a:prstGeom>
+          <a:ln>
+            <a:noFill/>
+          </a:ln>
+        </p:spPr>
+        <p:style>
+          <a:lnRef idx="2">
+            <a:schemeClr val="accent1">
+              <a:shade val="50000"/>
+            </a:schemeClr>
+          </a:lnRef>
+          <a:fillRef idx="1">
+            <a:schemeClr val="accent1"/>
+          </a:fillRef>
+          <a:effectRef idx="0">
+            <a:schemeClr val="accent1"/>
+          </a:effectRef>
+          <a:fontRef idx="minor">
+            <a:schemeClr val="lt1"/>
+          </a:fontRef>
+        </p:style>
+        <p:txBody>
+          <a:bodyPr rtlCol="0" anchor="ctr"/>
+          <a:lstStyle/>
+          <a:p>
+            <a:pPr algn="ctr"/>
+            <a:endParaRPr lang="en-US" dirty="0"/>
+          </a:p>
+        </p:txBody>
+      </p:sp>
+      <p:sp>
+        <p:nvSpPr>
+          <p:cNvPr id="5" name="TextBox 4">
+            <a:extLst>
+              <a:ext uri="{FF2B5EF4-FFF2-40B4-BE49-F238E27FC236}">
+                <a16:creationId xmlns:a16="http://schemas.microsoft.com/office/drawing/2014/main" id="{A89B2563-610F-4F1D-9093-BD571CF43128}"/>
+              </a:ext>
+            </a:extLst>
+          </p:cNvPr>
+          <p:cNvSpPr txBox="1"/>
+          <p:nvPr/>
+        </p:nvSpPr>
+        <p:spPr>
+          <a:xfrm>
+            <a:off x="443884" y="272577"/>
+            <a:ext cx="4367814" cy="2554545"/>
+          </a:xfrm>
+          <a:prstGeom prst="rect">
+            <a:avLst/>
+          </a:prstGeom>
+          <a:noFill/>
+          <a:effectLst>
+            <a:outerShdw blurRad="50800" dist="38100" algn="l" rotWithShape="0">
+              <a:prstClr val="black">
+                <a:alpha val="40000"/>
+              </a:prstClr>
+            </a:outerShdw>
+          </a:effectLst>
+        </p:spPr>
+        <p:txBody>
+          <a:bodyPr wrap="square" rtlCol="0">
+            <a:spAutoFit/>
+          </a:bodyPr>
+          <a:lstStyle/>
+          <a:p>
+            <a:r>
+              <a:rPr lang="en-US" sz="8000" dirty="0">
+                <a:solidFill>
+                  <a:schemeClr val="bg1"/>
+                </a:solidFill>
+                <a:latin typeface="Harlow Solid Italic" panose="04030604020F02020D02" pitchFamily="82" charset="0"/>
+              </a:rPr>
+              <a:t>The</a:t>
+            </a:r>
+          </a:p>
+          <a:p>
+            <a:r>
+              <a:rPr lang="en-US" sz="8000" dirty="0">
+                <a:solidFill>
+                  <a:schemeClr val="bg1"/>
+                </a:solidFill>
+                <a:latin typeface="Harlow Solid Italic" panose="04030604020F02020D02" pitchFamily="82" charset="0"/>
+              </a:rPr>
+              <a:t>Future</a:t>
+            </a:r>
+          </a:p>
+        </p:txBody>
+      </p:sp>
+      <p:pic>
+        <p:nvPicPr>
+          <p:cNvPr id="7170" name="Picture 2" descr="Image result for blank application on phone 3d">
+            <a:extLst>
+              <a:ext uri="{FF2B5EF4-FFF2-40B4-BE49-F238E27FC236}">
+                <a16:creationId xmlns:a16="http://schemas.microsoft.com/office/drawing/2014/main" id="{6853C078-B6FD-4EDC-8542-5EB8E415AB15}"/>
+              </a:ext>
+            </a:extLst>
+          </p:cNvPr>
+          <p:cNvPicPr>
+            <a:picLocks noChangeAspect="1" noChangeArrowheads="1"/>
+          </p:cNvPicPr>
+          <p:nvPr/>
+        </p:nvPicPr>
+        <p:blipFill>
+          <a:blip r:embed="rId2">
+            <a:extLst>
+              <a:ext uri="{28A0092B-C50C-407E-A947-70E740481C1C}">
+                <a14:useLocalDpi xmlns:a14="http://schemas.microsoft.com/office/drawing/2010/main" val="0"/>
+              </a:ext>
+            </a:extLst>
+          </a:blip>
+          <a:srcRect/>
+          <a:stretch>
+            <a:fillRect/>
+          </a:stretch>
+        </p:blipFill>
+        <p:spPr bwMode="auto">
+          <a:xfrm>
+            <a:off x="6288259" y="0"/>
+            <a:ext cx="6421515" cy="6421515"/>
+          </a:xfrm>
+          <a:prstGeom prst="rect">
+            <a:avLst/>
+          </a:prstGeom>
+          <a:noFill/>
+          <a:extLst>
+            <a:ext uri="{909E8E84-426E-40DD-AFC4-6F175D3DCCD1}">
+              <a14:hiddenFill xmlns:a14="http://schemas.microsoft.com/office/drawing/2010/main">
+                <a:solidFill>
+                  <a:srgbClr val="FFFFFF"/>
+                </a:solidFill>
+              </a14:hiddenFill>
+            </a:ext>
+          </a:extLst>
+        </p:spPr>
+      </p:pic>
+      <p:sp>
+        <p:nvSpPr>
+          <p:cNvPr id="7" name="Trapezoid 6">
+            <a:extLst>
+              <a:ext uri="{FF2B5EF4-FFF2-40B4-BE49-F238E27FC236}">
+                <a16:creationId xmlns:a16="http://schemas.microsoft.com/office/drawing/2014/main" id="{66C1131A-09C8-4E46-A79A-E8856CF97DFB}"/>
+              </a:ext>
+            </a:extLst>
+          </p:cNvPr>
+          <p:cNvSpPr/>
+          <p:nvPr/>
+        </p:nvSpPr>
+        <p:spPr>
+          <a:xfrm rot="5400000">
+            <a:off x="7407563" y="2807854"/>
+            <a:ext cx="3417455" cy="757382"/>
+          </a:xfrm>
+          <a:prstGeom prst="trapezoid">
+            <a:avLst/>
+          </a:prstGeom>
+          <a:ln>
+            <a:noFill/>
+          </a:ln>
+        </p:spPr>
+        <p:style>
+          <a:lnRef idx="2">
+            <a:schemeClr val="accent1">
+              <a:shade val="50000"/>
+            </a:schemeClr>
+          </a:lnRef>
+          <a:fillRef idx="1">
+            <a:schemeClr val="accent1"/>
+          </a:fillRef>
+          <a:effectRef idx="0">
+            <a:schemeClr val="accent1"/>
+          </a:effectRef>
+          <a:fontRef idx="minor">
+            <a:schemeClr val="lt1"/>
+          </a:fontRef>
+        </p:style>
+        <p:txBody>
+          <a:bodyPr rtlCol="0" anchor="ctr"/>
+          <a:lstStyle/>
+          <a:p>
+            <a:pPr algn="ctr"/>
+            <a:endParaRPr lang="en-US"/>
+          </a:p>
+        </p:txBody>
+      </p:sp>
+      <p:sp>
+        <p:nvSpPr>
+          <p:cNvPr id="10" name="Trapezoid 9">
+            <a:extLst>
+              <a:ext uri="{FF2B5EF4-FFF2-40B4-BE49-F238E27FC236}">
+                <a16:creationId xmlns:a16="http://schemas.microsoft.com/office/drawing/2014/main" id="{9B23BFB8-CA40-4B02-8903-513C9951B116}"/>
+              </a:ext>
+            </a:extLst>
+          </p:cNvPr>
+          <p:cNvSpPr/>
+          <p:nvPr/>
+        </p:nvSpPr>
+        <p:spPr>
+          <a:xfrm rot="5400000">
+            <a:off x="8280397" y="2895602"/>
+            <a:ext cx="3029531" cy="600363"/>
+          </a:xfrm>
+          <a:prstGeom prst="trapezoid">
+            <a:avLst/>
+          </a:prstGeom>
+          <a:solidFill>
+            <a:srgbClr val="FF0000"/>
+          </a:solidFill>
+          <a:ln>
+            <a:noFill/>
+          </a:ln>
+        </p:spPr>
+        <p:style>
+          <a:lnRef idx="2">
+            <a:schemeClr val="accent1">
+              <a:shade val="50000"/>
+            </a:schemeClr>
+          </a:lnRef>
+          <a:fillRef idx="1">
+            <a:schemeClr val="accent1"/>
+          </a:fillRef>
+          <a:effectRef idx="0">
+            <a:schemeClr val="accent1"/>
+          </a:effectRef>
+          <a:fontRef idx="minor">
+            <a:schemeClr val="lt1"/>
+          </a:fontRef>
+        </p:style>
+        <p:txBody>
+          <a:bodyPr rtlCol="0" anchor="ctr"/>
+          <a:lstStyle/>
+          <a:p>
+            <a:pPr algn="ctr"/>
+            <a:endParaRPr lang="en-US"/>
+          </a:p>
+        </p:txBody>
+      </p:sp>
+      <p:sp>
+        <p:nvSpPr>
+          <p:cNvPr id="11" name="TextBox 10">
+            <a:extLst>
+              <a:ext uri="{FF2B5EF4-FFF2-40B4-BE49-F238E27FC236}">
+                <a16:creationId xmlns:a16="http://schemas.microsoft.com/office/drawing/2014/main" id="{00EAAB5A-5E0F-4A0D-A7E6-EDAB53E7F379}"/>
+              </a:ext>
+            </a:extLst>
+          </p:cNvPr>
+          <p:cNvSpPr txBox="1"/>
+          <p:nvPr/>
+        </p:nvSpPr>
+        <p:spPr>
+          <a:xfrm>
+            <a:off x="8913452" y="2684343"/>
+            <a:ext cx="1286991" cy="307777"/>
+          </a:xfrm>
+          <a:prstGeom prst="rect">
+            <a:avLst/>
+          </a:prstGeom>
+          <a:noFill/>
+          <a:effectLst>
+            <a:outerShdw blurRad="50800" dist="38100" dir="2700000" algn="tl" rotWithShape="0">
+              <a:prstClr val="black">
+                <a:alpha val="40000"/>
+              </a:prstClr>
+            </a:outerShdw>
+          </a:effectLst>
+        </p:spPr>
+        <p:txBody>
+          <a:bodyPr wrap="square" rtlCol="0">
+            <a:spAutoFit/>
+          </a:bodyPr>
+          <a:lstStyle/>
+          <a:p>
+            <a:r>
+              <a:rPr lang="en-US" sz="1400" dirty="0">
+                <a:solidFill>
+                  <a:srgbClr val="FF0000"/>
+                </a:solidFill>
+                <a:latin typeface="Harlow Solid Italic" panose="04030604020F02020D02" pitchFamily="82" charset="0"/>
+              </a:rPr>
+              <a:t>Super</a:t>
+            </a:r>
+            <a:r>
+              <a:rPr lang="en-US" sz="1400" dirty="0">
+                <a:solidFill>
+                  <a:schemeClr val="accent1"/>
+                </a:solidFill>
+                <a:latin typeface="Harlow Solid Italic" panose="04030604020F02020D02" pitchFamily="82" charset="0"/>
+              </a:rPr>
+              <a:t>Points</a:t>
+            </a:r>
+          </a:p>
+        </p:txBody>
+      </p:sp>
+      <p:sp>
+        <p:nvSpPr>
+          <p:cNvPr id="12" name="TextBox 11">
+            <a:extLst>
+              <a:ext uri="{FF2B5EF4-FFF2-40B4-BE49-F238E27FC236}">
+                <a16:creationId xmlns:a16="http://schemas.microsoft.com/office/drawing/2014/main" id="{724CE916-BED5-4BA3-9A1E-22413BA3E2E3}"/>
+              </a:ext>
+            </a:extLst>
+          </p:cNvPr>
+          <p:cNvSpPr txBox="1"/>
+          <p:nvPr/>
+        </p:nvSpPr>
+        <p:spPr>
+          <a:xfrm>
+            <a:off x="527174" y="3433276"/>
+            <a:ext cx="5160723" cy="2554545"/>
+          </a:xfrm>
+          <a:prstGeom prst="rect">
+            <a:avLst/>
+          </a:prstGeom>
+          <a:noFill/>
+        </p:spPr>
+        <p:txBody>
+          <a:bodyPr wrap="square" rtlCol="0">
+            <a:spAutoFit/>
+          </a:bodyPr>
+          <a:lstStyle/>
+          <a:p>
+            <a:r>
+              <a:rPr lang="en-US" sz="3200" dirty="0">
+                <a:solidFill>
+                  <a:schemeClr val="bg1"/>
+                </a:solidFill>
+                <a:latin typeface="Microsoft JhengHei Light" panose="020B0304030504040204" pitchFamily="34" charset="-120"/>
+                <a:ea typeface="Microsoft JhengHei Light" panose="020B0304030504040204" pitchFamily="34" charset="-120"/>
+              </a:rPr>
+              <a:t>Modern design</a:t>
+            </a:r>
+          </a:p>
+          <a:p>
+            <a:endParaRPr lang="en-US" sz="3200" dirty="0">
+              <a:solidFill>
+                <a:schemeClr val="bg1"/>
+              </a:solidFill>
+              <a:latin typeface="Microsoft JhengHei Light" panose="020B0304030504040204" pitchFamily="34" charset="-120"/>
+              <a:ea typeface="Microsoft JhengHei Light" panose="020B0304030504040204" pitchFamily="34" charset="-120"/>
+            </a:endParaRPr>
+          </a:p>
+          <a:p>
+            <a:r>
+              <a:rPr lang="en-US" sz="3200" dirty="0">
+                <a:solidFill>
+                  <a:schemeClr val="bg1"/>
+                </a:solidFill>
+                <a:latin typeface="Microsoft JhengHei Light" panose="020B0304030504040204" pitchFamily="34" charset="-120"/>
+                <a:ea typeface="Microsoft JhengHei Light" panose="020B0304030504040204" pitchFamily="34" charset="-120"/>
+              </a:rPr>
+              <a:t>More business value</a:t>
+            </a:r>
+          </a:p>
+          <a:p>
+            <a:endParaRPr lang="en-US" sz="3200" dirty="0">
+              <a:solidFill>
+                <a:schemeClr val="bg1"/>
+              </a:solidFill>
+              <a:latin typeface="Microsoft JhengHei Light" panose="020B0304030504040204" pitchFamily="34" charset="-120"/>
+              <a:ea typeface="Microsoft JhengHei Light" panose="020B0304030504040204" pitchFamily="34" charset="-120"/>
+            </a:endParaRPr>
+          </a:p>
+          <a:p>
+            <a:r>
+              <a:rPr lang="en-US" sz="3200" dirty="0">
+                <a:solidFill>
+                  <a:schemeClr val="bg1"/>
+                </a:solidFill>
+                <a:latin typeface="Microsoft JhengHei Light" panose="020B0304030504040204" pitchFamily="34" charset="-120"/>
+                <a:ea typeface="Microsoft JhengHei Light" panose="020B0304030504040204" pitchFamily="34" charset="-120"/>
+              </a:rPr>
+              <a:t>Production</a:t>
+            </a:r>
+          </a:p>
+        </p:txBody>
+      </p:sp>
+    </p:spTree>
+    <p:extLst>
+      <p:ext uri="{BB962C8B-B14F-4D97-AF65-F5344CB8AC3E}">
+        <p14:creationId xmlns:p14="http://schemas.microsoft.com/office/powerpoint/2010/main" val="275370772"/>
       </p:ext>
     </p:extLst>
   </p:cSld>
